--- a/The_navigation_model/The navigation model.pptx
+++ b/The_navigation_model/The navigation model.pptx
@@ -262,7 +262,7 @@
           <a:p>
             <a:fld id="{3C1CD153-15DE-46E9-BB45-7F70E88D2337}" type="datetimeFigureOut">
               <a:rPr lang="nl-BE" smtClean="0"/>
-              <a:t>5/09/2018</a:t>
+              <a:t>6/09/2018</a:t>
             </a:fld>
             <a:endParaRPr lang="nl-BE"/>
           </a:p>
@@ -1164,7 +1164,7 @@
           <a:p>
             <a:fld id="{21F21368-17C6-4870-9BCB-BC49B72EC322}" type="datetimeFigureOut">
               <a:rPr lang="nl-BE" smtClean="0"/>
-              <a:t>5/09/2018</a:t>
+              <a:t>6/09/2018</a:t>
             </a:fld>
             <a:endParaRPr lang="nl-BE"/>
           </a:p>
@@ -1334,7 +1334,7 @@
           <a:p>
             <a:fld id="{21F21368-17C6-4870-9BCB-BC49B72EC322}" type="datetimeFigureOut">
               <a:rPr lang="nl-BE" smtClean="0"/>
-              <a:t>5/09/2018</a:t>
+              <a:t>6/09/2018</a:t>
             </a:fld>
             <a:endParaRPr lang="nl-BE"/>
           </a:p>
@@ -1514,7 +1514,7 @@
           <a:p>
             <a:fld id="{21F21368-17C6-4870-9BCB-BC49B72EC322}" type="datetimeFigureOut">
               <a:rPr lang="nl-BE" smtClean="0"/>
-              <a:t>5/09/2018</a:t>
+              <a:t>6/09/2018</a:t>
             </a:fld>
             <a:endParaRPr lang="nl-BE"/>
           </a:p>
@@ -2028,7 +2028,7 @@
           <a:p>
             <a:fld id="{21F21368-17C6-4870-9BCB-BC49B72EC322}" type="datetimeFigureOut">
               <a:rPr lang="nl-BE" smtClean="0"/>
-              <a:t>5/09/2018</a:t>
+              <a:t>6/09/2018</a:t>
             </a:fld>
             <a:endParaRPr lang="nl-BE"/>
           </a:p>
@@ -2274,7 +2274,7 @@
           <a:p>
             <a:fld id="{21F21368-17C6-4870-9BCB-BC49B72EC322}" type="datetimeFigureOut">
               <a:rPr lang="nl-BE" smtClean="0"/>
-              <a:t>5/09/2018</a:t>
+              <a:t>6/09/2018</a:t>
             </a:fld>
             <a:endParaRPr lang="nl-BE"/>
           </a:p>
@@ -2506,7 +2506,7 @@
           <a:p>
             <a:fld id="{21F21368-17C6-4870-9BCB-BC49B72EC322}" type="datetimeFigureOut">
               <a:rPr lang="nl-BE" smtClean="0"/>
-              <a:t>5/09/2018</a:t>
+              <a:t>6/09/2018</a:t>
             </a:fld>
             <a:endParaRPr lang="nl-BE"/>
           </a:p>
@@ -2873,7 +2873,7 @@
           <a:p>
             <a:fld id="{21F21368-17C6-4870-9BCB-BC49B72EC322}" type="datetimeFigureOut">
               <a:rPr lang="nl-BE" smtClean="0"/>
-              <a:t>5/09/2018</a:t>
+              <a:t>6/09/2018</a:t>
             </a:fld>
             <a:endParaRPr lang="nl-BE"/>
           </a:p>
@@ -2991,7 +2991,7 @@
           <a:p>
             <a:fld id="{21F21368-17C6-4870-9BCB-BC49B72EC322}" type="datetimeFigureOut">
               <a:rPr lang="nl-BE" smtClean="0"/>
-              <a:t>5/09/2018</a:t>
+              <a:t>6/09/2018</a:t>
             </a:fld>
             <a:endParaRPr lang="nl-BE"/>
           </a:p>
@@ -3086,7 +3086,7 @@
           <a:p>
             <a:fld id="{21F21368-17C6-4870-9BCB-BC49B72EC322}" type="datetimeFigureOut">
               <a:rPr lang="nl-BE" smtClean="0"/>
-              <a:t>5/09/2018</a:t>
+              <a:t>6/09/2018</a:t>
             </a:fld>
             <a:endParaRPr lang="nl-BE"/>
           </a:p>
@@ -3363,7 +3363,7 @@
           <a:p>
             <a:fld id="{21F21368-17C6-4870-9BCB-BC49B72EC322}" type="datetimeFigureOut">
               <a:rPr lang="nl-BE" smtClean="0"/>
-              <a:t>5/09/2018</a:t>
+              <a:t>6/09/2018</a:t>
             </a:fld>
             <a:endParaRPr lang="nl-BE"/>
           </a:p>
@@ -3620,7 +3620,7 @@
           <a:p>
             <a:fld id="{21F21368-17C6-4870-9BCB-BC49B72EC322}" type="datetimeFigureOut">
               <a:rPr lang="nl-BE" smtClean="0"/>
-              <a:t>5/09/2018</a:t>
+              <a:t>6/09/2018</a:t>
             </a:fld>
             <a:endParaRPr lang="nl-BE"/>
           </a:p>
@@ -3833,7 +3833,7 @@
           <a:p>
             <a:fld id="{21F21368-17C6-4870-9BCB-BC49B72EC322}" type="datetimeFigureOut">
               <a:rPr lang="nl-BE" smtClean="0"/>
-              <a:t>5/09/2018</a:t>
+              <a:t>6/09/2018</a:t>
             </a:fld>
             <a:endParaRPr lang="nl-BE"/>
           </a:p>
@@ -8626,10 +8626,6 @@
           </a:bodyPr>
           <a:lstStyle/>
           <a:p>
-            <a:r>
-              <a:rPr lang="en-GB" dirty="0"/>
-              <a:t> </a:t>
-            </a:r>
             <a:r>
               <a:rPr lang="en-GB" dirty="0">
                 <a:solidFill>

--- a/The_navigation_model/The navigation model.pptx
+++ b/The_navigation_model/The navigation model.pptx
@@ -5,7 +5,7 @@
     <p:sldMasterId id="2147483661" r:id="rId1"/>
   </p:sldMasterIdLst>
   <p:notesMasterIdLst>
-    <p:notesMasterId r:id="rId21"/>
+    <p:notesMasterId r:id="rId22"/>
   </p:notesMasterIdLst>
   <p:sldIdLst>
     <p:sldId id="257" r:id="rId2"/>
@@ -16,17 +16,18 @@
     <p:sldId id="278" r:id="rId7"/>
     <p:sldId id="289" r:id="rId8"/>
     <p:sldId id="293" r:id="rId9"/>
-    <p:sldId id="290" r:id="rId10"/>
-    <p:sldId id="285" r:id="rId11"/>
-    <p:sldId id="292" r:id="rId12"/>
-    <p:sldId id="284" r:id="rId13"/>
-    <p:sldId id="286" r:id="rId14"/>
-    <p:sldId id="287" r:id="rId15"/>
-    <p:sldId id="291" r:id="rId16"/>
-    <p:sldId id="294" r:id="rId17"/>
-    <p:sldId id="282" r:id="rId18"/>
-    <p:sldId id="288" r:id="rId19"/>
-    <p:sldId id="274" r:id="rId20"/>
+    <p:sldId id="295" r:id="rId10"/>
+    <p:sldId id="290" r:id="rId11"/>
+    <p:sldId id="285" r:id="rId12"/>
+    <p:sldId id="292" r:id="rId13"/>
+    <p:sldId id="284" r:id="rId14"/>
+    <p:sldId id="286" r:id="rId15"/>
+    <p:sldId id="287" r:id="rId16"/>
+    <p:sldId id="291" r:id="rId17"/>
+    <p:sldId id="294" r:id="rId18"/>
+    <p:sldId id="282" r:id="rId19"/>
+    <p:sldId id="288" r:id="rId20"/>
+    <p:sldId id="274" r:id="rId21"/>
   </p:sldIdLst>
   <p:sldSz cx="12192000" cy="6858000"/>
   <p:notesSz cx="6858000" cy="9144000"/>
@@ -146,6 +147,7 @@
         <p14:section name="Navigation" id="{BBD11857-E5F3-4A84-8864-5F11B21E1E7D}">
           <p14:sldIdLst>
             <p14:sldId id="293"/>
+            <p14:sldId id="295"/>
             <p14:sldId id="290"/>
           </p14:sldIdLst>
         </p14:section>
@@ -262,7 +264,7 @@
           <a:p>
             <a:fld id="{3C1CD153-15DE-46E9-BB45-7F70E88D2337}" type="datetimeFigureOut">
               <a:rPr lang="nl-BE" smtClean="0"/>
-              <a:t>6/09/2018</a:t>
+              <a:t>26/09/2018</a:t>
             </a:fld>
             <a:endParaRPr lang="nl-BE"/>
           </a:p>
@@ -891,7 +893,7 @@
           <a:p>
             <a:fld id="{86518AAE-73D8-4A7F-BD2A-F3659414D35C}" type="slidenum">
               <a:rPr lang="nl-BE" smtClean="0"/>
-              <a:t>9</a:t>
+              <a:t>10</a:t>
             </a:fld>
             <a:endParaRPr lang="nl-BE"/>
           </a:p>
@@ -1014,7 +1016,7 @@
           <a:p>
             <a:fld id="{86518AAE-73D8-4A7F-BD2A-F3659414D35C}" type="slidenum">
               <a:rPr lang="nl-BE" smtClean="0"/>
-              <a:t>11</a:t>
+              <a:t>12</a:t>
             </a:fld>
             <a:endParaRPr lang="nl-BE"/>
           </a:p>
@@ -1164,7 +1166,7 @@
           <a:p>
             <a:fld id="{21F21368-17C6-4870-9BCB-BC49B72EC322}" type="datetimeFigureOut">
               <a:rPr lang="nl-BE" smtClean="0"/>
-              <a:t>6/09/2018</a:t>
+              <a:t>26/09/2018</a:t>
             </a:fld>
             <a:endParaRPr lang="nl-BE"/>
           </a:p>
@@ -1334,7 +1336,7 @@
           <a:p>
             <a:fld id="{21F21368-17C6-4870-9BCB-BC49B72EC322}" type="datetimeFigureOut">
               <a:rPr lang="nl-BE" smtClean="0"/>
-              <a:t>6/09/2018</a:t>
+              <a:t>26/09/2018</a:t>
             </a:fld>
             <a:endParaRPr lang="nl-BE"/>
           </a:p>
@@ -1514,7 +1516,7 @@
           <a:p>
             <a:fld id="{21F21368-17C6-4870-9BCB-BC49B72EC322}" type="datetimeFigureOut">
               <a:rPr lang="nl-BE" smtClean="0"/>
-              <a:t>6/09/2018</a:t>
+              <a:t>26/09/2018</a:t>
             </a:fld>
             <a:endParaRPr lang="nl-BE"/>
           </a:p>
@@ -2028,7 +2030,7 @@
           <a:p>
             <a:fld id="{21F21368-17C6-4870-9BCB-BC49B72EC322}" type="datetimeFigureOut">
               <a:rPr lang="nl-BE" smtClean="0"/>
-              <a:t>6/09/2018</a:t>
+              <a:t>26/09/2018</a:t>
             </a:fld>
             <a:endParaRPr lang="nl-BE"/>
           </a:p>
@@ -2274,7 +2276,7 @@
           <a:p>
             <a:fld id="{21F21368-17C6-4870-9BCB-BC49B72EC322}" type="datetimeFigureOut">
               <a:rPr lang="nl-BE" smtClean="0"/>
-              <a:t>6/09/2018</a:t>
+              <a:t>26/09/2018</a:t>
             </a:fld>
             <a:endParaRPr lang="nl-BE"/>
           </a:p>
@@ -2506,7 +2508,7 @@
           <a:p>
             <a:fld id="{21F21368-17C6-4870-9BCB-BC49B72EC322}" type="datetimeFigureOut">
               <a:rPr lang="nl-BE" smtClean="0"/>
-              <a:t>6/09/2018</a:t>
+              <a:t>26/09/2018</a:t>
             </a:fld>
             <a:endParaRPr lang="nl-BE"/>
           </a:p>
@@ -2873,7 +2875,7 @@
           <a:p>
             <a:fld id="{21F21368-17C6-4870-9BCB-BC49B72EC322}" type="datetimeFigureOut">
               <a:rPr lang="nl-BE" smtClean="0"/>
-              <a:t>6/09/2018</a:t>
+              <a:t>26/09/2018</a:t>
             </a:fld>
             <a:endParaRPr lang="nl-BE"/>
           </a:p>
@@ -2991,7 +2993,7 @@
           <a:p>
             <a:fld id="{21F21368-17C6-4870-9BCB-BC49B72EC322}" type="datetimeFigureOut">
               <a:rPr lang="nl-BE" smtClean="0"/>
-              <a:t>6/09/2018</a:t>
+              <a:t>26/09/2018</a:t>
             </a:fld>
             <a:endParaRPr lang="nl-BE"/>
           </a:p>
@@ -3086,7 +3088,7 @@
           <a:p>
             <a:fld id="{21F21368-17C6-4870-9BCB-BC49B72EC322}" type="datetimeFigureOut">
               <a:rPr lang="nl-BE" smtClean="0"/>
-              <a:t>6/09/2018</a:t>
+              <a:t>26/09/2018</a:t>
             </a:fld>
             <a:endParaRPr lang="nl-BE"/>
           </a:p>
@@ -3363,7 +3365,7 @@
           <a:p>
             <a:fld id="{21F21368-17C6-4870-9BCB-BC49B72EC322}" type="datetimeFigureOut">
               <a:rPr lang="nl-BE" smtClean="0"/>
-              <a:t>6/09/2018</a:t>
+              <a:t>26/09/2018</a:t>
             </a:fld>
             <a:endParaRPr lang="nl-BE"/>
           </a:p>
@@ -3620,7 +3622,7 @@
           <a:p>
             <a:fld id="{21F21368-17C6-4870-9BCB-BC49B72EC322}" type="datetimeFigureOut">
               <a:rPr lang="nl-BE" smtClean="0"/>
-              <a:t>6/09/2018</a:t>
+              <a:t>26/09/2018</a:t>
             </a:fld>
             <a:endParaRPr lang="nl-BE"/>
           </a:p>
@@ -3833,7 +3835,7 @@
           <a:p>
             <a:fld id="{21F21368-17C6-4870-9BCB-BC49B72EC322}" type="datetimeFigureOut">
               <a:rPr lang="nl-BE" smtClean="0"/>
-              <a:t>6/09/2018</a:t>
+              <a:t>26/09/2018</a:t>
             </a:fld>
             <a:endParaRPr lang="nl-BE"/>
           </a:p>
@@ -4597,6 +4599,304 @@
           <p:cNvPr id="2" name="Title 1">
             <a:extLst>
               <a:ext uri="{FF2B5EF4-FFF2-40B4-BE49-F238E27FC236}">
+                <a16:creationId xmlns:a16="http://schemas.microsoft.com/office/drawing/2014/main" id="{9FC029DA-345A-4696-84E4-45C4233619F1}"/>
+              </a:ext>
+            </a:extLst>
+          </p:cNvPr>
+          <p:cNvSpPr>
+            <a:spLocks noGrp="1"/>
+          </p:cNvSpPr>
+          <p:nvPr>
+            <p:ph type="title"/>
+          </p:nvPr>
+        </p:nvSpPr>
+        <p:spPr/>
+        <p:txBody>
+          <a:bodyPr/>
+          <a:lstStyle/>
+          <a:p>
+            <a:r>
+              <a:rPr lang="en-GB" dirty="0"/>
+              <a:t>Push and pop</a:t>
+            </a:r>
+          </a:p>
+        </p:txBody>
+      </p:sp>
+      <p:sp>
+        <p:nvSpPr>
+          <p:cNvPr id="3" name="Content Placeholder 2">
+            <a:extLst>
+              <a:ext uri="{FF2B5EF4-FFF2-40B4-BE49-F238E27FC236}">
+                <a16:creationId xmlns:a16="http://schemas.microsoft.com/office/drawing/2014/main" id="{904608E5-52BC-47DA-BD57-07791959127B}"/>
+              </a:ext>
+            </a:extLst>
+          </p:cNvPr>
+          <p:cNvSpPr>
+            <a:spLocks noGrp="1"/>
+          </p:cNvSpPr>
+          <p:nvPr>
+            <p:ph idx="1"/>
+          </p:nvPr>
+        </p:nvSpPr>
+        <p:spPr/>
+        <p:txBody>
+          <a:bodyPr/>
+          <a:lstStyle/>
+          <a:p>
+            <a:r>
+              <a:rPr lang="en-GB" dirty="0"/>
+              <a:t>Push:</a:t>
+            </a:r>
+          </a:p>
+          <a:p>
+            <a:pPr lvl="1"/>
+            <a:r>
+              <a:rPr lang="en-GB" dirty="0"/>
+              <a:t>Save current location in stack (on top)</a:t>
+            </a:r>
+          </a:p>
+          <a:p>
+            <a:pPr lvl="1"/>
+            <a:r>
+              <a:rPr lang="en-GB" dirty="0"/>
+              <a:t>Move to given location</a:t>
+            </a:r>
+          </a:p>
+          <a:p>
+            <a:r>
+              <a:rPr lang="en-GB" dirty="0"/>
+              <a:t>Pop:</a:t>
+            </a:r>
+          </a:p>
+          <a:p>
+            <a:pPr lvl="1"/>
+            <a:r>
+              <a:rPr lang="en-GB" dirty="0"/>
+              <a:t>Move to location on top of stack</a:t>
+            </a:r>
+          </a:p>
+        </p:txBody>
+      </p:sp>
+      <p:sp>
+        <p:nvSpPr>
+          <p:cNvPr id="4" name="Rectangle 3">
+            <a:extLst>
+              <a:ext uri="{FF2B5EF4-FFF2-40B4-BE49-F238E27FC236}">
+                <a16:creationId xmlns:a16="http://schemas.microsoft.com/office/drawing/2014/main" id="{C8CC9EE9-61AF-4CA9-8B99-6AC23F804D2D}"/>
+              </a:ext>
+            </a:extLst>
+          </p:cNvPr>
+          <p:cNvSpPr/>
+          <p:nvPr/>
+        </p:nvSpPr>
+        <p:spPr>
+          <a:xfrm>
+            <a:off x="838200" y="4184551"/>
+            <a:ext cx="6096000" cy="2308324"/>
+          </a:xfrm>
+          <a:prstGeom prst="rect">
+            <a:avLst/>
+          </a:prstGeom>
+        </p:spPr>
+        <p:txBody>
+          <a:bodyPr>
+            <a:spAutoFit/>
+          </a:bodyPr>
+          <a:lstStyle/>
+          <a:p>
+            <a:r>
+              <a:rPr lang="en-GB" dirty="0">
+                <a:solidFill>
+                  <a:srgbClr val="0000FF"/>
+                </a:solidFill>
+                <a:latin typeface="Lucida Console" panose="020B0609040504020204" pitchFamily="49" charset="0"/>
+              </a:rPr>
+              <a:t>Set-Location</a:t>
+            </a:r>
+            <a:r>
+              <a:rPr lang="en-GB" dirty="0">
+                <a:solidFill>
+                  <a:prstClr val="black"/>
+                </a:solidFill>
+                <a:latin typeface="Lucida Console" panose="020B0609040504020204" pitchFamily="49" charset="0"/>
+              </a:rPr>
+              <a:t> </a:t>
+            </a:r>
+            <a:r>
+              <a:rPr lang="en-GB" dirty="0">
+                <a:solidFill>
+                  <a:srgbClr val="8A2BE2"/>
+                </a:solidFill>
+                <a:latin typeface="Lucida Console" panose="020B0609040504020204" pitchFamily="49" charset="0"/>
+              </a:rPr>
+              <a:t>c:\tmp</a:t>
+            </a:r>
+            <a:endParaRPr lang="en-GB" dirty="0">
+              <a:solidFill>
+                <a:prstClr val="black"/>
+              </a:solidFill>
+              <a:latin typeface="Lucida Console" panose="020B0609040504020204" pitchFamily="49" charset="0"/>
+            </a:endParaRPr>
+          </a:p>
+          <a:p>
+            <a:endParaRPr lang="en-GB" dirty="0">
+              <a:solidFill>
+                <a:prstClr val="black"/>
+              </a:solidFill>
+              <a:latin typeface="Lucida Console" panose="020B0609040504020204" pitchFamily="49" charset="0"/>
+            </a:endParaRPr>
+          </a:p>
+          <a:p>
+            <a:r>
+              <a:rPr lang="en-GB" dirty="0">
+                <a:solidFill>
+                  <a:srgbClr val="0000FF"/>
+                </a:solidFill>
+                <a:latin typeface="Lucida Console" panose="020B0609040504020204" pitchFamily="49" charset="0"/>
+              </a:rPr>
+              <a:t>Push-Location</a:t>
+            </a:r>
+            <a:r>
+              <a:rPr lang="en-GB" dirty="0">
+                <a:solidFill>
+                  <a:prstClr val="black"/>
+                </a:solidFill>
+                <a:latin typeface="Lucida Console" panose="020B0609040504020204" pitchFamily="49" charset="0"/>
+              </a:rPr>
+              <a:t> </a:t>
+            </a:r>
+            <a:r>
+              <a:rPr lang="en-GB" dirty="0">
+                <a:solidFill>
+                  <a:srgbClr val="8A2BE2"/>
+                </a:solidFill>
+                <a:latin typeface="Lucida Console" panose="020B0609040504020204" pitchFamily="49" charset="0"/>
+              </a:rPr>
+              <a:t>C:\Windows</a:t>
+            </a:r>
+            <a:endParaRPr lang="en-GB" dirty="0">
+              <a:solidFill>
+                <a:prstClr val="black"/>
+              </a:solidFill>
+              <a:latin typeface="Lucida Console" panose="020B0609040504020204" pitchFamily="49" charset="0"/>
+            </a:endParaRPr>
+          </a:p>
+          <a:p>
+            <a:endParaRPr lang="en-GB" dirty="0">
+              <a:solidFill>
+                <a:prstClr val="black"/>
+              </a:solidFill>
+              <a:latin typeface="Lucida Console" panose="020B0609040504020204" pitchFamily="49" charset="0"/>
+            </a:endParaRPr>
+          </a:p>
+          <a:p>
+            <a:r>
+              <a:rPr lang="en-GB" dirty="0">
+                <a:solidFill>
+                  <a:srgbClr val="0000FF"/>
+                </a:solidFill>
+                <a:latin typeface="Lucida Console" panose="020B0609040504020204" pitchFamily="49" charset="0"/>
+              </a:rPr>
+              <a:t>Push-Location</a:t>
+            </a:r>
+            <a:r>
+              <a:rPr lang="en-GB" dirty="0">
+                <a:solidFill>
+                  <a:prstClr val="black"/>
+                </a:solidFill>
+                <a:latin typeface="Lucida Console" panose="020B0609040504020204" pitchFamily="49" charset="0"/>
+              </a:rPr>
+              <a:t> </a:t>
+            </a:r>
+            <a:r>
+              <a:rPr lang="en-GB" dirty="0">
+                <a:solidFill>
+                  <a:srgbClr val="8B0000"/>
+                </a:solidFill>
+                <a:latin typeface="Lucida Console" panose="020B0609040504020204" pitchFamily="49" charset="0"/>
+              </a:rPr>
+              <a:t>"C:\Program Files"</a:t>
+            </a:r>
+            <a:endParaRPr lang="en-GB" dirty="0">
+              <a:solidFill>
+                <a:prstClr val="black"/>
+              </a:solidFill>
+              <a:latin typeface="Lucida Console" panose="020B0609040504020204" pitchFamily="49" charset="0"/>
+            </a:endParaRPr>
+          </a:p>
+          <a:p>
+            <a:endParaRPr lang="en-GB" dirty="0">
+              <a:solidFill>
+                <a:prstClr val="black"/>
+              </a:solidFill>
+              <a:latin typeface="Lucida Console" panose="020B0609040504020204" pitchFamily="49" charset="0"/>
+            </a:endParaRPr>
+          </a:p>
+          <a:p>
+            <a:r>
+              <a:rPr lang="en-GB" dirty="0">
+                <a:solidFill>
+                  <a:srgbClr val="0000FF"/>
+                </a:solidFill>
+                <a:latin typeface="Lucida Console" panose="020B0609040504020204" pitchFamily="49" charset="0"/>
+              </a:rPr>
+              <a:t>Pop-Location</a:t>
+            </a:r>
+            <a:endParaRPr lang="en-GB" dirty="0">
+              <a:solidFill>
+                <a:prstClr val="black"/>
+              </a:solidFill>
+              <a:latin typeface="Lucida Console" panose="020B0609040504020204" pitchFamily="49" charset="0"/>
+            </a:endParaRPr>
+          </a:p>
+          <a:p>
+            <a:r>
+              <a:rPr lang="en-GB" dirty="0">
+                <a:solidFill>
+                  <a:srgbClr val="0000FF"/>
+                </a:solidFill>
+                <a:latin typeface="Lucida Console" panose="020B0609040504020204" pitchFamily="49" charset="0"/>
+              </a:rPr>
+              <a:t>Pop-Location </a:t>
+            </a:r>
+          </a:p>
+        </p:txBody>
+      </p:sp>
+    </p:spTree>
+    <p:extLst>
+      <p:ext uri="{BB962C8B-B14F-4D97-AF65-F5344CB8AC3E}">
+        <p14:creationId xmlns:p14="http://schemas.microsoft.com/office/powerpoint/2010/main" val="1188668090"/>
+      </p:ext>
+    </p:extLst>
+  </p:cSld>
+  <p:clrMapOvr>
+    <a:masterClrMapping/>
+  </p:clrMapOvr>
+</p:sld>
+</file>
+
+<file path=ppt/slides/slide11.xml><?xml version="1.0" encoding="utf-8"?>
+<p:sld xmlns:a="http://schemas.openxmlformats.org/drawingml/2006/main" xmlns:r="http://schemas.openxmlformats.org/officeDocument/2006/relationships" xmlns:p="http://schemas.openxmlformats.org/presentationml/2006/main">
+  <p:cSld>
+    <p:spTree>
+      <p:nvGrpSpPr>
+        <p:cNvPr id="1" name=""/>
+        <p:cNvGrpSpPr/>
+        <p:nvPr/>
+      </p:nvGrpSpPr>
+      <p:grpSpPr>
+        <a:xfrm>
+          <a:off x="0" y="0"/>
+          <a:ext cx="0" cy="0"/>
+          <a:chOff x="0" y="0"/>
+          <a:chExt cx="0" cy="0"/>
+        </a:xfrm>
+      </p:grpSpPr>
+      <p:sp>
+        <p:nvSpPr>
+          <p:cNvPr id="2" name="Title 1">
+            <a:extLst>
+              <a:ext uri="{FF2B5EF4-FFF2-40B4-BE49-F238E27FC236}">
                 <a16:creationId xmlns:a16="http://schemas.microsoft.com/office/drawing/2014/main" id="{3E05C277-6B5E-4684-9A2F-E0D78684C1D2}"/>
               </a:ext>
             </a:extLst>
@@ -5832,7 +6132,7 @@
 </p:sld>
 </file>
 
-<file path=ppt/slides/slide11.xml><?xml version="1.0" encoding="utf-8"?>
+<file path=ppt/slides/slide12.xml><?xml version="1.0" encoding="utf-8"?>
 <p:sld xmlns:a="http://schemas.openxmlformats.org/drawingml/2006/main" xmlns:r="http://schemas.openxmlformats.org/officeDocument/2006/relationships" xmlns:p="http://schemas.openxmlformats.org/presentationml/2006/main">
   <p:cSld>
     <p:spTree>
@@ -6339,7 +6639,7 @@
 </p:sld>
 </file>
 
-<file path=ppt/slides/slide12.xml><?xml version="1.0" encoding="utf-8"?>
+<file path=ppt/slides/slide13.xml><?xml version="1.0" encoding="utf-8"?>
 <p:sld xmlns:a="http://schemas.openxmlformats.org/drawingml/2006/main" xmlns:r="http://schemas.openxmlformats.org/officeDocument/2006/relationships" xmlns:p="http://schemas.openxmlformats.org/presentationml/2006/main">
   <p:cSld>
     <p:spTree>
@@ -6925,7 +7225,25 @@
                 </a:solidFill>
                 <a:latin typeface="Lucida Console" panose="020B0609040504020204" pitchFamily="49" charset="0"/>
               </a:rPr>
-              <a:t>c:\tmp\tmp4.txt</a:t>
+              <a:t>c:\tmp</a:t>
+            </a:r>
+            <a:r>
+              <a:rPr lang="en-US">
+                <a:solidFill>
+                  <a:srgbClr val="8A2BE2"/>
+                </a:solidFill>
+                <a:latin typeface="Lucida Console" panose="020B0609040504020204" pitchFamily="49" charset="0"/>
+              </a:rPr>
+              <a:t>\tmp2.</a:t>
+            </a:r>
+            <a:r>
+              <a:rPr lang="en-US" dirty="0">
+                <a:solidFill>
+                  <a:srgbClr val="8A2BE2"/>
+                </a:solidFill>
+                <a:latin typeface="Lucida Console" panose="020B0609040504020204" pitchFamily="49" charset="0"/>
+              </a:rPr>
+              <a:t>txt</a:t>
             </a:r>
             <a:endParaRPr lang="en-US" dirty="0">
               <a:solidFill>
@@ -7084,7 +7402,7 @@
 </p:sld>
 </file>
 
-<file path=ppt/slides/slide13.xml><?xml version="1.0" encoding="utf-8"?>
+<file path=ppt/slides/slide14.xml><?xml version="1.0" encoding="utf-8"?>
 <p:sld xmlns:a="http://schemas.openxmlformats.org/drawingml/2006/main" xmlns:r="http://schemas.openxmlformats.org/officeDocument/2006/relationships" xmlns:p="http://schemas.openxmlformats.org/presentationml/2006/main">
   <p:cSld>
     <p:spTree>
@@ -7844,7 +8162,7 @@
                 </a:solidFill>
                 <a:latin typeface="Lucida Console" panose="020B0609040504020204" pitchFamily="49" charset="0"/>
               </a:rPr>
-              <a:t>c:\test\test.pdf</a:t>
+              <a:t>c:\tmp\tmp.txt</a:t>
             </a:r>
             <a:r>
               <a:rPr lang="en-US" dirty="0">
@@ -8065,7 +8383,7 @@
 </p:sld>
 </file>
 
-<file path=ppt/slides/slide14.xml><?xml version="1.0" encoding="utf-8"?>
+<file path=ppt/slides/slide15.xml><?xml version="1.0" encoding="utf-8"?>
 <p:sld xmlns:a="http://schemas.openxmlformats.org/drawingml/2006/main" xmlns:r="http://schemas.openxmlformats.org/officeDocument/2006/relationships" xmlns:p="http://schemas.openxmlformats.org/presentationml/2006/main">
   <p:cSld>
     <p:spTree>
@@ -8554,7 +8872,7 @@
 </p:sld>
 </file>
 
-<file path=ppt/slides/slide15.xml><?xml version="1.0" encoding="utf-8"?>
+<file path=ppt/slides/slide16.xml><?xml version="1.0" encoding="utf-8"?>
 <p:sld xmlns:a="http://schemas.openxmlformats.org/drawingml/2006/main" xmlns:r="http://schemas.openxmlformats.org/officeDocument/2006/relationships" xmlns:p="http://schemas.openxmlformats.org/presentationml/2006/main">
   <p:cSld>
     <p:spTree>
@@ -9397,7 +9715,7 @@
 </p:sld>
 </file>
 
-<file path=ppt/slides/slide16.xml><?xml version="1.0" encoding="utf-8"?>
+<file path=ppt/slides/slide17.xml><?xml version="1.0" encoding="utf-8"?>
 <p:sld xmlns:a="http://schemas.openxmlformats.org/drawingml/2006/main" xmlns:r="http://schemas.openxmlformats.org/officeDocument/2006/relationships" xmlns:p="http://schemas.openxmlformats.org/presentationml/2006/main">
   <p:cSld>
     <p:spTree>
@@ -10069,7 +10387,7 @@
 </p:sld>
 </file>
 
-<file path=ppt/slides/slide17.xml><?xml version="1.0" encoding="utf-8"?>
+<file path=ppt/slides/slide18.xml><?xml version="1.0" encoding="utf-8"?>
 <p:sld xmlns:a="http://schemas.openxmlformats.org/drawingml/2006/main" xmlns:r="http://schemas.openxmlformats.org/officeDocument/2006/relationships" xmlns:p="http://schemas.openxmlformats.org/presentationml/2006/main">
   <p:cSld>
     <p:spTree>
@@ -10298,7 +10616,7 @@
 </p:sld>
 </file>
 
-<file path=ppt/slides/slide18.xml><?xml version="1.0" encoding="utf-8"?>
+<file path=ppt/slides/slide19.xml><?xml version="1.0" encoding="utf-8"?>
 <p:sld xmlns:a="http://schemas.openxmlformats.org/drawingml/2006/main" xmlns:r="http://schemas.openxmlformats.org/officeDocument/2006/relationships" xmlns:p="http://schemas.openxmlformats.org/presentationml/2006/main">
   <p:cSld>
     <p:spTree>
@@ -11281,7 +11599,253 @@
 </p:sld>
 </file>
 
-<file path=ppt/slides/slide19.xml><?xml version="1.0" encoding="utf-8"?>
+<file path=ppt/slides/slide2.xml><?xml version="1.0" encoding="utf-8"?>
+<p:sld xmlns:a="http://schemas.openxmlformats.org/drawingml/2006/main" xmlns:r="http://schemas.openxmlformats.org/officeDocument/2006/relationships" xmlns:p="http://schemas.openxmlformats.org/presentationml/2006/main">
+  <p:cSld>
+    <p:spTree>
+      <p:nvGrpSpPr>
+        <p:cNvPr id="1" name=""/>
+        <p:cNvGrpSpPr/>
+        <p:nvPr/>
+      </p:nvGrpSpPr>
+      <p:grpSpPr>
+        <a:xfrm>
+          <a:off x="0" y="0"/>
+          <a:ext cx="0" cy="0"/>
+          <a:chOff x="0" y="0"/>
+          <a:chExt cx="0" cy="0"/>
+        </a:xfrm>
+      </p:grpSpPr>
+      <p:sp>
+        <p:nvSpPr>
+          <p:cNvPr id="2" name="Title 1"/>
+          <p:cNvSpPr>
+            <a:spLocks noGrp="1"/>
+          </p:cNvSpPr>
+          <p:nvPr>
+            <p:ph type="title"/>
+          </p:nvPr>
+        </p:nvSpPr>
+        <p:spPr/>
+        <p:txBody>
+          <a:bodyPr/>
+          <a:lstStyle/>
+          <a:p>
+            <a:r>
+              <a:rPr lang="nl-BE" dirty="0"/>
+              <a:t>What are providers?</a:t>
+            </a:r>
+            <a:endParaRPr lang="en-US" dirty="0"/>
+          </a:p>
+        </p:txBody>
+      </p:sp>
+      <p:sp>
+        <p:nvSpPr>
+          <p:cNvPr id="3" name="Content Placeholder 2"/>
+          <p:cNvSpPr>
+            <a:spLocks noGrp="1"/>
+          </p:cNvSpPr>
+          <p:nvPr>
+            <p:ph idx="1"/>
+          </p:nvPr>
+        </p:nvSpPr>
+        <p:spPr>
+          <a:xfrm>
+            <a:off x="838200" y="2117035"/>
+            <a:ext cx="10515600" cy="4059927"/>
+          </a:xfrm>
+        </p:spPr>
+        <p:txBody>
+          <a:bodyPr/>
+          <a:lstStyle/>
+          <a:p>
+            <a:r>
+              <a:rPr lang="en-US" dirty="0"/>
+              <a:t>A </a:t>
+            </a:r>
+            <a:r>
+              <a:rPr lang="en-US" dirty="0" err="1"/>
+              <a:t>PSProvider</a:t>
+            </a:r>
+            <a:r>
+              <a:rPr lang="en-US" dirty="0"/>
+              <a:t> is an adapter that</a:t>
+            </a:r>
+            <a:br>
+              <a:rPr lang="en-US" dirty="0"/>
+            </a:br>
+            <a:r>
+              <a:rPr lang="en-US" dirty="0"/>
+              <a:t>allows a data store to be</a:t>
+            </a:r>
+            <a:br>
+              <a:rPr lang="en-US" dirty="0"/>
+            </a:br>
+            <a:r>
+              <a:rPr lang="en-US" dirty="0"/>
+              <a:t>accessed like a disk drive </a:t>
+            </a:r>
+          </a:p>
+          <a:p>
+            <a:r>
+              <a:rPr lang="en-US" dirty="0"/>
+              <a:t>What is possible?</a:t>
+            </a:r>
+          </a:p>
+          <a:p>
+            <a:pPr lvl="1"/>
+            <a:r>
+              <a:rPr lang="en-US" dirty="0"/>
+              <a:t>Ask user confirmation: </a:t>
+            </a:r>
+            <a:r>
+              <a:rPr lang="en-US" dirty="0" err="1"/>
+              <a:t>Shouldprocess</a:t>
+            </a:r>
+            <a:r>
+              <a:rPr lang="en-US" dirty="0"/>
+              <a:t>, -</a:t>
+            </a:r>
+            <a:r>
+              <a:rPr lang="en-US" dirty="0" err="1"/>
+              <a:t>Whatif</a:t>
+            </a:r>
+            <a:r>
+              <a:rPr lang="en-US" dirty="0"/>
+              <a:t>, -Confirm</a:t>
+            </a:r>
+          </a:p>
+          <a:p>
+            <a:pPr lvl="1"/>
+            <a:r>
+              <a:rPr lang="en-US" dirty="0"/>
+              <a:t>Filtering: -Filter</a:t>
+            </a:r>
+          </a:p>
+          <a:p>
+            <a:pPr lvl="1"/>
+            <a:r>
+              <a:rPr lang="en-US" dirty="0"/>
+              <a:t>Credentials: -Credential</a:t>
+            </a:r>
+          </a:p>
+          <a:p>
+            <a:pPr lvl="1"/>
+            <a:r>
+              <a:rPr lang="en-US" dirty="0"/>
+              <a:t>Transactions: several changes can be reversed or committed in one act</a:t>
+            </a:r>
+          </a:p>
+          <a:p>
+            <a:endParaRPr lang="en-US" dirty="0"/>
+          </a:p>
+        </p:txBody>
+      </p:sp>
+      <p:sp>
+        <p:nvSpPr>
+          <p:cNvPr id="6" name="Rectangle 5">
+            <a:extLst>
+              <a:ext uri="{FF2B5EF4-FFF2-40B4-BE49-F238E27FC236}">
+                <a16:creationId xmlns:a16="http://schemas.microsoft.com/office/drawing/2014/main" id="{1F87D74F-83C3-471A-B35D-EBA7BA5530F0}"/>
+              </a:ext>
+            </a:extLst>
+          </p:cNvPr>
+          <p:cNvSpPr/>
+          <p:nvPr/>
+        </p:nvSpPr>
+        <p:spPr>
+          <a:xfrm>
+            <a:off x="838199" y="1506021"/>
+            <a:ext cx="2600739" cy="369332"/>
+          </a:xfrm>
+          <a:prstGeom prst="rect">
+            <a:avLst/>
+          </a:prstGeom>
+        </p:spPr>
+        <p:txBody>
+          <a:bodyPr wrap="square">
+            <a:spAutoFit/>
+          </a:bodyPr>
+          <a:lstStyle/>
+          <a:p>
+            <a:r>
+              <a:rPr lang="en-GB" dirty="0"/>
+              <a:t> </a:t>
+            </a:r>
+            <a:r>
+              <a:rPr lang="en-GB" dirty="0">
+                <a:solidFill>
+                  <a:srgbClr val="0000FF"/>
+                </a:solidFill>
+                <a:latin typeface="Lucida Console" panose="020B0609040504020204" pitchFamily="49" charset="0"/>
+              </a:rPr>
+              <a:t>Get-</a:t>
+            </a:r>
+            <a:r>
+              <a:rPr lang="en-GB" dirty="0" err="1">
+                <a:solidFill>
+                  <a:srgbClr val="0000FF"/>
+                </a:solidFill>
+                <a:latin typeface="Lucida Console" panose="020B0609040504020204" pitchFamily="49" charset="0"/>
+              </a:rPr>
+              <a:t>PSProvider</a:t>
+            </a:r>
+            <a:r>
+              <a:rPr lang="en-GB" dirty="0">
+                <a:solidFill>
+                  <a:srgbClr val="0000FF"/>
+                </a:solidFill>
+                <a:latin typeface="Lucida Console" panose="020B0609040504020204" pitchFamily="49" charset="0"/>
+              </a:rPr>
+              <a:t> </a:t>
+            </a:r>
+          </a:p>
+        </p:txBody>
+      </p:sp>
+      <p:pic>
+        <p:nvPicPr>
+          <p:cNvPr id="7" name="Picture 6">
+            <a:extLst>
+              <a:ext uri="{FF2B5EF4-FFF2-40B4-BE49-F238E27FC236}">
+                <a16:creationId xmlns:a16="http://schemas.microsoft.com/office/drawing/2014/main" id="{4FC914BB-E306-4A27-9F8F-B8DD98B23088}"/>
+              </a:ext>
+            </a:extLst>
+          </p:cNvPr>
+          <p:cNvPicPr>
+            <a:picLocks noChangeAspect="1"/>
+          </p:cNvPicPr>
+          <p:nvPr/>
+        </p:nvPicPr>
+        <p:blipFill>
+          <a:blip r:embed="rId2"/>
+          <a:stretch>
+            <a:fillRect/>
+          </a:stretch>
+        </p:blipFill>
+        <p:spPr>
+          <a:xfrm>
+            <a:off x="6096000" y="1506021"/>
+            <a:ext cx="5572903" cy="1686160"/>
+          </a:xfrm>
+          <a:prstGeom prst="rect">
+            <a:avLst/>
+          </a:prstGeom>
+        </p:spPr>
+      </p:pic>
+    </p:spTree>
+    <p:extLst>
+      <p:ext uri="{BB962C8B-B14F-4D97-AF65-F5344CB8AC3E}">
+        <p14:creationId xmlns:p14="http://schemas.microsoft.com/office/powerpoint/2010/main" val="4016826350"/>
+      </p:ext>
+    </p:extLst>
+  </p:cSld>
+  <p:clrMapOvr>
+    <a:masterClrMapping/>
+  </p:clrMapOvr>
+</p:sld>
+</file>
+
+<file path=ppt/slides/slide20.xml><?xml version="1.0" encoding="utf-8"?>
 <p:sld xmlns:a="http://schemas.openxmlformats.org/drawingml/2006/main" xmlns:r="http://schemas.openxmlformats.org/officeDocument/2006/relationships" xmlns:p="http://schemas.openxmlformats.org/presentationml/2006/main">
   <p:cSld>
     <p:spTree>
@@ -11343,252 +11907,6 @@
     <p:extLst>
       <p:ext uri="{BB962C8B-B14F-4D97-AF65-F5344CB8AC3E}">
         <p14:creationId xmlns:p14="http://schemas.microsoft.com/office/powerpoint/2010/main" val="1918884083"/>
-      </p:ext>
-    </p:extLst>
-  </p:cSld>
-  <p:clrMapOvr>
-    <a:masterClrMapping/>
-  </p:clrMapOvr>
-</p:sld>
-</file>
-
-<file path=ppt/slides/slide2.xml><?xml version="1.0" encoding="utf-8"?>
-<p:sld xmlns:a="http://schemas.openxmlformats.org/drawingml/2006/main" xmlns:r="http://schemas.openxmlformats.org/officeDocument/2006/relationships" xmlns:p="http://schemas.openxmlformats.org/presentationml/2006/main">
-  <p:cSld>
-    <p:spTree>
-      <p:nvGrpSpPr>
-        <p:cNvPr id="1" name=""/>
-        <p:cNvGrpSpPr/>
-        <p:nvPr/>
-      </p:nvGrpSpPr>
-      <p:grpSpPr>
-        <a:xfrm>
-          <a:off x="0" y="0"/>
-          <a:ext cx="0" cy="0"/>
-          <a:chOff x="0" y="0"/>
-          <a:chExt cx="0" cy="0"/>
-        </a:xfrm>
-      </p:grpSpPr>
-      <p:sp>
-        <p:nvSpPr>
-          <p:cNvPr id="2" name="Title 1"/>
-          <p:cNvSpPr>
-            <a:spLocks noGrp="1"/>
-          </p:cNvSpPr>
-          <p:nvPr>
-            <p:ph type="title"/>
-          </p:nvPr>
-        </p:nvSpPr>
-        <p:spPr/>
-        <p:txBody>
-          <a:bodyPr/>
-          <a:lstStyle/>
-          <a:p>
-            <a:r>
-              <a:rPr lang="nl-BE" dirty="0"/>
-              <a:t>What are providers?</a:t>
-            </a:r>
-            <a:endParaRPr lang="en-US" dirty="0"/>
-          </a:p>
-        </p:txBody>
-      </p:sp>
-      <p:sp>
-        <p:nvSpPr>
-          <p:cNvPr id="3" name="Content Placeholder 2"/>
-          <p:cNvSpPr>
-            <a:spLocks noGrp="1"/>
-          </p:cNvSpPr>
-          <p:nvPr>
-            <p:ph idx="1"/>
-          </p:nvPr>
-        </p:nvSpPr>
-        <p:spPr>
-          <a:xfrm>
-            <a:off x="838200" y="2117035"/>
-            <a:ext cx="10515600" cy="4059927"/>
-          </a:xfrm>
-        </p:spPr>
-        <p:txBody>
-          <a:bodyPr/>
-          <a:lstStyle/>
-          <a:p>
-            <a:r>
-              <a:rPr lang="en-US" dirty="0"/>
-              <a:t>A </a:t>
-            </a:r>
-            <a:r>
-              <a:rPr lang="en-US" dirty="0" err="1"/>
-              <a:t>PSProvider</a:t>
-            </a:r>
-            <a:r>
-              <a:rPr lang="en-US" dirty="0"/>
-              <a:t> is an adapter that</a:t>
-            </a:r>
-            <a:br>
-              <a:rPr lang="en-US" dirty="0"/>
-            </a:br>
-            <a:r>
-              <a:rPr lang="en-US" dirty="0"/>
-              <a:t>allows a data store to be</a:t>
-            </a:r>
-            <a:br>
-              <a:rPr lang="en-US" dirty="0"/>
-            </a:br>
-            <a:r>
-              <a:rPr lang="en-US" dirty="0"/>
-              <a:t>accessed like a disk drive </a:t>
-            </a:r>
-          </a:p>
-          <a:p>
-            <a:r>
-              <a:rPr lang="en-US" dirty="0"/>
-              <a:t>What is possible?</a:t>
-            </a:r>
-          </a:p>
-          <a:p>
-            <a:pPr lvl="1"/>
-            <a:r>
-              <a:rPr lang="en-US" dirty="0"/>
-              <a:t>Ask user confirmation: </a:t>
-            </a:r>
-            <a:r>
-              <a:rPr lang="en-US" dirty="0" err="1"/>
-              <a:t>Shouldprocess</a:t>
-            </a:r>
-            <a:r>
-              <a:rPr lang="en-US" dirty="0"/>
-              <a:t>, -</a:t>
-            </a:r>
-            <a:r>
-              <a:rPr lang="en-US" dirty="0" err="1"/>
-              <a:t>Whatif</a:t>
-            </a:r>
-            <a:r>
-              <a:rPr lang="en-US" dirty="0"/>
-              <a:t>, -Confirm</a:t>
-            </a:r>
-          </a:p>
-          <a:p>
-            <a:pPr lvl="1"/>
-            <a:r>
-              <a:rPr lang="en-US" dirty="0"/>
-              <a:t>Filtering: -Filter</a:t>
-            </a:r>
-          </a:p>
-          <a:p>
-            <a:pPr lvl="1"/>
-            <a:r>
-              <a:rPr lang="en-US" dirty="0"/>
-              <a:t>Credentials: -Credential</a:t>
-            </a:r>
-          </a:p>
-          <a:p>
-            <a:pPr lvl="1"/>
-            <a:r>
-              <a:rPr lang="en-US" dirty="0"/>
-              <a:t>Transactions: several changes can be reversed or committed in one act</a:t>
-            </a:r>
-          </a:p>
-          <a:p>
-            <a:endParaRPr lang="en-US" dirty="0"/>
-          </a:p>
-        </p:txBody>
-      </p:sp>
-      <p:sp>
-        <p:nvSpPr>
-          <p:cNvPr id="6" name="Rectangle 5">
-            <a:extLst>
-              <a:ext uri="{FF2B5EF4-FFF2-40B4-BE49-F238E27FC236}">
-                <a16:creationId xmlns:a16="http://schemas.microsoft.com/office/drawing/2014/main" id="{1F87D74F-83C3-471A-B35D-EBA7BA5530F0}"/>
-              </a:ext>
-            </a:extLst>
-          </p:cNvPr>
-          <p:cNvSpPr/>
-          <p:nvPr/>
-        </p:nvSpPr>
-        <p:spPr>
-          <a:xfrm>
-            <a:off x="838199" y="1506021"/>
-            <a:ext cx="2600739" cy="369332"/>
-          </a:xfrm>
-          <a:prstGeom prst="rect">
-            <a:avLst/>
-          </a:prstGeom>
-        </p:spPr>
-        <p:txBody>
-          <a:bodyPr wrap="square">
-            <a:spAutoFit/>
-          </a:bodyPr>
-          <a:lstStyle/>
-          <a:p>
-            <a:r>
-              <a:rPr lang="en-GB" dirty="0"/>
-              <a:t> </a:t>
-            </a:r>
-            <a:r>
-              <a:rPr lang="en-GB" dirty="0">
-                <a:solidFill>
-                  <a:srgbClr val="0000FF"/>
-                </a:solidFill>
-                <a:latin typeface="Lucida Console" panose="020B0609040504020204" pitchFamily="49" charset="0"/>
-              </a:rPr>
-              <a:t>Get-</a:t>
-            </a:r>
-            <a:r>
-              <a:rPr lang="en-GB" dirty="0" err="1">
-                <a:solidFill>
-                  <a:srgbClr val="0000FF"/>
-                </a:solidFill>
-                <a:latin typeface="Lucida Console" panose="020B0609040504020204" pitchFamily="49" charset="0"/>
-              </a:rPr>
-              <a:t>PSProvider</a:t>
-            </a:r>
-            <a:r>
-              <a:rPr lang="en-GB" dirty="0">
-                <a:solidFill>
-                  <a:srgbClr val="0000FF"/>
-                </a:solidFill>
-                <a:latin typeface="Lucida Console" panose="020B0609040504020204" pitchFamily="49" charset="0"/>
-              </a:rPr>
-              <a:t> </a:t>
-            </a:r>
-          </a:p>
-        </p:txBody>
-      </p:sp>
-      <p:pic>
-        <p:nvPicPr>
-          <p:cNvPr id="7" name="Picture 6">
-            <a:extLst>
-              <a:ext uri="{FF2B5EF4-FFF2-40B4-BE49-F238E27FC236}">
-                <a16:creationId xmlns:a16="http://schemas.microsoft.com/office/drawing/2014/main" id="{4FC914BB-E306-4A27-9F8F-B8DD98B23088}"/>
-              </a:ext>
-            </a:extLst>
-          </p:cNvPr>
-          <p:cNvPicPr>
-            <a:picLocks noChangeAspect="1"/>
-          </p:cNvPicPr>
-          <p:nvPr/>
-        </p:nvPicPr>
-        <p:blipFill>
-          <a:blip r:embed="rId2"/>
-          <a:stretch>
-            <a:fillRect/>
-          </a:stretch>
-        </p:blipFill>
-        <p:spPr>
-          <a:xfrm>
-            <a:off x="6096000" y="1506021"/>
-            <a:ext cx="5572903" cy="1686160"/>
-          </a:xfrm>
-          <a:prstGeom prst="rect">
-            <a:avLst/>
-          </a:prstGeom>
-        </p:spPr>
-      </p:pic>
-    </p:spTree>
-    <p:extLst>
-      <p:ext uri="{BB962C8B-B14F-4D97-AF65-F5344CB8AC3E}">
-        <p14:creationId xmlns:p14="http://schemas.microsoft.com/office/powerpoint/2010/main" val="4016826350"/>
       </p:ext>
     </p:extLst>
   </p:cSld>
@@ -16293,10 +16611,10 @@
       </p:sp>
       <p:sp>
         <p:nvSpPr>
-          <p:cNvPr id="5" name="Rectangle 4">
+          <p:cNvPr id="6" name="Rectangle 5">
             <a:extLst>
               <a:ext uri="{FF2B5EF4-FFF2-40B4-BE49-F238E27FC236}">
-                <a16:creationId xmlns:a16="http://schemas.microsoft.com/office/drawing/2014/main" id="{D7C9B2E2-E995-41FC-9D69-502DEF87D9F9}"/>
+                <a16:creationId xmlns:a16="http://schemas.microsoft.com/office/drawing/2014/main" id="{2CC27CC1-B461-4670-98A1-D7A2F9975E33}"/>
               </a:ext>
             </a:extLst>
           </p:cNvPr>
@@ -16305,8 +16623,8 @@
         </p:nvSpPr>
         <p:spPr>
           <a:xfrm>
-            <a:off x="838200" y="1436319"/>
-            <a:ext cx="10515599" cy="4801314"/>
+            <a:off x="838200" y="1225689"/>
+            <a:ext cx="10820400" cy="5632311"/>
           </a:xfrm>
           <a:prstGeom prst="rect">
             <a:avLst/>
@@ -16319,10 +16637,6 @@
           <a:lstStyle/>
           <a:p>
             <a:r>
-              <a:rPr lang="en-GB" dirty="0"/>
-              <a:t> </a:t>
-            </a:r>
-            <a:r>
               <a:rPr lang="en-GB" dirty="0">
                 <a:solidFill>
                   <a:srgbClr val="0000FF"/>
@@ -16544,7 +16858,7 @@
             <a:r>
               <a:rPr lang="en-GB" dirty="0">
                 <a:solidFill>
-                  <a:srgbClr val="A9A9A9"/>
+                  <a:srgbClr val="696969"/>
                 </a:solidFill>
                 <a:latin typeface="Lucida Console" panose="020B0609040504020204" pitchFamily="49" charset="0"/>
               </a:rPr>
@@ -16576,69 +16890,6 @@
             </a:endParaRPr>
           </a:p>
           <a:p>
-            <a:r>
-              <a:rPr lang="en-GB" dirty="0">
-                <a:solidFill>
-                  <a:srgbClr val="0000FF"/>
-                </a:solidFill>
-                <a:latin typeface="Lucida Console" panose="020B0609040504020204" pitchFamily="49" charset="0"/>
-              </a:rPr>
-              <a:t>Convert-Path</a:t>
-            </a:r>
-            <a:r>
-              <a:rPr lang="en-GB" dirty="0">
-                <a:solidFill>
-                  <a:prstClr val="black"/>
-                </a:solidFill>
-                <a:latin typeface="Lucida Console" panose="020B0609040504020204" pitchFamily="49" charset="0"/>
-              </a:rPr>
-              <a:t> </a:t>
-            </a:r>
-            <a:r>
-              <a:rPr lang="en-GB" dirty="0">
-                <a:solidFill>
-                  <a:srgbClr val="8A2BE2"/>
-                </a:solidFill>
-                <a:latin typeface="Lucida Console" panose="020B0609040504020204" pitchFamily="49" charset="0"/>
-              </a:rPr>
-              <a:t>~</a:t>
-            </a:r>
-            <a:r>
-              <a:rPr lang="en-GB" dirty="0">
-                <a:solidFill>
-                  <a:prstClr val="black"/>
-                </a:solidFill>
-                <a:latin typeface="Lucida Console" panose="020B0609040504020204" pitchFamily="49" charset="0"/>
-              </a:rPr>
-              <a:t> </a:t>
-            </a:r>
-            <a:r>
-              <a:rPr lang="en-GB" dirty="0">
-                <a:solidFill>
-                  <a:srgbClr val="A9A9A9"/>
-                </a:solidFill>
-                <a:latin typeface="Lucida Console" panose="020B0609040504020204" pitchFamily="49" charset="0"/>
-              </a:rPr>
-              <a:t>|</a:t>
-            </a:r>
-            <a:r>
-              <a:rPr lang="en-GB" dirty="0">
-                <a:solidFill>
-                  <a:prstClr val="black"/>
-                </a:solidFill>
-                <a:latin typeface="Lucida Console" panose="020B0609040504020204" pitchFamily="49" charset="0"/>
-              </a:rPr>
-              <a:t> </a:t>
-            </a:r>
-            <a:r>
-              <a:rPr lang="en-GB" dirty="0">
-                <a:solidFill>
-                  <a:srgbClr val="0000FF"/>
-                </a:solidFill>
-                <a:latin typeface="Lucida Console" panose="020B0609040504020204" pitchFamily="49" charset="0"/>
-              </a:rPr>
-              <a:t>get-member</a:t>
-            </a:r>
             <a:endParaRPr lang="en-GB" dirty="0">
               <a:solidFill>
                 <a:prstClr val="black"/>
@@ -16647,6 +16898,87 @@
             </a:endParaRPr>
           </a:p>
           <a:p>
+            <a:r>
+              <a:rPr lang="en-GB" dirty="0">
+                <a:solidFill>
+                  <a:srgbClr val="0000FF"/>
+                </a:solidFill>
+                <a:latin typeface="Lucida Console" panose="020B0609040504020204" pitchFamily="49" charset="0"/>
+              </a:rPr>
+              <a:t>Convert-Path</a:t>
+            </a:r>
+            <a:r>
+              <a:rPr lang="en-GB" dirty="0">
+                <a:solidFill>
+                  <a:prstClr val="black"/>
+                </a:solidFill>
+                <a:latin typeface="Lucida Console" panose="020B0609040504020204" pitchFamily="49" charset="0"/>
+              </a:rPr>
+              <a:t> </a:t>
+            </a:r>
+            <a:r>
+              <a:rPr lang="en-GB" dirty="0">
+                <a:solidFill>
+                  <a:srgbClr val="8A2BE2"/>
+                </a:solidFill>
+                <a:latin typeface="Lucida Console" panose="020B0609040504020204" pitchFamily="49" charset="0"/>
+              </a:rPr>
+              <a:t>~</a:t>
+            </a:r>
+            <a:r>
+              <a:rPr lang="en-GB" dirty="0">
+                <a:solidFill>
+                  <a:prstClr val="black"/>
+                </a:solidFill>
+                <a:latin typeface="Lucida Console" panose="020B0609040504020204" pitchFamily="49" charset="0"/>
+              </a:rPr>
+              <a:t> </a:t>
+            </a:r>
+            <a:r>
+              <a:rPr lang="en-GB" dirty="0">
+                <a:solidFill>
+                  <a:srgbClr val="696969"/>
+                </a:solidFill>
+                <a:latin typeface="Lucida Console" panose="020B0609040504020204" pitchFamily="49" charset="0"/>
+              </a:rPr>
+              <a:t>|</a:t>
+            </a:r>
+            <a:r>
+              <a:rPr lang="en-GB" dirty="0">
+                <a:solidFill>
+                  <a:prstClr val="black"/>
+                </a:solidFill>
+                <a:latin typeface="Lucida Console" panose="020B0609040504020204" pitchFamily="49" charset="0"/>
+              </a:rPr>
+              <a:t> </a:t>
+            </a:r>
+            <a:r>
+              <a:rPr lang="en-GB" dirty="0">
+                <a:solidFill>
+                  <a:srgbClr val="0000FF"/>
+                </a:solidFill>
+                <a:latin typeface="Lucida Console" panose="020B0609040504020204" pitchFamily="49" charset="0"/>
+              </a:rPr>
+              <a:t>get-member</a:t>
+            </a:r>
+            <a:r>
+              <a:rPr lang="en-GB" dirty="0">
+                <a:solidFill>
+                  <a:prstClr val="black"/>
+                </a:solidFill>
+                <a:latin typeface="Lucida Console" panose="020B0609040504020204" pitchFamily="49" charset="0"/>
+              </a:rPr>
+              <a:t> </a:t>
+            </a:r>
+            <a:r>
+              <a:rPr lang="en-GB" dirty="0">
+                <a:solidFill>
+                  <a:srgbClr val="006400"/>
+                </a:solidFill>
+                <a:latin typeface="Lucida Console" panose="020B0609040504020204" pitchFamily="49" charset="0"/>
+              </a:rPr>
+              <a:t># or</a:t>
+            </a:r>
             <a:endParaRPr lang="en-GB" dirty="0">
               <a:solidFill>
                 <a:prstClr val="black"/>
@@ -16658,47 +16990,74 @@
             <a:r>
               <a:rPr lang="en-GB" dirty="0">
                 <a:solidFill>
+                  <a:prstClr val="black"/>
+                </a:solidFill>
+                <a:latin typeface="Lucida Console" panose="020B0609040504020204" pitchFamily="49" charset="0"/>
+              </a:rPr>
+              <a:t>(</a:t>
+            </a:r>
+            <a:r>
+              <a:rPr lang="en-GB" dirty="0">
+                <a:solidFill>
                   <a:srgbClr val="0000FF"/>
                 </a:solidFill>
                 <a:latin typeface="Lucida Console" panose="020B0609040504020204" pitchFamily="49" charset="0"/>
               </a:rPr>
-              <a:t>Join-Path</a:t>
-            </a:r>
-            <a:r>
-              <a:rPr lang="en-GB" dirty="0">
-                <a:solidFill>
-                  <a:prstClr val="black"/>
-                </a:solidFill>
-                <a:latin typeface="Lucida Console" panose="020B0609040504020204" pitchFamily="49" charset="0"/>
-              </a:rPr>
-              <a:t> </a:t>
-            </a:r>
-            <a:r>
-              <a:rPr lang="en-GB" dirty="0">
-                <a:solidFill>
-                  <a:srgbClr val="8B0000"/>
-                </a:solidFill>
-                <a:latin typeface="Lucida Console" panose="020B0609040504020204" pitchFamily="49" charset="0"/>
-              </a:rPr>
-              <a:t>"c:"</a:t>
-            </a:r>
-            <a:r>
-              <a:rPr lang="en-GB" dirty="0">
-                <a:solidFill>
-                  <a:prstClr val="black"/>
-                </a:solidFill>
-                <a:latin typeface="Lucida Console" panose="020B0609040504020204" pitchFamily="49" charset="0"/>
-              </a:rPr>
-              <a:t> </a:t>
-            </a:r>
-            <a:r>
-              <a:rPr lang="en-GB" dirty="0">
-                <a:solidFill>
-                  <a:srgbClr val="8B0000"/>
-                </a:solidFill>
-                <a:latin typeface="Lucida Console" panose="020B0609040504020204" pitchFamily="49" charset="0"/>
-              </a:rPr>
-              <a:t>"a folder"</a:t>
+              <a:t>Resolve-Path</a:t>
+            </a:r>
+            <a:r>
+              <a:rPr lang="en-GB" dirty="0">
+                <a:solidFill>
+                  <a:prstClr val="black"/>
+                </a:solidFill>
+                <a:latin typeface="Lucida Console" panose="020B0609040504020204" pitchFamily="49" charset="0"/>
+              </a:rPr>
+              <a:t> </a:t>
+            </a:r>
+            <a:r>
+              <a:rPr lang="en-GB" dirty="0">
+                <a:solidFill>
+                  <a:srgbClr val="8A2BE2"/>
+                </a:solidFill>
+                <a:latin typeface="Lucida Console" panose="020B0609040504020204" pitchFamily="49" charset="0"/>
+              </a:rPr>
+              <a:t>~</a:t>
+            </a:r>
+            <a:r>
+              <a:rPr lang="en-GB" dirty="0">
+                <a:solidFill>
+                  <a:prstClr val="black"/>
+                </a:solidFill>
+                <a:latin typeface="Lucida Console" panose="020B0609040504020204" pitchFamily="49" charset="0"/>
+              </a:rPr>
+              <a:t> )</a:t>
+            </a:r>
+            <a:r>
+              <a:rPr lang="en-GB" dirty="0">
+                <a:solidFill>
+                  <a:srgbClr val="696969"/>
+                </a:solidFill>
+                <a:latin typeface="Lucida Console" panose="020B0609040504020204" pitchFamily="49" charset="0"/>
+              </a:rPr>
+              <a:t>.</a:t>
+            </a:r>
+            <a:r>
+              <a:rPr lang="en-GB" dirty="0">
+                <a:solidFill>
+                  <a:prstClr val="black"/>
+                </a:solidFill>
+                <a:latin typeface="Lucida Console" panose="020B0609040504020204" pitchFamily="49" charset="0"/>
+              </a:rPr>
+              <a:t>Path </a:t>
+            </a:r>
+            <a:r>
+              <a:rPr lang="en-GB" dirty="0">
+                <a:solidFill>
+                  <a:srgbClr val="006400"/>
+                </a:solidFill>
+                <a:latin typeface="Lucida Console" panose="020B0609040504020204" pitchFamily="49" charset="0"/>
+              </a:rPr>
+              <a:t># or</a:t>
             </a:r>
             <a:endParaRPr lang="en-GB" dirty="0">
               <a:solidFill>
@@ -16715,43 +17074,106 @@
                 </a:solidFill>
                 <a:latin typeface="Lucida Console" panose="020B0609040504020204" pitchFamily="49" charset="0"/>
               </a:rPr>
-              <a:t>Join-Path</a:t>
-            </a:r>
-            <a:r>
-              <a:rPr lang="en-GB" dirty="0">
-                <a:solidFill>
-                  <a:prstClr val="black"/>
-                </a:solidFill>
-                <a:latin typeface="Lucida Console" panose="020B0609040504020204" pitchFamily="49" charset="0"/>
-              </a:rPr>
-              <a:t> </a:t>
-            </a:r>
-            <a:r>
-              <a:rPr lang="en-GB" dirty="0">
-                <a:solidFill>
-                  <a:srgbClr val="8B0000"/>
-                </a:solidFill>
-                <a:latin typeface="Lucida Console" panose="020B0609040504020204" pitchFamily="49" charset="0"/>
-              </a:rPr>
-              <a:t>"c:"</a:t>
-            </a:r>
-            <a:r>
-              <a:rPr lang="en-GB" dirty="0">
-                <a:solidFill>
-                  <a:prstClr val="black"/>
-                </a:solidFill>
-                <a:latin typeface="Lucida Console" panose="020B0609040504020204" pitchFamily="49" charset="0"/>
-              </a:rPr>
-              <a:t> </a:t>
-            </a:r>
-            <a:r>
-              <a:rPr lang="en-GB" dirty="0">
-                <a:solidFill>
-                  <a:srgbClr val="8B0000"/>
-                </a:solidFill>
-                <a:latin typeface="Lucida Console" panose="020B0609040504020204" pitchFamily="49" charset="0"/>
-              </a:rPr>
-              <a:t>"a folder"</a:t>
+              <a:t>Resolve-Path</a:t>
+            </a:r>
+            <a:r>
+              <a:rPr lang="en-GB" dirty="0">
+                <a:solidFill>
+                  <a:prstClr val="black"/>
+                </a:solidFill>
+                <a:latin typeface="Lucida Console" panose="020B0609040504020204" pitchFamily="49" charset="0"/>
+              </a:rPr>
+              <a:t> </a:t>
+            </a:r>
+            <a:r>
+              <a:rPr lang="en-GB" dirty="0">
+                <a:solidFill>
+                  <a:srgbClr val="8A2BE2"/>
+                </a:solidFill>
+                <a:latin typeface="Lucida Console" panose="020B0609040504020204" pitchFamily="49" charset="0"/>
+              </a:rPr>
+              <a:t>~</a:t>
+            </a:r>
+            <a:r>
+              <a:rPr lang="en-GB" dirty="0">
+                <a:solidFill>
+                  <a:prstClr val="black"/>
+                </a:solidFill>
+                <a:latin typeface="Lucida Console" panose="020B0609040504020204" pitchFamily="49" charset="0"/>
+              </a:rPr>
+              <a:t> </a:t>
+            </a:r>
+            <a:r>
+              <a:rPr lang="en-GB" dirty="0">
+                <a:solidFill>
+                  <a:srgbClr val="696969"/>
+                </a:solidFill>
+                <a:latin typeface="Lucida Console" panose="020B0609040504020204" pitchFamily="49" charset="0"/>
+              </a:rPr>
+              <a:t>|</a:t>
+            </a:r>
+            <a:r>
+              <a:rPr lang="en-GB" dirty="0">
+                <a:solidFill>
+                  <a:prstClr val="black"/>
+                </a:solidFill>
+                <a:latin typeface="Lucida Console" panose="020B0609040504020204" pitchFamily="49" charset="0"/>
+              </a:rPr>
+              <a:t> </a:t>
+            </a:r>
+            <a:r>
+              <a:rPr lang="en-GB" dirty="0">
+                <a:solidFill>
+                  <a:srgbClr val="0000FF"/>
+                </a:solidFill>
+                <a:latin typeface="Lucida Console" panose="020B0609040504020204" pitchFamily="49" charset="0"/>
+              </a:rPr>
+              <a:t>Select-Object</a:t>
+            </a:r>
+            <a:r>
+              <a:rPr lang="en-GB" dirty="0">
+                <a:solidFill>
+                  <a:prstClr val="black"/>
+                </a:solidFill>
+                <a:latin typeface="Lucida Console" panose="020B0609040504020204" pitchFamily="49" charset="0"/>
+              </a:rPr>
+              <a:t> </a:t>
+            </a:r>
+            <a:r>
+              <a:rPr lang="en-GB" dirty="0">
+                <a:solidFill>
+                  <a:srgbClr val="000080"/>
+                </a:solidFill>
+                <a:latin typeface="Lucida Console" panose="020B0609040504020204" pitchFamily="49" charset="0"/>
+              </a:rPr>
+              <a:t>-</a:t>
+            </a:r>
+            <a:r>
+              <a:rPr lang="en-GB" dirty="0" err="1">
+                <a:solidFill>
+                  <a:srgbClr val="000080"/>
+                </a:solidFill>
+                <a:latin typeface="Lucida Console" panose="020B0609040504020204" pitchFamily="49" charset="0"/>
+              </a:rPr>
+              <a:t>ExpandProperty</a:t>
+            </a:r>
+            <a:r>
+              <a:rPr lang="en-GB" dirty="0">
+                <a:solidFill>
+                  <a:prstClr val="black"/>
+                </a:solidFill>
+                <a:latin typeface="Lucida Console" panose="020B0609040504020204" pitchFamily="49" charset="0"/>
+              </a:rPr>
+              <a:t> </a:t>
+            </a:r>
+            <a:r>
+              <a:rPr lang="en-GB" dirty="0">
+                <a:solidFill>
+                  <a:srgbClr val="8A2BE2"/>
+                </a:solidFill>
+                <a:latin typeface="Lucida Console" panose="020B0609040504020204" pitchFamily="49" charset="0"/>
+              </a:rPr>
+              <a:t>path</a:t>
             </a:r>
             <a:endParaRPr lang="en-GB" dirty="0">
               <a:solidFill>
@@ -16772,64 +17194,10 @@
             <a:r>
               <a:rPr lang="en-GB" dirty="0">
                 <a:solidFill>
-                  <a:srgbClr val="FF4500"/>
-                </a:solidFill>
-                <a:latin typeface="Lucida Console" panose="020B0609040504020204" pitchFamily="49" charset="0"/>
-              </a:rPr>
-              <a:t>$docs</a:t>
-            </a:r>
-            <a:r>
-              <a:rPr lang="en-GB" dirty="0">
-                <a:solidFill>
-                  <a:prstClr val="black"/>
-                </a:solidFill>
-                <a:latin typeface="Lucida Console" panose="020B0609040504020204" pitchFamily="49" charset="0"/>
-              </a:rPr>
-              <a:t> </a:t>
-            </a:r>
-            <a:r>
-              <a:rPr lang="en-GB" dirty="0">
-                <a:solidFill>
-                  <a:srgbClr val="A9A9A9"/>
-                </a:solidFill>
-                <a:latin typeface="Lucida Console" panose="020B0609040504020204" pitchFamily="49" charset="0"/>
-              </a:rPr>
-              <a:t>=</a:t>
-            </a:r>
-            <a:r>
-              <a:rPr lang="en-GB" dirty="0">
-                <a:solidFill>
-                  <a:prstClr val="black"/>
-                </a:solidFill>
-                <a:latin typeface="Lucida Console" panose="020B0609040504020204" pitchFamily="49" charset="0"/>
-              </a:rPr>
-              <a:t> </a:t>
-            </a:r>
-            <a:r>
-              <a:rPr lang="en-GB" dirty="0">
-                <a:solidFill>
                   <a:srgbClr val="0000FF"/>
                 </a:solidFill>
                 <a:latin typeface="Lucida Console" panose="020B0609040504020204" pitchFamily="49" charset="0"/>
               </a:rPr>
-              <a:t>Get-Item</a:t>
-            </a:r>
-            <a:r>
-              <a:rPr lang="en-GB" dirty="0">
-                <a:solidFill>
-                  <a:prstClr val="black"/>
-                </a:solidFill>
-                <a:latin typeface="Lucida Console" panose="020B0609040504020204" pitchFamily="49" charset="0"/>
-              </a:rPr>
-              <a:t> ( </a:t>
-            </a:r>
-            <a:r>
-              <a:rPr lang="en-GB" dirty="0">
-                <a:solidFill>
-                  <a:srgbClr val="0000FF"/>
-                </a:solidFill>
-                <a:latin typeface="Lucida Console" panose="020B0609040504020204" pitchFamily="49" charset="0"/>
-              </a:rPr>
               <a:t>Join-Path</a:t>
             </a:r>
             <a:r>
@@ -16844,112 +17212,29 @@
             <a:r>
               <a:rPr lang="en-GB" dirty="0">
                 <a:solidFill>
-                  <a:srgbClr val="8A2BE2"/>
-                </a:solidFill>
-                <a:latin typeface="Lucida Console" panose="020B0609040504020204" pitchFamily="49" charset="0"/>
-              </a:rPr>
-              <a:t>~</a:t>
-            </a:r>
-            <a:r>
-              <a:rPr lang="en-GB" dirty="0">
-                <a:solidFill>
-                  <a:prstClr val="black"/>
-                </a:solidFill>
-                <a:latin typeface="Lucida Console" panose="020B0609040504020204" pitchFamily="49" charset="0"/>
-              </a:rPr>
-              <a:t> </a:t>
-            </a:r>
-            <a:r>
-              <a:rPr lang="en-GB" dirty="0">
-                <a:solidFill>
                   <a:srgbClr val="8B0000"/>
                 </a:solidFill>
                 <a:latin typeface="Lucida Console" panose="020B0609040504020204" pitchFamily="49" charset="0"/>
               </a:rPr>
-              <a:t>"Documents"</a:t>
-            </a:r>
-            <a:r>
-              <a:rPr lang="en-GB" dirty="0">
-                <a:solidFill>
-                  <a:prstClr val="black"/>
-                </a:solidFill>
-                <a:latin typeface="Lucida Console" panose="020B0609040504020204" pitchFamily="49" charset="0"/>
-              </a:rPr>
-              <a:t>)</a:t>
-            </a:r>
-          </a:p>
-          <a:p>
-            <a:r>
-              <a:rPr lang="en-GB" dirty="0">
-                <a:solidFill>
-                  <a:srgbClr val="0000FF"/>
-                </a:solidFill>
-                <a:latin typeface="Lucida Console" panose="020B0609040504020204" pitchFamily="49" charset="0"/>
-              </a:rPr>
-              <a:t>Split-Path</a:t>
-            </a:r>
-            <a:r>
-              <a:rPr lang="en-GB" dirty="0">
-                <a:solidFill>
-                  <a:prstClr val="black"/>
-                </a:solidFill>
-                <a:latin typeface="Lucida Console" panose="020B0609040504020204" pitchFamily="49" charset="0"/>
-              </a:rPr>
-              <a:t> </a:t>
-            </a:r>
-            <a:r>
-              <a:rPr lang="en-GB" dirty="0">
-                <a:solidFill>
-                  <a:srgbClr val="FF4500"/>
-                </a:solidFill>
-                <a:latin typeface="Lucida Console" panose="020B0609040504020204" pitchFamily="49" charset="0"/>
-              </a:rPr>
-              <a:t>$</a:t>
-            </a:r>
-            <a:r>
-              <a:rPr lang="en-GB" dirty="0" err="1">
-                <a:solidFill>
-                  <a:srgbClr val="FF4500"/>
-                </a:solidFill>
-                <a:latin typeface="Lucida Console" panose="020B0609040504020204" pitchFamily="49" charset="0"/>
-              </a:rPr>
-              <a:t>docs</a:t>
-            </a:r>
-            <a:r>
-              <a:rPr lang="en-GB" dirty="0" err="1">
-                <a:solidFill>
-                  <a:srgbClr val="A9A9A9"/>
-                </a:solidFill>
-                <a:latin typeface="Lucida Console" panose="020B0609040504020204" pitchFamily="49" charset="0"/>
-              </a:rPr>
-              <a:t>.</a:t>
-            </a:r>
-            <a:r>
-              <a:rPr lang="en-GB" dirty="0" err="1">
-                <a:solidFill>
-                  <a:prstClr val="black"/>
-                </a:solidFill>
-                <a:latin typeface="Lucida Console" panose="020B0609040504020204" pitchFamily="49" charset="0"/>
-              </a:rPr>
-              <a:t>FullName</a:t>
-            </a:r>
-            <a:r>
-              <a:rPr lang="en-GB" dirty="0">
-                <a:solidFill>
-                  <a:prstClr val="black"/>
-                </a:solidFill>
-                <a:latin typeface="Lucida Console" panose="020B0609040504020204" pitchFamily="49" charset="0"/>
-              </a:rPr>
-              <a:t> </a:t>
-            </a:r>
-            <a:r>
-              <a:rPr lang="en-GB" dirty="0">
-                <a:solidFill>
-                  <a:srgbClr val="000080"/>
-                </a:solidFill>
-                <a:latin typeface="Lucida Console" panose="020B0609040504020204" pitchFamily="49" charset="0"/>
-              </a:rPr>
-              <a:t>-Parent</a:t>
+              <a:t>"c:"</a:t>
+            </a:r>
+            <a:r>
+              <a:rPr lang="en-GB" dirty="0">
+                <a:solidFill>
+                  <a:prstClr val="black"/>
+                </a:solidFill>
+                <a:latin typeface="Lucida Console" panose="020B0609040504020204" pitchFamily="49" charset="0"/>
+              </a:rPr>
+              <a:t> </a:t>
+            </a:r>
+            <a:r>
+              <a:rPr lang="en-GB" dirty="0">
+                <a:solidFill>
+                  <a:srgbClr val="8B0000"/>
+                </a:solidFill>
+                <a:latin typeface="Lucida Console" panose="020B0609040504020204" pitchFamily="49" charset="0"/>
+              </a:rPr>
+              <a:t>"a folder"</a:t>
             </a:r>
             <a:endParaRPr lang="en-GB" dirty="0">
               <a:solidFill>
@@ -16966,70 +17251,43 @@
                 </a:solidFill>
                 <a:latin typeface="Lucida Console" panose="020B0609040504020204" pitchFamily="49" charset="0"/>
               </a:rPr>
-              <a:t>Split-Path</a:t>
-            </a:r>
-            <a:r>
-              <a:rPr lang="en-GB" dirty="0">
-                <a:solidFill>
-                  <a:prstClr val="black"/>
-                </a:solidFill>
-                <a:latin typeface="Lucida Console" panose="020B0609040504020204" pitchFamily="49" charset="0"/>
-              </a:rPr>
-              <a:t> </a:t>
-            </a:r>
-            <a:r>
-              <a:rPr lang="en-GB" dirty="0">
-                <a:solidFill>
-                  <a:srgbClr val="FF4500"/>
-                </a:solidFill>
-                <a:latin typeface="Lucida Console" panose="020B0609040504020204" pitchFamily="49" charset="0"/>
-              </a:rPr>
-              <a:t>$</a:t>
-            </a:r>
-            <a:r>
-              <a:rPr lang="en-GB" dirty="0" err="1">
-                <a:solidFill>
-                  <a:srgbClr val="FF4500"/>
-                </a:solidFill>
-                <a:latin typeface="Lucida Console" panose="020B0609040504020204" pitchFamily="49" charset="0"/>
-              </a:rPr>
-              <a:t>docs</a:t>
-            </a:r>
-            <a:r>
-              <a:rPr lang="en-GB" dirty="0" err="1">
-                <a:solidFill>
-                  <a:srgbClr val="A9A9A9"/>
-                </a:solidFill>
-                <a:latin typeface="Lucida Console" panose="020B0609040504020204" pitchFamily="49" charset="0"/>
-              </a:rPr>
-              <a:t>.</a:t>
-            </a:r>
-            <a:r>
-              <a:rPr lang="en-GB" dirty="0" err="1">
-                <a:solidFill>
-                  <a:prstClr val="black"/>
-                </a:solidFill>
-                <a:latin typeface="Lucida Console" panose="020B0609040504020204" pitchFamily="49" charset="0"/>
-              </a:rPr>
-              <a:t>FullName</a:t>
-            </a:r>
-            <a:r>
-              <a:rPr lang="en-GB" dirty="0">
-                <a:solidFill>
-                  <a:prstClr val="black"/>
-                </a:solidFill>
-                <a:latin typeface="Lucida Console" panose="020B0609040504020204" pitchFamily="49" charset="0"/>
-              </a:rPr>
-              <a:t> </a:t>
-            </a:r>
-            <a:r>
-              <a:rPr lang="en-GB" dirty="0">
-                <a:solidFill>
-                  <a:srgbClr val="000080"/>
-                </a:solidFill>
-                <a:latin typeface="Lucida Console" panose="020B0609040504020204" pitchFamily="49" charset="0"/>
-              </a:rPr>
-              <a:t>-Leaf</a:t>
+              <a:t>Join-Path</a:t>
+            </a:r>
+            <a:r>
+              <a:rPr lang="en-GB" dirty="0">
+                <a:solidFill>
+                  <a:prstClr val="black"/>
+                </a:solidFill>
+                <a:latin typeface="Lucida Console" panose="020B0609040504020204" pitchFamily="49" charset="0"/>
+              </a:rPr>
+              <a:t> </a:t>
+            </a:r>
+            <a:r>
+              <a:rPr lang="en-GB" dirty="0">
+                <a:solidFill>
+                  <a:srgbClr val="8B0000"/>
+                </a:solidFill>
+                <a:latin typeface="Lucida Console" panose="020B0609040504020204" pitchFamily="49" charset="0"/>
+              </a:rPr>
+              <a:t>"c:\"</a:t>
+            </a:r>
+            <a:r>
+              <a:rPr lang="en-GB" dirty="0">
+                <a:solidFill>
+                  <a:prstClr val="black"/>
+                </a:solidFill>
+                <a:latin typeface="Lucida Console" panose="020B0609040504020204" pitchFamily="49" charset="0"/>
+              </a:rPr>
+              <a:t> </a:t>
+            </a:r>
+            <a:r>
+              <a:rPr lang="en-GB" dirty="0">
+                <a:solidFill>
+                  <a:srgbClr val="8B0000"/>
+                </a:solidFill>
+                <a:latin typeface="Lucida Console" panose="020B0609040504020204" pitchFamily="49" charset="0"/>
+              </a:rPr>
+              <a:t>“\a folder"</a:t>
             </a:r>
             <a:endParaRPr lang="en-GB" dirty="0">
               <a:solidFill>
@@ -17039,78 +17297,6 @@
             </a:endParaRPr>
           </a:p>
           <a:p>
-            <a:r>
-              <a:rPr lang="en-GB" dirty="0">
-                <a:solidFill>
-                  <a:srgbClr val="0000FF"/>
-                </a:solidFill>
-                <a:latin typeface="Lucida Console" panose="020B0609040504020204" pitchFamily="49" charset="0"/>
-              </a:rPr>
-              <a:t>Split-Path</a:t>
-            </a:r>
-            <a:r>
-              <a:rPr lang="en-GB" dirty="0">
-                <a:solidFill>
-                  <a:prstClr val="black"/>
-                </a:solidFill>
-                <a:latin typeface="Lucida Console" panose="020B0609040504020204" pitchFamily="49" charset="0"/>
-              </a:rPr>
-              <a:t> </a:t>
-            </a:r>
-            <a:r>
-              <a:rPr lang="en-GB" dirty="0">
-                <a:solidFill>
-                  <a:srgbClr val="FF4500"/>
-                </a:solidFill>
-                <a:latin typeface="Lucida Console" panose="020B0609040504020204" pitchFamily="49" charset="0"/>
-              </a:rPr>
-              <a:t>$</a:t>
-            </a:r>
-            <a:r>
-              <a:rPr lang="en-GB" dirty="0" err="1">
-                <a:solidFill>
-                  <a:srgbClr val="FF4500"/>
-                </a:solidFill>
-                <a:latin typeface="Lucida Console" panose="020B0609040504020204" pitchFamily="49" charset="0"/>
-              </a:rPr>
-              <a:t>docs</a:t>
-            </a:r>
-            <a:r>
-              <a:rPr lang="en-GB" dirty="0" err="1">
-                <a:solidFill>
-                  <a:srgbClr val="A9A9A9"/>
-                </a:solidFill>
-                <a:latin typeface="Lucida Console" panose="020B0609040504020204" pitchFamily="49" charset="0"/>
-              </a:rPr>
-              <a:t>.</a:t>
-            </a:r>
-            <a:r>
-              <a:rPr lang="en-GB" dirty="0" err="1">
-                <a:solidFill>
-                  <a:prstClr val="black"/>
-                </a:solidFill>
-                <a:latin typeface="Lucida Console" panose="020B0609040504020204" pitchFamily="49" charset="0"/>
-              </a:rPr>
-              <a:t>FullName</a:t>
-            </a:r>
-            <a:r>
-              <a:rPr lang="en-GB" dirty="0">
-                <a:solidFill>
-                  <a:prstClr val="black"/>
-                </a:solidFill>
-                <a:latin typeface="Lucida Console" panose="020B0609040504020204" pitchFamily="49" charset="0"/>
-              </a:rPr>
-              <a:t> </a:t>
-            </a:r>
-            <a:r>
-              <a:rPr lang="en-GB" dirty="0">
-                <a:solidFill>
-                  <a:srgbClr val="000080"/>
-                </a:solidFill>
-                <a:latin typeface="Lucida Console" panose="020B0609040504020204" pitchFamily="49" charset="0"/>
-              </a:rPr>
-              <a:t>-Qualifier</a:t>
-            </a:r>
             <a:endParaRPr lang="en-GB" dirty="0">
               <a:solidFill>
                 <a:prstClr val="black"/>
@@ -17120,15 +17306,365 @@
           </a:p>
           <a:p>
             <a:r>
-              <a:rPr lang="en-US" dirty="0">
+              <a:rPr lang="en-GB" dirty="0">
+                <a:solidFill>
+                  <a:srgbClr val="A82D00"/>
+                </a:solidFill>
+                <a:latin typeface="Lucida Console" panose="020B0609040504020204" pitchFamily="49" charset="0"/>
+              </a:rPr>
+              <a:t>$docs</a:t>
+            </a:r>
+            <a:r>
+              <a:rPr lang="en-GB" dirty="0">
+                <a:solidFill>
+                  <a:prstClr val="black"/>
+                </a:solidFill>
+                <a:latin typeface="Lucida Console" panose="020B0609040504020204" pitchFamily="49" charset="0"/>
+              </a:rPr>
+              <a:t> </a:t>
+            </a:r>
+            <a:r>
+              <a:rPr lang="en-GB" dirty="0">
+                <a:solidFill>
+                  <a:srgbClr val="696969"/>
+                </a:solidFill>
+                <a:latin typeface="Lucida Console" panose="020B0609040504020204" pitchFamily="49" charset="0"/>
+              </a:rPr>
+              <a:t>=</a:t>
+            </a:r>
+            <a:r>
+              <a:rPr lang="en-GB" dirty="0">
+                <a:solidFill>
+                  <a:prstClr val="black"/>
+                </a:solidFill>
+                <a:latin typeface="Lucida Console" panose="020B0609040504020204" pitchFamily="49" charset="0"/>
+              </a:rPr>
+              <a:t> </a:t>
+            </a:r>
+            <a:r>
+              <a:rPr lang="en-GB" dirty="0">
                 <a:solidFill>
                   <a:srgbClr val="0000FF"/>
                 </a:solidFill>
                 <a:latin typeface="Lucida Console" panose="020B0609040504020204" pitchFamily="49" charset="0"/>
               </a:rPr>
+              <a:t>Get-Item</a:t>
+            </a:r>
+            <a:r>
+              <a:rPr lang="en-GB" dirty="0">
+                <a:solidFill>
+                  <a:prstClr val="black"/>
+                </a:solidFill>
+                <a:latin typeface="Lucida Console" panose="020B0609040504020204" pitchFamily="49" charset="0"/>
+              </a:rPr>
+              <a:t> ( </a:t>
+            </a:r>
+            <a:r>
+              <a:rPr lang="en-GB" dirty="0">
+                <a:solidFill>
+                  <a:srgbClr val="0000FF"/>
+                </a:solidFill>
+                <a:latin typeface="Lucida Console" panose="020B0609040504020204" pitchFamily="49" charset="0"/>
+              </a:rPr>
+              <a:t>Join-Path</a:t>
+            </a:r>
+            <a:r>
+              <a:rPr lang="en-GB" dirty="0">
+                <a:solidFill>
+                  <a:prstClr val="black"/>
+                </a:solidFill>
+                <a:latin typeface="Lucida Console" panose="020B0609040504020204" pitchFamily="49" charset="0"/>
+              </a:rPr>
+              <a:t> </a:t>
+            </a:r>
+            <a:r>
+              <a:rPr lang="en-GB" dirty="0">
+                <a:solidFill>
+                  <a:srgbClr val="8A2BE2"/>
+                </a:solidFill>
+                <a:latin typeface="Lucida Console" panose="020B0609040504020204" pitchFamily="49" charset="0"/>
+              </a:rPr>
+              <a:t>~</a:t>
+            </a:r>
+            <a:r>
+              <a:rPr lang="en-GB" dirty="0">
+                <a:solidFill>
+                  <a:prstClr val="black"/>
+                </a:solidFill>
+                <a:latin typeface="Lucida Console" panose="020B0609040504020204" pitchFamily="49" charset="0"/>
+              </a:rPr>
+              <a:t> </a:t>
+            </a:r>
+            <a:r>
+              <a:rPr lang="en-GB" dirty="0">
+                <a:solidFill>
+                  <a:srgbClr val="8B0000"/>
+                </a:solidFill>
+                <a:latin typeface="Lucida Console" panose="020B0609040504020204" pitchFamily="49" charset="0"/>
+              </a:rPr>
+              <a:t>"Documents"</a:t>
+            </a:r>
+            <a:r>
+              <a:rPr lang="en-GB" dirty="0">
+                <a:solidFill>
+                  <a:prstClr val="black"/>
+                </a:solidFill>
+                <a:latin typeface="Lucida Console" panose="020B0609040504020204" pitchFamily="49" charset="0"/>
+              </a:rPr>
+              <a:t>)</a:t>
+            </a:r>
+          </a:p>
+          <a:p>
+            <a:r>
+              <a:rPr lang="en-GB" dirty="0">
+                <a:solidFill>
+                  <a:srgbClr val="0000FF"/>
+                </a:solidFill>
+                <a:latin typeface="Lucida Console" panose="020B0609040504020204" pitchFamily="49" charset="0"/>
+              </a:rPr>
               <a:t>Split-Path</a:t>
             </a:r>
             <a:r>
+              <a:rPr lang="en-GB" dirty="0">
+                <a:solidFill>
+                  <a:prstClr val="black"/>
+                </a:solidFill>
+                <a:latin typeface="Lucida Console" panose="020B0609040504020204" pitchFamily="49" charset="0"/>
+              </a:rPr>
+              <a:t> </a:t>
+            </a:r>
+            <a:r>
+              <a:rPr lang="en-GB" dirty="0">
+                <a:solidFill>
+                  <a:srgbClr val="A82D00"/>
+                </a:solidFill>
+                <a:latin typeface="Lucida Console" panose="020B0609040504020204" pitchFamily="49" charset="0"/>
+              </a:rPr>
+              <a:t>$</a:t>
+            </a:r>
+            <a:r>
+              <a:rPr lang="en-GB" dirty="0" err="1">
+                <a:solidFill>
+                  <a:srgbClr val="A82D00"/>
+                </a:solidFill>
+                <a:latin typeface="Lucida Console" panose="020B0609040504020204" pitchFamily="49" charset="0"/>
+              </a:rPr>
+              <a:t>docs</a:t>
+            </a:r>
+            <a:r>
+              <a:rPr lang="en-GB" dirty="0" err="1">
+                <a:solidFill>
+                  <a:srgbClr val="696969"/>
+                </a:solidFill>
+                <a:latin typeface="Lucida Console" panose="020B0609040504020204" pitchFamily="49" charset="0"/>
+              </a:rPr>
+              <a:t>.</a:t>
+            </a:r>
+            <a:r>
+              <a:rPr lang="en-GB" dirty="0" err="1">
+                <a:solidFill>
+                  <a:prstClr val="black"/>
+                </a:solidFill>
+                <a:latin typeface="Lucida Console" panose="020B0609040504020204" pitchFamily="49" charset="0"/>
+              </a:rPr>
+              <a:t>FullName</a:t>
+            </a:r>
+            <a:r>
+              <a:rPr lang="en-GB" dirty="0">
+                <a:solidFill>
+                  <a:prstClr val="black"/>
+                </a:solidFill>
+                <a:latin typeface="Lucida Console" panose="020B0609040504020204" pitchFamily="49" charset="0"/>
+              </a:rPr>
+              <a:t> </a:t>
+            </a:r>
+            <a:r>
+              <a:rPr lang="en-GB" dirty="0">
+                <a:solidFill>
+                  <a:srgbClr val="000080"/>
+                </a:solidFill>
+                <a:latin typeface="Lucida Console" panose="020B0609040504020204" pitchFamily="49" charset="0"/>
+              </a:rPr>
+              <a:t>-Parent</a:t>
+            </a:r>
+            <a:endParaRPr lang="en-GB" dirty="0">
+              <a:solidFill>
+                <a:prstClr val="black"/>
+              </a:solidFill>
+              <a:latin typeface="Lucida Console" panose="020B0609040504020204" pitchFamily="49" charset="0"/>
+            </a:endParaRPr>
+          </a:p>
+          <a:p>
+            <a:r>
+              <a:rPr lang="en-GB" dirty="0">
+                <a:solidFill>
+                  <a:srgbClr val="0000FF"/>
+                </a:solidFill>
+                <a:latin typeface="Lucida Console" panose="020B0609040504020204" pitchFamily="49" charset="0"/>
+              </a:rPr>
+              <a:t>Split-Path</a:t>
+            </a:r>
+            <a:r>
+              <a:rPr lang="en-GB" dirty="0">
+                <a:solidFill>
+                  <a:prstClr val="black"/>
+                </a:solidFill>
+                <a:latin typeface="Lucida Console" panose="020B0609040504020204" pitchFamily="49" charset="0"/>
+              </a:rPr>
+              <a:t> </a:t>
+            </a:r>
+            <a:r>
+              <a:rPr lang="en-GB" dirty="0">
+                <a:solidFill>
+                  <a:srgbClr val="A82D00"/>
+                </a:solidFill>
+                <a:latin typeface="Lucida Console" panose="020B0609040504020204" pitchFamily="49" charset="0"/>
+              </a:rPr>
+              <a:t>$</a:t>
+            </a:r>
+            <a:r>
+              <a:rPr lang="en-GB" dirty="0" err="1">
+                <a:solidFill>
+                  <a:srgbClr val="A82D00"/>
+                </a:solidFill>
+                <a:latin typeface="Lucida Console" panose="020B0609040504020204" pitchFamily="49" charset="0"/>
+              </a:rPr>
+              <a:t>docs</a:t>
+            </a:r>
+            <a:r>
+              <a:rPr lang="en-GB" dirty="0" err="1">
+                <a:solidFill>
+                  <a:srgbClr val="696969"/>
+                </a:solidFill>
+                <a:latin typeface="Lucida Console" panose="020B0609040504020204" pitchFamily="49" charset="0"/>
+              </a:rPr>
+              <a:t>.</a:t>
+            </a:r>
+            <a:r>
+              <a:rPr lang="en-GB" dirty="0" err="1">
+                <a:solidFill>
+                  <a:prstClr val="black"/>
+                </a:solidFill>
+                <a:latin typeface="Lucida Console" panose="020B0609040504020204" pitchFamily="49" charset="0"/>
+              </a:rPr>
+              <a:t>FullName</a:t>
+            </a:r>
+            <a:r>
+              <a:rPr lang="en-GB" dirty="0">
+                <a:solidFill>
+                  <a:prstClr val="black"/>
+                </a:solidFill>
+                <a:latin typeface="Lucida Console" panose="020B0609040504020204" pitchFamily="49" charset="0"/>
+              </a:rPr>
+              <a:t> </a:t>
+            </a:r>
+            <a:r>
+              <a:rPr lang="en-GB" dirty="0">
+                <a:solidFill>
+                  <a:srgbClr val="000080"/>
+                </a:solidFill>
+                <a:latin typeface="Lucida Console" panose="020B0609040504020204" pitchFamily="49" charset="0"/>
+              </a:rPr>
+              <a:t>-Leaf</a:t>
+            </a:r>
+            <a:endParaRPr lang="en-GB" dirty="0">
+              <a:solidFill>
+                <a:prstClr val="black"/>
+              </a:solidFill>
+              <a:latin typeface="Lucida Console" panose="020B0609040504020204" pitchFamily="49" charset="0"/>
+            </a:endParaRPr>
+          </a:p>
+          <a:p>
+            <a:r>
+              <a:rPr lang="en-GB" dirty="0">
+                <a:solidFill>
+                  <a:srgbClr val="0000FF"/>
+                </a:solidFill>
+                <a:latin typeface="Lucida Console" panose="020B0609040504020204" pitchFamily="49" charset="0"/>
+              </a:rPr>
+              <a:t>Split-Path</a:t>
+            </a:r>
+            <a:r>
+              <a:rPr lang="en-GB" dirty="0">
+                <a:solidFill>
+                  <a:prstClr val="black"/>
+                </a:solidFill>
+                <a:latin typeface="Lucida Console" panose="020B0609040504020204" pitchFamily="49" charset="0"/>
+              </a:rPr>
+              <a:t> </a:t>
+            </a:r>
+            <a:r>
+              <a:rPr lang="en-GB" dirty="0">
+                <a:solidFill>
+                  <a:srgbClr val="A82D00"/>
+                </a:solidFill>
+                <a:latin typeface="Lucida Console" panose="020B0609040504020204" pitchFamily="49" charset="0"/>
+              </a:rPr>
+              <a:t>$</a:t>
+            </a:r>
+            <a:r>
+              <a:rPr lang="en-GB" dirty="0" err="1">
+                <a:solidFill>
+                  <a:srgbClr val="A82D00"/>
+                </a:solidFill>
+                <a:latin typeface="Lucida Console" panose="020B0609040504020204" pitchFamily="49" charset="0"/>
+              </a:rPr>
+              <a:t>docs</a:t>
+            </a:r>
+            <a:r>
+              <a:rPr lang="en-GB" dirty="0" err="1">
+                <a:solidFill>
+                  <a:srgbClr val="696969"/>
+                </a:solidFill>
+                <a:latin typeface="Lucida Console" panose="020B0609040504020204" pitchFamily="49" charset="0"/>
+              </a:rPr>
+              <a:t>.</a:t>
+            </a:r>
+            <a:r>
+              <a:rPr lang="en-GB" dirty="0" err="1">
+                <a:solidFill>
+                  <a:prstClr val="black"/>
+                </a:solidFill>
+                <a:latin typeface="Lucida Console" panose="020B0609040504020204" pitchFamily="49" charset="0"/>
+              </a:rPr>
+              <a:t>FullName</a:t>
+            </a:r>
+            <a:r>
+              <a:rPr lang="en-GB" dirty="0">
+                <a:solidFill>
+                  <a:prstClr val="black"/>
+                </a:solidFill>
+                <a:latin typeface="Lucida Console" panose="020B0609040504020204" pitchFamily="49" charset="0"/>
+              </a:rPr>
+              <a:t> </a:t>
+            </a:r>
+            <a:r>
+              <a:rPr lang="en-GB" dirty="0">
+                <a:solidFill>
+                  <a:srgbClr val="000080"/>
+                </a:solidFill>
+                <a:latin typeface="Lucida Console" panose="020B0609040504020204" pitchFamily="49" charset="0"/>
+              </a:rPr>
+              <a:t>-Qualifier</a:t>
+            </a:r>
+            <a:endParaRPr lang="en-GB" dirty="0">
+              <a:solidFill>
+                <a:prstClr val="black"/>
+              </a:solidFill>
+              <a:latin typeface="Lucida Console" panose="020B0609040504020204" pitchFamily="49" charset="0"/>
+            </a:endParaRPr>
+          </a:p>
+          <a:p>
+            <a:r>
+              <a:rPr lang="en-US" dirty="0">
+                <a:solidFill>
+                  <a:srgbClr val="0000FF"/>
+                </a:solidFill>
+                <a:latin typeface="Lucida Console" panose="020B0609040504020204" pitchFamily="49" charset="0"/>
+              </a:rPr>
+              <a:t>Split-Path</a:t>
+            </a:r>
+            <a:r>
               <a:rPr lang="en-US" dirty="0">
                 <a:solidFill>
                   <a:prstClr val="black"/>
@@ -17158,7 +17694,7 @@
             <a:r>
               <a:rPr lang="en-US" dirty="0">
                 <a:solidFill>
-                  <a:srgbClr val="FF4500"/>
+                  <a:srgbClr val="A82D00"/>
                 </a:solidFill>
                 <a:latin typeface="Lucida Console" panose="020B0609040504020204" pitchFamily="49" charset="0"/>
               </a:rPr>
@@ -17167,7 +17703,7 @@
             <a:r>
               <a:rPr lang="en-US" dirty="0" err="1">
                 <a:solidFill>
-                  <a:srgbClr val="FF4500"/>
+                  <a:srgbClr val="A82D00"/>
                 </a:solidFill>
                 <a:latin typeface="Lucida Console" panose="020B0609040504020204" pitchFamily="49" charset="0"/>
               </a:rPr>
@@ -17176,7 +17712,7 @@
             <a:r>
               <a:rPr lang="en-US" dirty="0" err="1">
                 <a:solidFill>
-                  <a:srgbClr val="A9A9A9"/>
+                  <a:srgbClr val="696969"/>
                 </a:solidFill>
                 <a:latin typeface="Lucida Console" panose="020B0609040504020204" pitchFamily="49" charset="0"/>
               </a:rPr>
@@ -17243,8 +17779,18 @@
                 </a:solidFill>
                 <a:latin typeface="Lucida Console" panose="020B0609040504020204" pitchFamily="49" charset="0"/>
               </a:rPr>
-              <a:t>-Parent </a:t>
-            </a:r>
+              <a:t>-Parent</a:t>
+            </a:r>
+            <a:r>
+              <a:rPr lang="en-US" dirty="0">
+                <a:solidFill>
+                  <a:prstClr val="black"/>
+                </a:solidFill>
+                <a:latin typeface="Lucida Console" panose="020B0609040504020204" pitchFamily="49" charset="0"/>
+              </a:rPr>
+              <a:t>  </a:t>
+            </a:r>
+            <a:endParaRPr lang="en-GB" dirty="0"/>
           </a:p>
         </p:txBody>
       </p:sp>
@@ -17283,7 +17829,7 @@
           <p:cNvPr id="2" name="Title 1">
             <a:extLst>
               <a:ext uri="{FF2B5EF4-FFF2-40B4-BE49-F238E27FC236}">
-                <a16:creationId xmlns:a16="http://schemas.microsoft.com/office/drawing/2014/main" id="{9FC029DA-345A-4696-84E4-45C4233619F1}"/>
+                <a16:creationId xmlns:a16="http://schemas.microsoft.com/office/drawing/2014/main" id="{7F5651B7-54B7-4E25-82AF-D61B982BB28B}"/>
               </a:ext>
             </a:extLst>
           </p:cNvPr>
@@ -17301,255 +17847,45 @@
           <a:p>
             <a:r>
               <a:rPr lang="en-GB" dirty="0"/>
-              <a:t>Push and pop</a:t>
+              <a:t>In PowerShell core</a:t>
             </a:r>
           </a:p>
         </p:txBody>
       </p:sp>
-      <p:sp>
-        <p:nvSpPr>
-          <p:cNvPr id="3" name="Content Placeholder 2">
+      <p:pic>
+        <p:nvPicPr>
+          <p:cNvPr id="4" name="Picture 3">
             <a:extLst>
               <a:ext uri="{FF2B5EF4-FFF2-40B4-BE49-F238E27FC236}">
-                <a16:creationId xmlns:a16="http://schemas.microsoft.com/office/drawing/2014/main" id="{904608E5-52BC-47DA-BD57-07791959127B}"/>
+                <a16:creationId xmlns:a16="http://schemas.microsoft.com/office/drawing/2014/main" id="{30446B94-888D-47B7-822C-3A27AE375DF4}"/>
               </a:ext>
             </a:extLst>
           </p:cNvPr>
-          <p:cNvSpPr>
-            <a:spLocks noGrp="1"/>
-          </p:cNvSpPr>
-          <p:nvPr>
-            <p:ph idx="1"/>
-          </p:nvPr>
-        </p:nvSpPr>
-        <p:spPr/>
-        <p:txBody>
-          <a:bodyPr/>
-          <a:lstStyle/>
-          <a:p>
-            <a:r>
-              <a:rPr lang="en-GB" dirty="0"/>
-              <a:t>Push:</a:t>
-            </a:r>
-          </a:p>
-          <a:p>
-            <a:pPr lvl="1"/>
-            <a:r>
-              <a:rPr lang="en-GB" dirty="0"/>
-              <a:t>Save current location in stack (on top)</a:t>
-            </a:r>
-          </a:p>
-          <a:p>
-            <a:pPr lvl="1"/>
-            <a:r>
-              <a:rPr lang="en-GB" dirty="0"/>
-              <a:t>Move to given location</a:t>
-            </a:r>
-          </a:p>
-          <a:p>
-            <a:r>
-              <a:rPr lang="en-GB" dirty="0"/>
-              <a:t>Pop:</a:t>
-            </a:r>
-          </a:p>
-          <a:p>
-            <a:pPr lvl="1"/>
-            <a:r>
-              <a:rPr lang="en-GB" dirty="0"/>
-              <a:t>Move to location on top of stack</a:t>
-            </a:r>
-          </a:p>
-        </p:txBody>
-      </p:sp>
-      <p:sp>
-        <p:nvSpPr>
-          <p:cNvPr id="4" name="Rectangle 3">
-            <a:extLst>
-              <a:ext uri="{FF2B5EF4-FFF2-40B4-BE49-F238E27FC236}">
-                <a16:creationId xmlns:a16="http://schemas.microsoft.com/office/drawing/2014/main" id="{C8CC9EE9-61AF-4CA9-8B99-6AC23F804D2D}"/>
-              </a:ext>
-            </a:extLst>
-          </p:cNvPr>
-          <p:cNvSpPr/>
+          <p:cNvPicPr>
+            <a:picLocks noChangeAspect="1"/>
+          </p:cNvPicPr>
           <p:nvPr/>
-        </p:nvSpPr>
+        </p:nvPicPr>
+        <p:blipFill>
+          <a:blip r:embed="rId2"/>
+          <a:stretch>
+            <a:fillRect/>
+          </a:stretch>
+        </p:blipFill>
         <p:spPr>
           <a:xfrm>
-            <a:off x="838200" y="4184551"/>
-            <a:ext cx="6096000" cy="2308324"/>
+            <a:off x="3409575" y="1404368"/>
+            <a:ext cx="5372850" cy="5182323"/>
           </a:xfrm>
           <a:prstGeom prst="rect">
             <a:avLst/>
           </a:prstGeom>
         </p:spPr>
-        <p:txBody>
-          <a:bodyPr>
-            <a:spAutoFit/>
-          </a:bodyPr>
-          <a:lstStyle/>
-          <a:p>
-            <a:r>
-              <a:rPr lang="en-GB" dirty="0">
-                <a:solidFill>
-                  <a:srgbClr val="0000FF"/>
-                </a:solidFill>
-                <a:latin typeface="Lucida Console" panose="020B0609040504020204" pitchFamily="49" charset="0"/>
-              </a:rPr>
-              <a:t>Set-Location</a:t>
-            </a:r>
-            <a:r>
-              <a:rPr lang="en-GB" dirty="0">
-                <a:solidFill>
-                  <a:prstClr val="black"/>
-                </a:solidFill>
-                <a:latin typeface="Lucida Console" panose="020B0609040504020204" pitchFamily="49" charset="0"/>
-              </a:rPr>
-              <a:t> </a:t>
-            </a:r>
-            <a:r>
-              <a:rPr lang="en-GB" dirty="0">
-                <a:solidFill>
-                  <a:srgbClr val="8A2BE2"/>
-                </a:solidFill>
-                <a:latin typeface="Lucida Console" panose="020B0609040504020204" pitchFamily="49" charset="0"/>
-              </a:rPr>
-              <a:t>c:\tmp</a:t>
-            </a:r>
-            <a:endParaRPr lang="en-GB" dirty="0">
-              <a:solidFill>
-                <a:prstClr val="black"/>
-              </a:solidFill>
-              <a:latin typeface="Lucida Console" panose="020B0609040504020204" pitchFamily="49" charset="0"/>
-            </a:endParaRPr>
-          </a:p>
-          <a:p>
-            <a:endParaRPr lang="en-GB" dirty="0">
-              <a:solidFill>
-                <a:prstClr val="black"/>
-              </a:solidFill>
-              <a:latin typeface="Lucida Console" panose="020B0609040504020204" pitchFamily="49" charset="0"/>
-            </a:endParaRPr>
-          </a:p>
-          <a:p>
-            <a:r>
-              <a:rPr lang="en-GB" dirty="0">
-                <a:solidFill>
-                  <a:srgbClr val="0000FF"/>
-                </a:solidFill>
-                <a:latin typeface="Lucida Console" panose="020B0609040504020204" pitchFamily="49" charset="0"/>
-              </a:rPr>
-              <a:t>Push-Location</a:t>
-            </a:r>
-            <a:r>
-              <a:rPr lang="en-GB" dirty="0">
-                <a:solidFill>
-                  <a:prstClr val="black"/>
-                </a:solidFill>
-                <a:latin typeface="Lucida Console" panose="020B0609040504020204" pitchFamily="49" charset="0"/>
-              </a:rPr>
-              <a:t> </a:t>
-            </a:r>
-            <a:r>
-              <a:rPr lang="en-GB" dirty="0">
-                <a:solidFill>
-                  <a:srgbClr val="8A2BE2"/>
-                </a:solidFill>
-                <a:latin typeface="Lucida Console" panose="020B0609040504020204" pitchFamily="49" charset="0"/>
-              </a:rPr>
-              <a:t>C:\Windows</a:t>
-            </a:r>
-            <a:endParaRPr lang="en-GB" dirty="0">
-              <a:solidFill>
-                <a:prstClr val="black"/>
-              </a:solidFill>
-              <a:latin typeface="Lucida Console" panose="020B0609040504020204" pitchFamily="49" charset="0"/>
-            </a:endParaRPr>
-          </a:p>
-          <a:p>
-            <a:endParaRPr lang="en-GB" dirty="0">
-              <a:solidFill>
-                <a:prstClr val="black"/>
-              </a:solidFill>
-              <a:latin typeface="Lucida Console" panose="020B0609040504020204" pitchFamily="49" charset="0"/>
-            </a:endParaRPr>
-          </a:p>
-          <a:p>
-            <a:r>
-              <a:rPr lang="en-GB" dirty="0">
-                <a:solidFill>
-                  <a:srgbClr val="0000FF"/>
-                </a:solidFill>
-                <a:latin typeface="Lucida Console" panose="020B0609040504020204" pitchFamily="49" charset="0"/>
-              </a:rPr>
-              <a:t>Push-Location</a:t>
-            </a:r>
-            <a:r>
-              <a:rPr lang="en-GB" dirty="0">
-                <a:solidFill>
-                  <a:prstClr val="black"/>
-                </a:solidFill>
-                <a:latin typeface="Lucida Console" panose="020B0609040504020204" pitchFamily="49" charset="0"/>
-              </a:rPr>
-              <a:t> </a:t>
-            </a:r>
-            <a:r>
-              <a:rPr lang="en-GB" dirty="0">
-                <a:solidFill>
-                  <a:srgbClr val="8B0000"/>
-                </a:solidFill>
-                <a:latin typeface="Lucida Console" panose="020B0609040504020204" pitchFamily="49" charset="0"/>
-              </a:rPr>
-              <a:t>"C:\Program Files"</a:t>
-            </a:r>
-            <a:endParaRPr lang="en-GB" dirty="0">
-              <a:solidFill>
-                <a:prstClr val="black"/>
-              </a:solidFill>
-              <a:latin typeface="Lucida Console" panose="020B0609040504020204" pitchFamily="49" charset="0"/>
-            </a:endParaRPr>
-          </a:p>
-          <a:p>
-            <a:endParaRPr lang="en-GB" dirty="0">
-              <a:solidFill>
-                <a:prstClr val="black"/>
-              </a:solidFill>
-              <a:latin typeface="Lucida Console" panose="020B0609040504020204" pitchFamily="49" charset="0"/>
-            </a:endParaRPr>
-          </a:p>
-          <a:p>
-            <a:r>
-              <a:rPr lang="en-GB" dirty="0">
-                <a:solidFill>
-                  <a:srgbClr val="0000FF"/>
-                </a:solidFill>
-                <a:latin typeface="Lucida Console" panose="020B0609040504020204" pitchFamily="49" charset="0"/>
-              </a:rPr>
-              <a:t>Pop-Location</a:t>
-            </a:r>
-            <a:endParaRPr lang="en-GB" dirty="0">
-              <a:solidFill>
-                <a:prstClr val="black"/>
-              </a:solidFill>
-              <a:latin typeface="Lucida Console" panose="020B0609040504020204" pitchFamily="49" charset="0"/>
-            </a:endParaRPr>
-          </a:p>
-          <a:p>
-            <a:r>
-              <a:rPr lang="en-GB" dirty="0">
-                <a:solidFill>
-                  <a:srgbClr val="0000FF"/>
-                </a:solidFill>
-                <a:latin typeface="Lucida Console" panose="020B0609040504020204" pitchFamily="49" charset="0"/>
-              </a:rPr>
-              <a:t>Pop-Location </a:t>
-            </a:r>
-          </a:p>
-        </p:txBody>
-      </p:sp>
+      </p:pic>
     </p:spTree>
     <p:extLst>
       <p:ext uri="{BB962C8B-B14F-4D97-AF65-F5344CB8AC3E}">
-        <p14:creationId xmlns:p14="http://schemas.microsoft.com/office/powerpoint/2010/main" val="1188668090"/>
+        <p14:creationId xmlns:p14="http://schemas.microsoft.com/office/powerpoint/2010/main" val="3559788625"/>
       </p:ext>
     </p:extLst>
   </p:cSld>

--- a/The_navigation_model/The navigation model.pptx
+++ b/The_navigation_model/The navigation model.pptx
@@ -182,6 +182,35 @@
 </p:presentation>
 </file>
 
+<file path=ppt/changesInfos/changesInfo1.xml><?xml version="1.0" encoding="utf-8"?>
+<pc:chgInfo xmlns:a="http://schemas.openxmlformats.org/drawingml/2006/main" xmlns:r="http://schemas.openxmlformats.org/officeDocument/2006/relationships" xmlns:ac="http://schemas.microsoft.com/office/drawing/2013/main/command" xmlns:pc="http://schemas.microsoft.com/office/powerpoint/2013/main/command">
+  <pc:docChgLst>
+    <pc:chgData name="Jochen Mariën" userId="a4f8d9ed-3895-4365-b2d5-9432cb8a20d4" providerId="ADAL" clId="{9C7BED54-0A4E-4DBE-A05A-EEAFE81F8E3D}"/>
+    <pc:docChg chg="modSld">
+      <pc:chgData name="Jochen Mariën" userId="a4f8d9ed-3895-4365-b2d5-9432cb8a20d4" providerId="ADAL" clId="{9C7BED54-0A4E-4DBE-A05A-EEAFE81F8E3D}" dt="2019-12-17T12:30:55.905" v="9" actId="14100"/>
+      <pc:docMkLst>
+        <pc:docMk/>
+      </pc:docMkLst>
+      <pc:sldChg chg="modSp">
+        <pc:chgData name="Jochen Mariën" userId="a4f8d9ed-3895-4365-b2d5-9432cb8a20d4" providerId="ADAL" clId="{9C7BED54-0A4E-4DBE-A05A-EEAFE81F8E3D}" dt="2019-12-17T12:30:55.905" v="9" actId="14100"/>
+        <pc:sldMkLst>
+          <pc:docMk/>
+          <pc:sldMk cId="1281675175" sldId="288"/>
+        </pc:sldMkLst>
+        <pc:spChg chg="mod">
+          <ac:chgData name="Jochen Mariën" userId="a4f8d9ed-3895-4365-b2d5-9432cb8a20d4" providerId="ADAL" clId="{9C7BED54-0A4E-4DBE-A05A-EEAFE81F8E3D}" dt="2019-12-17T12:30:55.905" v="9" actId="14100"/>
+          <ac:spMkLst>
+            <pc:docMk/>
+            <pc:sldMk cId="1281675175" sldId="288"/>
+            <ac:spMk id="5" creationId="{C9DF9230-080D-458C-BC4A-12FE3DCCC21A}"/>
+          </ac:spMkLst>
+        </pc:spChg>
+      </pc:sldChg>
+    </pc:docChg>
+  </pc:docChgLst>
+</pc:chgInfo>
+</file>
+
 <file path=ppt/notesMasters/notesMaster1.xml><?xml version="1.0" encoding="utf-8"?>
 <p:notesMaster xmlns:a="http://schemas.openxmlformats.org/drawingml/2006/main" xmlns:r="http://schemas.openxmlformats.org/officeDocument/2006/relationships" xmlns:p="http://schemas.openxmlformats.org/presentationml/2006/main">
   <p:cSld>
@@ -264,7 +293,7 @@
           <a:p>
             <a:fld id="{3C1CD153-15DE-46E9-BB45-7F70E88D2337}" type="datetimeFigureOut">
               <a:rPr lang="nl-BE" smtClean="0"/>
-              <a:t>26/09/2018</a:t>
+              <a:t>17/12/2019</a:t>
             </a:fld>
             <a:endParaRPr lang="nl-BE"/>
           </a:p>
@@ -1166,7 +1195,7 @@
           <a:p>
             <a:fld id="{21F21368-17C6-4870-9BCB-BC49B72EC322}" type="datetimeFigureOut">
               <a:rPr lang="nl-BE" smtClean="0"/>
-              <a:t>26/09/2018</a:t>
+              <a:t>17/12/2019</a:t>
             </a:fld>
             <a:endParaRPr lang="nl-BE"/>
           </a:p>
@@ -1336,7 +1365,7 @@
           <a:p>
             <a:fld id="{21F21368-17C6-4870-9BCB-BC49B72EC322}" type="datetimeFigureOut">
               <a:rPr lang="nl-BE" smtClean="0"/>
-              <a:t>26/09/2018</a:t>
+              <a:t>17/12/2019</a:t>
             </a:fld>
             <a:endParaRPr lang="nl-BE"/>
           </a:p>
@@ -1516,7 +1545,7 @@
           <a:p>
             <a:fld id="{21F21368-17C6-4870-9BCB-BC49B72EC322}" type="datetimeFigureOut">
               <a:rPr lang="nl-BE" smtClean="0"/>
-              <a:t>26/09/2018</a:t>
+              <a:t>17/12/2019</a:t>
             </a:fld>
             <a:endParaRPr lang="nl-BE"/>
           </a:p>
@@ -2030,7 +2059,7 @@
           <a:p>
             <a:fld id="{21F21368-17C6-4870-9BCB-BC49B72EC322}" type="datetimeFigureOut">
               <a:rPr lang="nl-BE" smtClean="0"/>
-              <a:t>26/09/2018</a:t>
+              <a:t>17/12/2019</a:t>
             </a:fld>
             <a:endParaRPr lang="nl-BE"/>
           </a:p>
@@ -2276,7 +2305,7 @@
           <a:p>
             <a:fld id="{21F21368-17C6-4870-9BCB-BC49B72EC322}" type="datetimeFigureOut">
               <a:rPr lang="nl-BE" smtClean="0"/>
-              <a:t>26/09/2018</a:t>
+              <a:t>17/12/2019</a:t>
             </a:fld>
             <a:endParaRPr lang="nl-BE"/>
           </a:p>
@@ -2508,7 +2537,7 @@
           <a:p>
             <a:fld id="{21F21368-17C6-4870-9BCB-BC49B72EC322}" type="datetimeFigureOut">
               <a:rPr lang="nl-BE" smtClean="0"/>
-              <a:t>26/09/2018</a:t>
+              <a:t>17/12/2019</a:t>
             </a:fld>
             <a:endParaRPr lang="nl-BE"/>
           </a:p>
@@ -2875,7 +2904,7 @@
           <a:p>
             <a:fld id="{21F21368-17C6-4870-9BCB-BC49B72EC322}" type="datetimeFigureOut">
               <a:rPr lang="nl-BE" smtClean="0"/>
-              <a:t>26/09/2018</a:t>
+              <a:t>17/12/2019</a:t>
             </a:fld>
             <a:endParaRPr lang="nl-BE"/>
           </a:p>
@@ -2993,7 +3022,7 @@
           <a:p>
             <a:fld id="{21F21368-17C6-4870-9BCB-BC49B72EC322}" type="datetimeFigureOut">
               <a:rPr lang="nl-BE" smtClean="0"/>
-              <a:t>26/09/2018</a:t>
+              <a:t>17/12/2019</a:t>
             </a:fld>
             <a:endParaRPr lang="nl-BE"/>
           </a:p>
@@ -3088,7 +3117,7 @@
           <a:p>
             <a:fld id="{21F21368-17C6-4870-9BCB-BC49B72EC322}" type="datetimeFigureOut">
               <a:rPr lang="nl-BE" smtClean="0"/>
-              <a:t>26/09/2018</a:t>
+              <a:t>17/12/2019</a:t>
             </a:fld>
             <a:endParaRPr lang="nl-BE"/>
           </a:p>
@@ -3365,7 +3394,7 @@
           <a:p>
             <a:fld id="{21F21368-17C6-4870-9BCB-BC49B72EC322}" type="datetimeFigureOut">
               <a:rPr lang="nl-BE" smtClean="0"/>
-              <a:t>26/09/2018</a:t>
+              <a:t>17/12/2019</a:t>
             </a:fld>
             <a:endParaRPr lang="nl-BE"/>
           </a:p>
@@ -3622,7 +3651,7 @@
           <a:p>
             <a:fld id="{21F21368-17C6-4870-9BCB-BC49B72EC322}" type="datetimeFigureOut">
               <a:rPr lang="nl-BE" smtClean="0"/>
-              <a:t>26/09/2018</a:t>
+              <a:t>17/12/2019</a:t>
             </a:fld>
             <a:endParaRPr lang="nl-BE"/>
           </a:p>
@@ -3835,7 +3864,7 @@
           <a:p>
             <a:fld id="{21F21368-17C6-4870-9BCB-BC49B72EC322}" type="datetimeFigureOut">
               <a:rPr lang="nl-BE" smtClean="0"/>
-              <a:t>26/09/2018</a:t>
+              <a:t>17/12/2019</a:t>
             </a:fld>
             <a:endParaRPr lang="nl-BE"/>
           </a:p>
@@ -7225,25 +7254,7 @@
                 </a:solidFill>
                 <a:latin typeface="Lucida Console" panose="020B0609040504020204" pitchFamily="49" charset="0"/>
               </a:rPr>
-              <a:t>c:\tmp</a:t>
-            </a:r>
-            <a:r>
-              <a:rPr lang="en-US">
-                <a:solidFill>
-                  <a:srgbClr val="8A2BE2"/>
-                </a:solidFill>
-                <a:latin typeface="Lucida Console" panose="020B0609040504020204" pitchFamily="49" charset="0"/>
-              </a:rPr>
-              <a:t>\tmp2.</a:t>
-            </a:r>
-            <a:r>
-              <a:rPr lang="en-US" dirty="0">
-                <a:solidFill>
-                  <a:srgbClr val="8A2BE2"/>
-                </a:solidFill>
-                <a:latin typeface="Lucida Console" panose="020B0609040504020204" pitchFamily="49" charset="0"/>
-              </a:rPr>
-              <a:t>txt</a:t>
+              <a:t>c:\tmp\tmp2.txt</a:t>
             </a:r>
             <a:endParaRPr lang="en-US" dirty="0">
               <a:solidFill>
@@ -10942,7 +10953,7 @@
         <p:spPr>
           <a:xfrm>
             <a:off x="838199" y="2483644"/>
-            <a:ext cx="10515599" cy="3139321"/>
+            <a:ext cx="11197047" cy="3139321"/>
           </a:xfrm>
           <a:prstGeom prst="rect">
             <a:avLst/>
@@ -11166,7 +11177,7 @@
                 </a:solidFill>
                 <a:latin typeface="Lucida Console" panose="020B0609040504020204" pitchFamily="49" charset="0"/>
               </a:rPr>
-              <a:t>"Windows </a:t>
+              <a:t>"Windows Defender </a:t>
             </a:r>
             <a:r>
               <a:rPr lang="en-US" dirty="0" err="1">

--- a/The_navigation_model/The navigation model.pptx
+++ b/The_navigation_model/The navigation model.pptx
@@ -185,6 +185,30 @@
 <file path=ppt/changesInfos/changesInfo1.xml><?xml version="1.0" encoding="utf-8"?>
 <pc:chgInfo xmlns:a="http://schemas.openxmlformats.org/drawingml/2006/main" xmlns:r="http://schemas.openxmlformats.org/officeDocument/2006/relationships" xmlns:ac="http://schemas.microsoft.com/office/drawing/2013/main/command" xmlns:pc="http://schemas.microsoft.com/office/powerpoint/2013/main/command">
   <pc:docChgLst>
+    <pc:chgData name="Jochen Mariën" userId="a4f8d9ed-3895-4365-b2d5-9432cb8a20d4" providerId="ADAL" clId="{F8E3D882-18DB-4063-9BD2-A7129D173E4D}"/>
+    <pc:docChg chg="modSld">
+      <pc:chgData name="Jochen Mariën" userId="a4f8d9ed-3895-4365-b2d5-9432cb8a20d4" providerId="ADAL" clId="{F8E3D882-18DB-4063-9BD2-A7129D173E4D}" dt="2021-01-20T08:02:59.911" v="0" actId="20577"/>
+      <pc:docMkLst>
+        <pc:docMk/>
+      </pc:docMkLst>
+      <pc:sldChg chg="modSp mod">
+        <pc:chgData name="Jochen Mariën" userId="a4f8d9ed-3895-4365-b2d5-9432cb8a20d4" providerId="ADAL" clId="{F8E3D882-18DB-4063-9BD2-A7129D173E4D}" dt="2021-01-20T08:02:59.911" v="0" actId="20577"/>
+        <pc:sldMkLst>
+          <pc:docMk/>
+          <pc:sldMk cId="4016826350" sldId="275"/>
+        </pc:sldMkLst>
+        <pc:spChg chg="mod">
+          <ac:chgData name="Jochen Mariën" userId="a4f8d9ed-3895-4365-b2d5-9432cb8a20d4" providerId="ADAL" clId="{F8E3D882-18DB-4063-9BD2-A7129D173E4D}" dt="2021-01-20T08:02:59.911" v="0" actId="20577"/>
+          <ac:spMkLst>
+            <pc:docMk/>
+            <pc:sldMk cId="4016826350" sldId="275"/>
+            <ac:spMk id="3" creationId="{00000000-0000-0000-0000-000000000000}"/>
+          </ac:spMkLst>
+        </pc:spChg>
+      </pc:sldChg>
+    </pc:docChg>
+  </pc:docChgLst>
+  <pc:docChgLst>
     <pc:chgData name="Jochen Mariën" userId="a4f8d9ed-3895-4365-b2d5-9432cb8a20d4" providerId="ADAL" clId="{9C7BED54-0A4E-4DBE-A05A-EEAFE81F8E3D}"/>
     <pc:docChg chg="modSld">
       <pc:chgData name="Jochen Mariën" userId="a4f8d9ed-3895-4365-b2d5-9432cb8a20d4" providerId="ADAL" clId="{9C7BED54-0A4E-4DBE-A05A-EEAFE81F8E3D}" dt="2019-12-17T12:30:55.905" v="9" actId="14100"/>
@@ -293,7 +317,7 @@
           <a:p>
             <a:fld id="{3C1CD153-15DE-46E9-BB45-7F70E88D2337}" type="datetimeFigureOut">
               <a:rPr lang="nl-BE" smtClean="0"/>
-              <a:t>17/12/2019</a:t>
+              <a:t>20/01/2021</a:t>
             </a:fld>
             <a:endParaRPr lang="nl-BE"/>
           </a:p>
@@ -1195,7 +1219,7 @@
           <a:p>
             <a:fld id="{21F21368-17C6-4870-9BCB-BC49B72EC322}" type="datetimeFigureOut">
               <a:rPr lang="nl-BE" smtClean="0"/>
-              <a:t>17/12/2019</a:t>
+              <a:t>20/01/2021</a:t>
             </a:fld>
             <a:endParaRPr lang="nl-BE"/>
           </a:p>
@@ -1365,7 +1389,7 @@
           <a:p>
             <a:fld id="{21F21368-17C6-4870-9BCB-BC49B72EC322}" type="datetimeFigureOut">
               <a:rPr lang="nl-BE" smtClean="0"/>
-              <a:t>17/12/2019</a:t>
+              <a:t>20/01/2021</a:t>
             </a:fld>
             <a:endParaRPr lang="nl-BE"/>
           </a:p>
@@ -1545,7 +1569,7 @@
           <a:p>
             <a:fld id="{21F21368-17C6-4870-9BCB-BC49B72EC322}" type="datetimeFigureOut">
               <a:rPr lang="nl-BE" smtClean="0"/>
-              <a:t>17/12/2019</a:t>
+              <a:t>20/01/2021</a:t>
             </a:fld>
             <a:endParaRPr lang="nl-BE"/>
           </a:p>
@@ -2059,7 +2083,7 @@
           <a:p>
             <a:fld id="{21F21368-17C6-4870-9BCB-BC49B72EC322}" type="datetimeFigureOut">
               <a:rPr lang="nl-BE" smtClean="0"/>
-              <a:t>17/12/2019</a:t>
+              <a:t>20/01/2021</a:t>
             </a:fld>
             <a:endParaRPr lang="nl-BE"/>
           </a:p>
@@ -2305,7 +2329,7 @@
           <a:p>
             <a:fld id="{21F21368-17C6-4870-9BCB-BC49B72EC322}" type="datetimeFigureOut">
               <a:rPr lang="nl-BE" smtClean="0"/>
-              <a:t>17/12/2019</a:t>
+              <a:t>20/01/2021</a:t>
             </a:fld>
             <a:endParaRPr lang="nl-BE"/>
           </a:p>
@@ -2537,7 +2561,7 @@
           <a:p>
             <a:fld id="{21F21368-17C6-4870-9BCB-BC49B72EC322}" type="datetimeFigureOut">
               <a:rPr lang="nl-BE" smtClean="0"/>
-              <a:t>17/12/2019</a:t>
+              <a:t>20/01/2021</a:t>
             </a:fld>
             <a:endParaRPr lang="nl-BE"/>
           </a:p>
@@ -2904,7 +2928,7 @@
           <a:p>
             <a:fld id="{21F21368-17C6-4870-9BCB-BC49B72EC322}" type="datetimeFigureOut">
               <a:rPr lang="nl-BE" smtClean="0"/>
-              <a:t>17/12/2019</a:t>
+              <a:t>20/01/2021</a:t>
             </a:fld>
             <a:endParaRPr lang="nl-BE"/>
           </a:p>
@@ -3022,7 +3046,7 @@
           <a:p>
             <a:fld id="{21F21368-17C6-4870-9BCB-BC49B72EC322}" type="datetimeFigureOut">
               <a:rPr lang="nl-BE" smtClean="0"/>
-              <a:t>17/12/2019</a:t>
+              <a:t>20/01/2021</a:t>
             </a:fld>
             <a:endParaRPr lang="nl-BE"/>
           </a:p>
@@ -3117,7 +3141,7 @@
           <a:p>
             <a:fld id="{21F21368-17C6-4870-9BCB-BC49B72EC322}" type="datetimeFigureOut">
               <a:rPr lang="nl-BE" smtClean="0"/>
-              <a:t>17/12/2019</a:t>
+              <a:t>20/01/2021</a:t>
             </a:fld>
             <a:endParaRPr lang="nl-BE"/>
           </a:p>
@@ -3394,7 +3418,7 @@
           <a:p>
             <a:fld id="{21F21368-17C6-4870-9BCB-BC49B72EC322}" type="datetimeFigureOut">
               <a:rPr lang="nl-BE" smtClean="0"/>
-              <a:t>17/12/2019</a:t>
+              <a:t>20/01/2021</a:t>
             </a:fld>
             <a:endParaRPr lang="nl-BE"/>
           </a:p>
@@ -3651,7 +3675,7 @@
           <a:p>
             <a:fld id="{21F21368-17C6-4870-9BCB-BC49B72EC322}" type="datetimeFigureOut">
               <a:rPr lang="nl-BE" smtClean="0"/>
-              <a:t>17/12/2019</a:t>
+              <a:t>20/01/2021</a:t>
             </a:fld>
             <a:endParaRPr lang="nl-BE"/>
           </a:p>
@@ -3864,7 +3888,7 @@
           <a:p>
             <a:fld id="{21F21368-17C6-4870-9BCB-BC49B72EC322}" type="datetimeFigureOut">
               <a:rPr lang="nl-BE" smtClean="0"/>
-              <a:t>17/12/2019</a:t>
+              <a:t>20/01/2021</a:t>
             </a:fld>
             <a:endParaRPr lang="nl-BE"/>
           </a:p>
@@ -11707,7 +11731,7 @@
             <a:pPr lvl="1"/>
             <a:r>
               <a:rPr lang="en-US" dirty="0"/>
-              <a:t>Ask user confirmation: </a:t>
+              <a:t>Ask user confirmation: -</a:t>
             </a:r>
             <a:r>
               <a:rPr lang="en-US" dirty="0" err="1"/>

--- a/The_navigation_model/The navigation model.pptx
+++ b/The_navigation_model/The navigation model.pptx
@@ -5,7 +5,7 @@
     <p:sldMasterId id="2147483661" r:id="rId1"/>
   </p:sldMasterIdLst>
   <p:notesMasterIdLst>
-    <p:notesMasterId r:id="rId22"/>
+    <p:notesMasterId r:id="rId23"/>
   </p:notesMasterIdLst>
   <p:sldIdLst>
     <p:sldId id="257" r:id="rId2"/>
@@ -23,11 +23,12 @@
     <p:sldId id="284" r:id="rId14"/>
     <p:sldId id="286" r:id="rId15"/>
     <p:sldId id="287" r:id="rId16"/>
-    <p:sldId id="291" r:id="rId17"/>
-    <p:sldId id="294" r:id="rId18"/>
-    <p:sldId id="282" r:id="rId19"/>
-    <p:sldId id="288" r:id="rId20"/>
-    <p:sldId id="274" r:id="rId21"/>
+    <p:sldId id="296" r:id="rId17"/>
+    <p:sldId id="291" r:id="rId18"/>
+    <p:sldId id="294" r:id="rId19"/>
+    <p:sldId id="282" r:id="rId20"/>
+    <p:sldId id="288" r:id="rId21"/>
+    <p:sldId id="274" r:id="rId22"/>
   </p:sldIdLst>
   <p:sldSz cx="12192000" cy="6858000"/>
   <p:notesSz cx="6858000" cy="9144000"/>
@@ -158,6 +159,7 @@
             <p14:sldId id="284"/>
             <p14:sldId id="286"/>
             <p14:sldId id="287"/>
+            <p14:sldId id="296"/>
           </p14:sldIdLst>
         </p14:section>
         <p14:section name="Registry" id="{4123CBD6-6C84-4368-9A6B-E5F2C2249D67}">
@@ -317,7 +319,7 @@
           <a:p>
             <a:fld id="{3C1CD153-15DE-46E9-BB45-7F70E88D2337}" type="datetimeFigureOut">
               <a:rPr lang="nl-BE" smtClean="0"/>
-              <a:t>20/01/2021</a:t>
+              <a:t>10/05/2022</a:t>
             </a:fld>
             <a:endParaRPr lang="nl-BE"/>
           </a:p>
@@ -476,7 +478,7 @@
           <a:p>
             <a:fld id="{86518AAE-73D8-4A7F-BD2A-F3659414D35C}" type="slidenum">
               <a:rPr lang="nl-BE" smtClean="0"/>
-              <a:t>‹#›</a:t>
+              <a:t>‹nr.›</a:t>
             </a:fld>
             <a:endParaRPr lang="nl-BE"/>
           </a:p>
@@ -1088,6 +1090,94 @@
 </p:notes>
 </file>
 
+<file path=ppt/notesSlides/notesSlide5.xml><?xml version="1.0" encoding="utf-8"?>
+<p:notes xmlns:a="http://schemas.openxmlformats.org/drawingml/2006/main" xmlns:r="http://schemas.openxmlformats.org/officeDocument/2006/relationships" xmlns:p="http://schemas.openxmlformats.org/presentationml/2006/main">
+  <p:cSld>
+    <p:spTree>
+      <p:nvGrpSpPr>
+        <p:cNvPr id="1" name=""/>
+        <p:cNvGrpSpPr/>
+        <p:nvPr/>
+      </p:nvGrpSpPr>
+      <p:grpSpPr>
+        <a:xfrm>
+          <a:off x="0" y="0"/>
+          <a:ext cx="0" cy="0"/>
+          <a:chOff x="0" y="0"/>
+          <a:chExt cx="0" cy="0"/>
+        </a:xfrm>
+      </p:grpSpPr>
+      <p:sp>
+        <p:nvSpPr>
+          <p:cNvPr id="2" name="Tijdelijke aanduiding voor dia-afbeelding 1"/>
+          <p:cNvSpPr>
+            <a:spLocks noGrp="1" noRot="1" noChangeAspect="1"/>
+          </p:cNvSpPr>
+          <p:nvPr>
+            <p:ph type="sldImg"/>
+          </p:nvPr>
+        </p:nvSpPr>
+        <p:spPr/>
+      </p:sp>
+      <p:sp>
+        <p:nvSpPr>
+          <p:cNvPr id="3" name="Tijdelijke aanduiding voor notities 2"/>
+          <p:cNvSpPr>
+            <a:spLocks noGrp="1"/>
+          </p:cNvSpPr>
+          <p:nvPr>
+            <p:ph type="body" idx="1"/>
+          </p:nvPr>
+        </p:nvSpPr>
+        <p:spPr/>
+        <p:txBody>
+          <a:bodyPr/>
+          <a:lstStyle/>
+          <a:p>
+            <a:r>
+              <a:rPr lang="nl-NL" dirty="0"/>
+              <a:t>Source: https://confidentialfiles.wordpress.com/2019/02/05/the-easy-way-to-work-with-file-attributes-in-powershell/</a:t>
+            </a:r>
+            <a:endParaRPr lang="nl-BE" dirty="0"/>
+          </a:p>
+        </p:txBody>
+      </p:sp>
+      <p:sp>
+        <p:nvSpPr>
+          <p:cNvPr id="4" name="Tijdelijke aanduiding voor dianummer 3"/>
+          <p:cNvSpPr>
+            <a:spLocks noGrp="1"/>
+          </p:cNvSpPr>
+          <p:nvPr>
+            <p:ph type="sldNum" sz="quarter" idx="5"/>
+          </p:nvPr>
+        </p:nvSpPr>
+        <p:spPr/>
+        <p:txBody>
+          <a:bodyPr/>
+          <a:lstStyle/>
+          <a:p>
+            <a:fld id="{86518AAE-73D8-4A7F-BD2A-F3659414D35C}" type="slidenum">
+              <a:rPr lang="nl-BE" smtClean="0"/>
+              <a:t>16</a:t>
+            </a:fld>
+            <a:endParaRPr lang="nl-BE"/>
+          </a:p>
+        </p:txBody>
+      </p:sp>
+    </p:spTree>
+    <p:extLst>
+      <p:ext uri="{BB962C8B-B14F-4D97-AF65-F5344CB8AC3E}">
+        <p14:creationId xmlns:p14="http://schemas.microsoft.com/office/powerpoint/2010/main" val="3620270530"/>
+      </p:ext>
+    </p:extLst>
+  </p:cSld>
+  <p:clrMapOvr>
+    <a:masterClrMapping/>
+  </p:clrMapOvr>
+</p:notes>
+</file>
+
 <file path=ppt/slideLayouts/slideLayout1.xml><?xml version="1.0" encoding="utf-8"?>
 <p:sldLayout xmlns:a="http://schemas.openxmlformats.org/drawingml/2006/main" xmlns:r="http://schemas.openxmlformats.org/officeDocument/2006/relationships" xmlns:p="http://schemas.openxmlformats.org/presentationml/2006/main" type="title" preserve="1">
   <p:cSld name="Title Slide">
@@ -1219,7 +1309,7 @@
           <a:p>
             <a:fld id="{21F21368-17C6-4870-9BCB-BC49B72EC322}" type="datetimeFigureOut">
               <a:rPr lang="nl-BE" smtClean="0"/>
-              <a:t>20/01/2021</a:t>
+              <a:t>10/05/2022</a:t>
             </a:fld>
             <a:endParaRPr lang="nl-BE"/>
           </a:p>
@@ -1261,7 +1351,7 @@
           <a:p>
             <a:fld id="{D92E16BA-4A14-44E5-AD93-051CA6FDCB01}" type="slidenum">
               <a:rPr lang="nl-BE" smtClean="0"/>
-              <a:t>‹#›</a:t>
+              <a:t>‹nr.›</a:t>
             </a:fld>
             <a:endParaRPr lang="nl-BE"/>
           </a:p>
@@ -1389,7 +1479,7 @@
           <a:p>
             <a:fld id="{21F21368-17C6-4870-9BCB-BC49B72EC322}" type="datetimeFigureOut">
               <a:rPr lang="nl-BE" smtClean="0"/>
-              <a:t>20/01/2021</a:t>
+              <a:t>10/05/2022</a:t>
             </a:fld>
             <a:endParaRPr lang="nl-BE"/>
           </a:p>
@@ -1431,7 +1521,7 @@
           <a:p>
             <a:fld id="{D92E16BA-4A14-44E5-AD93-051CA6FDCB01}" type="slidenum">
               <a:rPr lang="nl-BE" smtClean="0"/>
-              <a:t>‹#›</a:t>
+              <a:t>‹nr.›</a:t>
             </a:fld>
             <a:endParaRPr lang="nl-BE"/>
           </a:p>
@@ -1569,7 +1659,7 @@
           <a:p>
             <a:fld id="{21F21368-17C6-4870-9BCB-BC49B72EC322}" type="datetimeFigureOut">
               <a:rPr lang="nl-BE" smtClean="0"/>
-              <a:t>20/01/2021</a:t>
+              <a:t>10/05/2022</a:t>
             </a:fld>
             <a:endParaRPr lang="nl-BE"/>
           </a:p>
@@ -1611,7 +1701,7 @@
           <a:p>
             <a:fld id="{D92E16BA-4A14-44E5-AD93-051CA6FDCB01}" type="slidenum">
               <a:rPr lang="nl-BE" smtClean="0"/>
-              <a:t>‹#›</a:t>
+              <a:t>‹nr.›</a:t>
             </a:fld>
             <a:endParaRPr lang="nl-BE"/>
           </a:p>
@@ -2083,7 +2173,7 @@
           <a:p>
             <a:fld id="{21F21368-17C6-4870-9BCB-BC49B72EC322}" type="datetimeFigureOut">
               <a:rPr lang="nl-BE" smtClean="0"/>
-              <a:t>20/01/2021</a:t>
+              <a:t>10/05/2022</a:t>
             </a:fld>
             <a:endParaRPr lang="nl-BE"/>
           </a:p>
@@ -2125,7 +2215,7 @@
           <a:p>
             <a:fld id="{D92E16BA-4A14-44E5-AD93-051CA6FDCB01}" type="slidenum">
               <a:rPr lang="nl-BE" smtClean="0"/>
-              <a:t>‹#›</a:t>
+              <a:t>‹nr.›</a:t>
             </a:fld>
             <a:endParaRPr lang="nl-BE"/>
           </a:p>
@@ -2329,7 +2419,7 @@
           <a:p>
             <a:fld id="{21F21368-17C6-4870-9BCB-BC49B72EC322}" type="datetimeFigureOut">
               <a:rPr lang="nl-BE" smtClean="0"/>
-              <a:t>20/01/2021</a:t>
+              <a:t>10/05/2022</a:t>
             </a:fld>
             <a:endParaRPr lang="nl-BE"/>
           </a:p>
@@ -2371,7 +2461,7 @@
           <a:p>
             <a:fld id="{D92E16BA-4A14-44E5-AD93-051CA6FDCB01}" type="slidenum">
               <a:rPr lang="nl-BE" smtClean="0"/>
-              <a:t>‹#›</a:t>
+              <a:t>‹nr.›</a:t>
             </a:fld>
             <a:endParaRPr lang="nl-BE"/>
           </a:p>
@@ -2561,7 +2651,7 @@
           <a:p>
             <a:fld id="{21F21368-17C6-4870-9BCB-BC49B72EC322}" type="datetimeFigureOut">
               <a:rPr lang="nl-BE" smtClean="0"/>
-              <a:t>20/01/2021</a:t>
+              <a:t>10/05/2022</a:t>
             </a:fld>
             <a:endParaRPr lang="nl-BE"/>
           </a:p>
@@ -2603,7 +2693,7 @@
           <a:p>
             <a:fld id="{D92E16BA-4A14-44E5-AD93-051CA6FDCB01}" type="slidenum">
               <a:rPr lang="nl-BE" smtClean="0"/>
-              <a:t>‹#›</a:t>
+              <a:t>‹nr.›</a:t>
             </a:fld>
             <a:endParaRPr lang="nl-BE"/>
           </a:p>
@@ -2928,7 +3018,7 @@
           <a:p>
             <a:fld id="{21F21368-17C6-4870-9BCB-BC49B72EC322}" type="datetimeFigureOut">
               <a:rPr lang="nl-BE" smtClean="0"/>
-              <a:t>20/01/2021</a:t>
+              <a:t>10/05/2022</a:t>
             </a:fld>
             <a:endParaRPr lang="nl-BE"/>
           </a:p>
@@ -2970,7 +3060,7 @@
           <a:p>
             <a:fld id="{D92E16BA-4A14-44E5-AD93-051CA6FDCB01}" type="slidenum">
               <a:rPr lang="nl-BE" smtClean="0"/>
-              <a:t>‹#›</a:t>
+              <a:t>‹nr.›</a:t>
             </a:fld>
             <a:endParaRPr lang="nl-BE"/>
           </a:p>
@@ -3046,7 +3136,7 @@
           <a:p>
             <a:fld id="{21F21368-17C6-4870-9BCB-BC49B72EC322}" type="datetimeFigureOut">
               <a:rPr lang="nl-BE" smtClean="0"/>
-              <a:t>20/01/2021</a:t>
+              <a:t>10/05/2022</a:t>
             </a:fld>
             <a:endParaRPr lang="nl-BE"/>
           </a:p>
@@ -3088,7 +3178,7 @@
           <a:p>
             <a:fld id="{D92E16BA-4A14-44E5-AD93-051CA6FDCB01}" type="slidenum">
               <a:rPr lang="nl-BE" smtClean="0"/>
-              <a:t>‹#›</a:t>
+              <a:t>‹nr.›</a:t>
             </a:fld>
             <a:endParaRPr lang="nl-BE"/>
           </a:p>
@@ -3141,7 +3231,7 @@
           <a:p>
             <a:fld id="{21F21368-17C6-4870-9BCB-BC49B72EC322}" type="datetimeFigureOut">
               <a:rPr lang="nl-BE" smtClean="0"/>
-              <a:t>20/01/2021</a:t>
+              <a:t>10/05/2022</a:t>
             </a:fld>
             <a:endParaRPr lang="nl-BE"/>
           </a:p>
@@ -3183,7 +3273,7 @@
           <a:p>
             <a:fld id="{D92E16BA-4A14-44E5-AD93-051CA6FDCB01}" type="slidenum">
               <a:rPr lang="nl-BE" smtClean="0"/>
-              <a:t>‹#›</a:t>
+              <a:t>‹nr.›</a:t>
             </a:fld>
             <a:endParaRPr lang="nl-BE"/>
           </a:p>
@@ -3418,7 +3508,7 @@
           <a:p>
             <a:fld id="{21F21368-17C6-4870-9BCB-BC49B72EC322}" type="datetimeFigureOut">
               <a:rPr lang="nl-BE" smtClean="0"/>
-              <a:t>20/01/2021</a:t>
+              <a:t>10/05/2022</a:t>
             </a:fld>
             <a:endParaRPr lang="nl-BE"/>
           </a:p>
@@ -3460,7 +3550,7 @@
           <a:p>
             <a:fld id="{D92E16BA-4A14-44E5-AD93-051CA6FDCB01}" type="slidenum">
               <a:rPr lang="nl-BE" smtClean="0"/>
-              <a:t>‹#›</a:t>
+              <a:t>‹nr.›</a:t>
             </a:fld>
             <a:endParaRPr lang="nl-BE"/>
           </a:p>
@@ -3675,7 +3765,7 @@
           <a:p>
             <a:fld id="{21F21368-17C6-4870-9BCB-BC49B72EC322}" type="datetimeFigureOut">
               <a:rPr lang="nl-BE" smtClean="0"/>
-              <a:t>20/01/2021</a:t>
+              <a:t>10/05/2022</a:t>
             </a:fld>
             <a:endParaRPr lang="nl-BE"/>
           </a:p>
@@ -3717,7 +3807,7 @@
           <a:p>
             <a:fld id="{D92E16BA-4A14-44E5-AD93-051CA6FDCB01}" type="slidenum">
               <a:rPr lang="nl-BE" smtClean="0"/>
-              <a:t>‹#›</a:t>
+              <a:t>‹nr.›</a:t>
             </a:fld>
             <a:endParaRPr lang="nl-BE"/>
           </a:p>
@@ -3888,7 +3978,7 @@
           <a:p>
             <a:fld id="{21F21368-17C6-4870-9BCB-BC49B72EC322}" type="datetimeFigureOut">
               <a:rPr lang="nl-BE" smtClean="0"/>
-              <a:t>20/01/2021</a:t>
+              <a:t>10/05/2022</a:t>
             </a:fld>
             <a:endParaRPr lang="nl-BE"/>
           </a:p>
@@ -3966,7 +4056,7 @@
           <a:p>
             <a:fld id="{D92E16BA-4A14-44E5-AD93-051CA6FDCB01}" type="slidenum">
               <a:rPr lang="nl-BE" smtClean="0"/>
-              <a:t>‹#›</a:t>
+              <a:t>‹nr.›</a:t>
             </a:fld>
             <a:endParaRPr lang="nl-BE"/>
           </a:p>
@@ -7479,7 +7569,10 @@
               <a:rPr lang="en-GB" dirty="0" err="1"/>
               <a:t>Itemproperties</a:t>
             </a:r>
-            <a:endParaRPr lang="en-GB" dirty="0"/>
+            <a:r>
+              <a:rPr lang="en-GB" dirty="0"/>
+              <a:t> – the old &amp; hard way</a:t>
+            </a:r>
           </a:p>
         </p:txBody>
       </p:sp>
@@ -7905,7 +7998,7 @@
                 </a:solidFill>
                 <a:latin typeface="Lucida Console" panose="020B0609040504020204" pitchFamily="49" charset="0"/>
               </a:rPr>
-              <a:t>c:\tmp\tmp.txt</a:t>
+              <a:t>tmp.txt</a:t>
             </a:r>
             <a:r>
               <a:rPr lang="en-US" dirty="0">
@@ -8015,7 +8108,7 @@
                 </a:solidFill>
                 <a:latin typeface="Lucida Console" panose="020B0609040504020204" pitchFamily="49" charset="0"/>
               </a:rPr>
-              <a:t>c:\tmp\tmp.txt</a:t>
+              <a:t>tmp.txt</a:t>
             </a:r>
             <a:r>
               <a:rPr lang="en-US" dirty="0">
@@ -8460,7 +8553,10 @@
               <a:rPr lang="en-GB" dirty="0" err="1"/>
               <a:t>Itemproperties</a:t>
             </a:r>
-            <a:endParaRPr lang="en-GB" dirty="0"/>
+            <a:r>
+              <a:rPr lang="en-GB" dirty="0"/>
+              <a:t> – the old &amp; hard way</a:t>
+            </a:r>
           </a:p>
         </p:txBody>
       </p:sp>
@@ -8908,6 +9004,1001 @@
 </file>
 
 <file path=ppt/slides/slide16.xml><?xml version="1.0" encoding="utf-8"?>
+<p:sld xmlns:a="http://schemas.openxmlformats.org/drawingml/2006/main" xmlns:r="http://schemas.openxmlformats.org/officeDocument/2006/relationships" xmlns:p="http://schemas.openxmlformats.org/presentationml/2006/main">
+  <p:cSld>
+    <p:spTree>
+      <p:nvGrpSpPr>
+        <p:cNvPr id="1" name=""/>
+        <p:cNvGrpSpPr/>
+        <p:nvPr/>
+      </p:nvGrpSpPr>
+      <p:grpSpPr>
+        <a:xfrm>
+          <a:off x="0" y="0"/>
+          <a:ext cx="0" cy="0"/>
+          <a:chOff x="0" y="0"/>
+          <a:chExt cx="0" cy="0"/>
+        </a:xfrm>
+      </p:grpSpPr>
+      <p:sp>
+        <p:nvSpPr>
+          <p:cNvPr id="2" name="Titel 1">
+            <a:extLst>
+              <a:ext uri="{FF2B5EF4-FFF2-40B4-BE49-F238E27FC236}">
+                <a16:creationId xmlns:a16="http://schemas.microsoft.com/office/drawing/2014/main" id="{2033972B-C57B-A911-5A59-3A6658C9A771}"/>
+              </a:ext>
+            </a:extLst>
+          </p:cNvPr>
+          <p:cNvSpPr>
+            <a:spLocks noGrp="1"/>
+          </p:cNvSpPr>
+          <p:nvPr>
+            <p:ph type="title"/>
+          </p:nvPr>
+        </p:nvSpPr>
+        <p:spPr/>
+        <p:txBody>
+          <a:bodyPr/>
+          <a:lstStyle/>
+          <a:p>
+            <a:r>
+              <a:rPr lang="en-GB" dirty="0" err="1"/>
+              <a:t>Itemproperties</a:t>
+            </a:r>
+            <a:r>
+              <a:rPr lang="en-GB" dirty="0"/>
+              <a:t> – the new &amp; easy way</a:t>
+            </a:r>
+            <a:endParaRPr lang="nl-BE" dirty="0"/>
+          </a:p>
+        </p:txBody>
+      </p:sp>
+      <p:sp>
+        <p:nvSpPr>
+          <p:cNvPr id="3" name="Tijdelijke aanduiding voor inhoud 2">
+            <a:extLst>
+              <a:ext uri="{FF2B5EF4-FFF2-40B4-BE49-F238E27FC236}">
+                <a16:creationId xmlns:a16="http://schemas.microsoft.com/office/drawing/2014/main" id="{8F42C09A-D166-8524-5744-855E27B686D0}"/>
+              </a:ext>
+            </a:extLst>
+          </p:cNvPr>
+          <p:cNvSpPr>
+            <a:spLocks noGrp="1"/>
+          </p:cNvSpPr>
+          <p:nvPr>
+            <p:ph idx="1"/>
+          </p:nvPr>
+        </p:nvSpPr>
+        <p:spPr/>
+        <p:txBody>
+          <a:bodyPr>
+            <a:normAutofit fontScale="92500" lnSpcReduction="20000"/>
+          </a:bodyPr>
+          <a:lstStyle/>
+          <a:p>
+            <a:r>
+              <a:rPr lang="nl-NL" dirty="0"/>
+              <a:t>Check out </a:t>
+            </a:r>
+            <a:r>
+              <a:rPr lang="nl-NL" dirty="0" err="1"/>
+              <a:t>the</a:t>
+            </a:r>
+            <a:r>
+              <a:rPr lang="nl-NL" dirty="0"/>
+              <a:t> </a:t>
+            </a:r>
+            <a:r>
+              <a:rPr lang="nl-NL" dirty="0" err="1"/>
+              <a:t>itemproperties</a:t>
+            </a:r>
+            <a:r>
+              <a:rPr lang="nl-NL" dirty="0"/>
+              <a:t> in shorthand </a:t>
+            </a:r>
+            <a:r>
+              <a:rPr lang="nl-NL" dirty="0" err="1"/>
+              <a:t>with</a:t>
+            </a:r>
+            <a:r>
+              <a:rPr lang="nl-NL" dirty="0"/>
+              <a:t> </a:t>
+            </a:r>
+            <a:r>
+              <a:rPr lang="nl-NL" i="1" dirty="0"/>
+              <a:t>mode</a:t>
+            </a:r>
+            <a:endParaRPr lang="nl-NL" dirty="0"/>
+          </a:p>
+          <a:p>
+            <a:pPr marL="0" indent="0">
+              <a:buNone/>
+            </a:pPr>
+            <a:r>
+              <a:rPr lang="en-US" sz="1900" dirty="0">
+                <a:solidFill>
+                  <a:srgbClr val="0000FF"/>
+                </a:solidFill>
+                <a:latin typeface="Lucida Console" panose="020B0609040504020204" pitchFamily="49" charset="0"/>
+              </a:rPr>
+              <a:t>Get-Item</a:t>
+            </a:r>
+            <a:r>
+              <a:rPr lang="en-US" sz="1900" dirty="0">
+                <a:solidFill>
+                  <a:prstClr val="black"/>
+                </a:solidFill>
+                <a:latin typeface="Lucida Console" panose="020B0609040504020204" pitchFamily="49" charset="0"/>
+              </a:rPr>
+              <a:t> </a:t>
+            </a:r>
+            <a:r>
+              <a:rPr lang="en-US" sz="1900" dirty="0">
+                <a:solidFill>
+                  <a:srgbClr val="8B0000"/>
+                </a:solidFill>
+                <a:latin typeface="Lucida Console" panose="020B0609040504020204" pitchFamily="49" charset="0"/>
+              </a:rPr>
+              <a:t>"C:\Windows\system32\rundll32.exe"</a:t>
+            </a:r>
+            <a:r>
+              <a:rPr lang="en-US" sz="1900" dirty="0">
+                <a:solidFill>
+                  <a:prstClr val="black"/>
+                </a:solidFill>
+                <a:latin typeface="Lucida Console" panose="020B0609040504020204" pitchFamily="49" charset="0"/>
+              </a:rPr>
+              <a:t> </a:t>
+            </a:r>
+            <a:r>
+              <a:rPr lang="en-US" sz="1900" dirty="0">
+                <a:solidFill>
+                  <a:srgbClr val="696969"/>
+                </a:solidFill>
+                <a:latin typeface="Lucida Console" panose="020B0609040504020204" pitchFamily="49" charset="0"/>
+              </a:rPr>
+              <a:t>|</a:t>
+            </a:r>
+            <a:r>
+              <a:rPr lang="en-US" sz="1900" dirty="0">
+                <a:solidFill>
+                  <a:prstClr val="black"/>
+                </a:solidFill>
+                <a:latin typeface="Lucida Console" panose="020B0609040504020204" pitchFamily="49" charset="0"/>
+              </a:rPr>
+              <a:t> </a:t>
+            </a:r>
+            <a:r>
+              <a:rPr lang="en-US" sz="1900" dirty="0">
+                <a:solidFill>
+                  <a:srgbClr val="0000FF"/>
+                </a:solidFill>
+                <a:latin typeface="Lucida Console" panose="020B0609040504020204" pitchFamily="49" charset="0"/>
+              </a:rPr>
+              <a:t>Format-Table</a:t>
+            </a:r>
+            <a:r>
+              <a:rPr lang="en-US" sz="1900" dirty="0">
+                <a:solidFill>
+                  <a:prstClr val="black"/>
+                </a:solidFill>
+                <a:latin typeface="Lucida Console" panose="020B0609040504020204" pitchFamily="49" charset="0"/>
+              </a:rPr>
+              <a:t> </a:t>
+            </a:r>
+            <a:r>
+              <a:rPr lang="en-US" sz="1900" dirty="0" err="1">
+                <a:solidFill>
+                  <a:srgbClr val="8A2BE2"/>
+                </a:solidFill>
+                <a:latin typeface="Lucida Console" panose="020B0609040504020204" pitchFamily="49" charset="0"/>
+              </a:rPr>
+              <a:t>Name</a:t>
+            </a:r>
+            <a:r>
+              <a:rPr lang="en-US" sz="1900" dirty="0" err="1">
+                <a:solidFill>
+                  <a:srgbClr val="696969"/>
+                </a:solidFill>
+                <a:latin typeface="Lucida Console" panose="020B0609040504020204" pitchFamily="49" charset="0"/>
+              </a:rPr>
+              <a:t>,</a:t>
+            </a:r>
+            <a:r>
+              <a:rPr lang="en-US" sz="1900" dirty="0" err="1">
+                <a:solidFill>
+                  <a:srgbClr val="8A2BE2"/>
+                </a:solidFill>
+                <a:latin typeface="Lucida Console" panose="020B0609040504020204" pitchFamily="49" charset="0"/>
+              </a:rPr>
+              <a:t>Mode</a:t>
+            </a:r>
+            <a:endParaRPr lang="en-US" sz="1900" dirty="0">
+              <a:solidFill>
+                <a:prstClr val="black"/>
+              </a:solidFill>
+              <a:latin typeface="Lucida Console" panose="020B0609040504020204" pitchFamily="49" charset="0"/>
+            </a:endParaRPr>
+          </a:p>
+          <a:p>
+            <a:pPr marL="0" indent="0">
+              <a:buNone/>
+            </a:pPr>
+            <a:r>
+              <a:rPr lang="en-US" sz="1900" dirty="0">
+                <a:solidFill>
+                  <a:srgbClr val="0000FF"/>
+                </a:solidFill>
+                <a:latin typeface="Lucida Console" panose="020B0609040504020204" pitchFamily="49" charset="0"/>
+              </a:rPr>
+              <a:t>Get-</a:t>
+            </a:r>
+            <a:r>
+              <a:rPr lang="en-US" sz="1900" dirty="0" err="1">
+                <a:solidFill>
+                  <a:srgbClr val="0000FF"/>
+                </a:solidFill>
+                <a:latin typeface="Lucida Console" panose="020B0609040504020204" pitchFamily="49" charset="0"/>
+              </a:rPr>
+              <a:t>ChildItem</a:t>
+            </a:r>
+            <a:r>
+              <a:rPr lang="en-US" sz="1900" dirty="0">
+                <a:solidFill>
+                  <a:prstClr val="black"/>
+                </a:solidFill>
+                <a:latin typeface="Lucida Console" panose="020B0609040504020204" pitchFamily="49" charset="0"/>
+              </a:rPr>
+              <a:t> </a:t>
+            </a:r>
+            <a:r>
+              <a:rPr lang="en-US" sz="1900" dirty="0">
+                <a:solidFill>
+                  <a:srgbClr val="8B0000"/>
+                </a:solidFill>
+                <a:latin typeface="Lucida Console" panose="020B0609040504020204" pitchFamily="49" charset="0"/>
+              </a:rPr>
+              <a:t>"C:\"</a:t>
+            </a:r>
+            <a:r>
+              <a:rPr lang="en-US" sz="1900" dirty="0">
+                <a:solidFill>
+                  <a:prstClr val="black"/>
+                </a:solidFill>
+                <a:latin typeface="Lucida Console" panose="020B0609040504020204" pitchFamily="49" charset="0"/>
+              </a:rPr>
+              <a:t> </a:t>
+            </a:r>
+            <a:r>
+              <a:rPr lang="en-US" sz="1900" dirty="0">
+                <a:solidFill>
+                  <a:srgbClr val="000080"/>
+                </a:solidFill>
+                <a:latin typeface="Lucida Console" panose="020B0609040504020204" pitchFamily="49" charset="0"/>
+              </a:rPr>
+              <a:t>-Force</a:t>
+            </a:r>
+            <a:r>
+              <a:rPr lang="en-US" sz="1900" dirty="0">
+                <a:solidFill>
+                  <a:prstClr val="black"/>
+                </a:solidFill>
+                <a:latin typeface="Lucida Console" panose="020B0609040504020204" pitchFamily="49" charset="0"/>
+              </a:rPr>
+              <a:t> </a:t>
+            </a:r>
+            <a:r>
+              <a:rPr lang="en-US" sz="1900" dirty="0">
+                <a:solidFill>
+                  <a:srgbClr val="696969"/>
+                </a:solidFill>
+                <a:latin typeface="Lucida Console" panose="020B0609040504020204" pitchFamily="49" charset="0"/>
+              </a:rPr>
+              <a:t>|</a:t>
+            </a:r>
+            <a:r>
+              <a:rPr lang="en-US" sz="1900" dirty="0">
+                <a:solidFill>
+                  <a:prstClr val="black"/>
+                </a:solidFill>
+                <a:latin typeface="Lucida Console" panose="020B0609040504020204" pitchFamily="49" charset="0"/>
+              </a:rPr>
+              <a:t> </a:t>
+            </a:r>
+            <a:r>
+              <a:rPr lang="en-US" sz="1900" dirty="0">
+                <a:solidFill>
+                  <a:srgbClr val="0000FF"/>
+                </a:solidFill>
+                <a:latin typeface="Lucida Console" panose="020B0609040504020204" pitchFamily="49" charset="0"/>
+              </a:rPr>
+              <a:t>Format-Table</a:t>
+            </a:r>
+            <a:r>
+              <a:rPr lang="en-US" sz="1900" dirty="0">
+                <a:solidFill>
+                  <a:prstClr val="black"/>
+                </a:solidFill>
+                <a:latin typeface="Lucida Console" panose="020B0609040504020204" pitchFamily="49" charset="0"/>
+              </a:rPr>
+              <a:t> </a:t>
+            </a:r>
+            <a:r>
+              <a:rPr lang="en-US" sz="1900" dirty="0" err="1">
+                <a:solidFill>
+                  <a:srgbClr val="8A2BE2"/>
+                </a:solidFill>
+                <a:latin typeface="Lucida Console" panose="020B0609040504020204" pitchFamily="49" charset="0"/>
+              </a:rPr>
+              <a:t>Name</a:t>
+            </a:r>
+            <a:r>
+              <a:rPr lang="en-US" sz="1900" dirty="0" err="1">
+                <a:solidFill>
+                  <a:srgbClr val="696969"/>
+                </a:solidFill>
+                <a:latin typeface="Lucida Console" panose="020B0609040504020204" pitchFamily="49" charset="0"/>
+              </a:rPr>
+              <a:t>,</a:t>
+            </a:r>
+            <a:r>
+              <a:rPr lang="en-US" sz="1900" dirty="0" err="1">
+                <a:solidFill>
+                  <a:srgbClr val="8A2BE2"/>
+                </a:solidFill>
+                <a:latin typeface="Lucida Console" panose="020B0609040504020204" pitchFamily="49" charset="0"/>
+              </a:rPr>
+              <a:t>Mode</a:t>
+            </a:r>
+            <a:r>
+              <a:rPr lang="en-US" sz="1900" dirty="0">
+                <a:solidFill>
+                  <a:srgbClr val="8A2BE2"/>
+                </a:solidFill>
+                <a:latin typeface="Lucida Console" panose="020B0609040504020204" pitchFamily="49" charset="0"/>
+              </a:rPr>
+              <a:t> </a:t>
+            </a:r>
+          </a:p>
+          <a:p>
+            <a:pPr marL="0" indent="0">
+              <a:buNone/>
+            </a:pPr>
+            <a:endParaRPr lang="en-US" sz="1800" dirty="0">
+              <a:solidFill>
+                <a:srgbClr val="8A2BE2"/>
+              </a:solidFill>
+              <a:latin typeface="Lucida Console" panose="020B0609040504020204" pitchFamily="49" charset="0"/>
+            </a:endParaRPr>
+          </a:p>
+          <a:p>
+            <a:pPr marL="0" indent="0">
+              <a:buNone/>
+            </a:pPr>
+            <a:r>
+              <a:rPr lang="nl-BE" sz="1900" dirty="0">
+                <a:solidFill>
+                  <a:srgbClr val="006400"/>
+                </a:solidFill>
+                <a:latin typeface="Lucida Console" panose="020B0609040504020204" pitchFamily="49" charset="0"/>
+              </a:rPr>
+              <a:t># Get "tmp.txt"</a:t>
+            </a:r>
+            <a:endParaRPr lang="nl-BE" sz="1900" dirty="0">
+              <a:solidFill>
+                <a:prstClr val="black"/>
+              </a:solidFill>
+              <a:latin typeface="Lucida Console" panose="020B0609040504020204" pitchFamily="49" charset="0"/>
+            </a:endParaRPr>
+          </a:p>
+          <a:p>
+            <a:pPr marL="0" indent="0">
+              <a:buNone/>
+            </a:pPr>
+            <a:r>
+              <a:rPr lang="en-US" sz="1900" dirty="0">
+                <a:solidFill>
+                  <a:srgbClr val="A82D00"/>
+                </a:solidFill>
+                <a:latin typeface="Lucida Console" panose="020B0609040504020204" pitchFamily="49" charset="0"/>
+              </a:rPr>
+              <a:t>$a</a:t>
+            </a:r>
+            <a:r>
+              <a:rPr lang="en-US" sz="1900" dirty="0">
+                <a:solidFill>
+                  <a:prstClr val="black"/>
+                </a:solidFill>
+                <a:latin typeface="Lucida Console" panose="020B0609040504020204" pitchFamily="49" charset="0"/>
+              </a:rPr>
+              <a:t> </a:t>
+            </a:r>
+            <a:r>
+              <a:rPr lang="en-US" sz="1900" dirty="0">
+                <a:solidFill>
+                  <a:srgbClr val="696969"/>
+                </a:solidFill>
+                <a:latin typeface="Lucida Console" panose="020B0609040504020204" pitchFamily="49" charset="0"/>
+              </a:rPr>
+              <a:t>=</a:t>
+            </a:r>
+            <a:r>
+              <a:rPr lang="en-US" sz="1900" dirty="0">
+                <a:solidFill>
+                  <a:prstClr val="black"/>
+                </a:solidFill>
+                <a:latin typeface="Lucida Console" panose="020B0609040504020204" pitchFamily="49" charset="0"/>
+              </a:rPr>
+              <a:t> </a:t>
+            </a:r>
+            <a:r>
+              <a:rPr lang="en-US" sz="1900" dirty="0">
+                <a:solidFill>
+                  <a:srgbClr val="0000FF"/>
+                </a:solidFill>
+                <a:latin typeface="Lucida Console" panose="020B0609040504020204" pitchFamily="49" charset="0"/>
+              </a:rPr>
+              <a:t>Get-Item</a:t>
+            </a:r>
+            <a:r>
+              <a:rPr lang="en-US" sz="1900" dirty="0">
+                <a:solidFill>
+                  <a:prstClr val="black"/>
+                </a:solidFill>
+                <a:latin typeface="Lucida Console" panose="020B0609040504020204" pitchFamily="49" charset="0"/>
+              </a:rPr>
+              <a:t> </a:t>
+            </a:r>
+            <a:r>
+              <a:rPr lang="en-US" sz="1900" dirty="0">
+                <a:solidFill>
+                  <a:srgbClr val="8A2BE2"/>
+                </a:solidFill>
+                <a:latin typeface="Lucida Console" panose="020B0609040504020204" pitchFamily="49" charset="0"/>
+              </a:rPr>
+              <a:t>c:\tmp\tmp.txt</a:t>
+            </a:r>
+            <a:r>
+              <a:rPr lang="en-US" sz="1900" dirty="0">
+                <a:solidFill>
+                  <a:prstClr val="black"/>
+                </a:solidFill>
+                <a:latin typeface="Lucida Console" panose="020B0609040504020204" pitchFamily="49" charset="0"/>
+              </a:rPr>
+              <a:t> </a:t>
+            </a:r>
+            <a:endParaRPr lang="nl-BE" sz="1900" dirty="0">
+              <a:solidFill>
+                <a:prstClr val="black"/>
+              </a:solidFill>
+              <a:latin typeface="Lucida Console" panose="020B0609040504020204" pitchFamily="49" charset="0"/>
+            </a:endParaRPr>
+          </a:p>
+          <a:p>
+            <a:pPr marL="0" indent="0">
+              <a:buNone/>
+            </a:pPr>
+            <a:r>
+              <a:rPr lang="en-US" sz="1900" dirty="0">
+                <a:solidFill>
+                  <a:srgbClr val="006400"/>
+                </a:solidFill>
+                <a:latin typeface="Lucida Console" panose="020B0609040504020204" pitchFamily="49" charset="0"/>
+              </a:rPr>
+              <a:t># Replace its </a:t>
+            </a:r>
+            <a:r>
+              <a:rPr lang="en-US" sz="1900" dirty="0" err="1">
+                <a:solidFill>
+                  <a:srgbClr val="006400"/>
+                </a:solidFill>
+                <a:latin typeface="Lucida Console" panose="020B0609040504020204" pitchFamily="49" charset="0"/>
+              </a:rPr>
+              <a:t>atribute</a:t>
+            </a:r>
+            <a:r>
+              <a:rPr lang="en-US" sz="1900" dirty="0">
+                <a:solidFill>
+                  <a:srgbClr val="006400"/>
+                </a:solidFill>
+                <a:latin typeface="Lucida Console" panose="020B0609040504020204" pitchFamily="49" charset="0"/>
+              </a:rPr>
+              <a:t> set with archive and read-only</a:t>
+            </a:r>
+            <a:endParaRPr lang="en-US" sz="1900" dirty="0">
+              <a:solidFill>
+                <a:prstClr val="black"/>
+              </a:solidFill>
+              <a:latin typeface="Lucida Console" panose="020B0609040504020204" pitchFamily="49" charset="0"/>
+            </a:endParaRPr>
+          </a:p>
+          <a:p>
+            <a:pPr marL="0" indent="0">
+              <a:buNone/>
+            </a:pPr>
+            <a:r>
+              <a:rPr lang="nl-BE" sz="1900" dirty="0">
+                <a:solidFill>
+                  <a:srgbClr val="A82D00"/>
+                </a:solidFill>
+                <a:latin typeface="Lucida Console" panose="020B0609040504020204" pitchFamily="49" charset="0"/>
+              </a:rPr>
+              <a:t>$</a:t>
+            </a:r>
+            <a:r>
+              <a:rPr lang="nl-BE" sz="1900" dirty="0" err="1">
+                <a:solidFill>
+                  <a:srgbClr val="A82D00"/>
+                </a:solidFill>
+                <a:latin typeface="Lucida Console" panose="020B0609040504020204" pitchFamily="49" charset="0"/>
+              </a:rPr>
+              <a:t>a</a:t>
+            </a:r>
+            <a:r>
+              <a:rPr lang="nl-BE" sz="1900" dirty="0" err="1">
+                <a:solidFill>
+                  <a:srgbClr val="696969"/>
+                </a:solidFill>
+                <a:latin typeface="Lucida Console" panose="020B0609040504020204" pitchFamily="49" charset="0"/>
+              </a:rPr>
+              <a:t>.</a:t>
+            </a:r>
+            <a:r>
+              <a:rPr lang="nl-BE" sz="1900" dirty="0" err="1">
+                <a:solidFill>
+                  <a:prstClr val="black"/>
+                </a:solidFill>
+                <a:latin typeface="Lucida Console" panose="020B0609040504020204" pitchFamily="49" charset="0"/>
+              </a:rPr>
+              <a:t>Attributes</a:t>
+            </a:r>
+            <a:r>
+              <a:rPr lang="nl-BE" sz="1900" dirty="0">
+                <a:solidFill>
+                  <a:prstClr val="black"/>
+                </a:solidFill>
+                <a:latin typeface="Lucida Console" panose="020B0609040504020204" pitchFamily="49" charset="0"/>
+              </a:rPr>
+              <a:t> </a:t>
+            </a:r>
+            <a:r>
+              <a:rPr lang="nl-BE" sz="1900" dirty="0">
+                <a:solidFill>
+                  <a:srgbClr val="696969"/>
+                </a:solidFill>
+                <a:latin typeface="Lucida Console" panose="020B0609040504020204" pitchFamily="49" charset="0"/>
+              </a:rPr>
+              <a:t>=</a:t>
+            </a:r>
+            <a:r>
+              <a:rPr lang="nl-BE" sz="1900" dirty="0">
+                <a:solidFill>
+                  <a:srgbClr val="8B0000"/>
+                </a:solidFill>
+                <a:latin typeface="Lucida Console" panose="020B0609040504020204" pitchFamily="49" charset="0"/>
+              </a:rPr>
+              <a:t>"</a:t>
+            </a:r>
+            <a:r>
+              <a:rPr lang="nl-BE" sz="1900" dirty="0" err="1">
+                <a:solidFill>
+                  <a:srgbClr val="8B0000"/>
+                </a:solidFill>
+                <a:latin typeface="Lucida Console" panose="020B0609040504020204" pitchFamily="49" charset="0"/>
+              </a:rPr>
+              <a:t>Archive</a:t>
+            </a:r>
+            <a:r>
+              <a:rPr lang="nl-BE" sz="1900" dirty="0">
+                <a:solidFill>
+                  <a:srgbClr val="8B0000"/>
+                </a:solidFill>
+                <a:latin typeface="Lucida Console" panose="020B0609040504020204" pitchFamily="49" charset="0"/>
+              </a:rPr>
+              <a:t>"</a:t>
+            </a:r>
+            <a:r>
+              <a:rPr lang="nl-BE" sz="1900" dirty="0">
+                <a:solidFill>
+                  <a:srgbClr val="696969"/>
+                </a:solidFill>
+                <a:latin typeface="Lucida Console" panose="020B0609040504020204" pitchFamily="49" charset="0"/>
+              </a:rPr>
+              <a:t>,</a:t>
+            </a:r>
+            <a:r>
+              <a:rPr lang="nl-BE" sz="1900" dirty="0">
+                <a:solidFill>
+                  <a:srgbClr val="8B0000"/>
+                </a:solidFill>
+                <a:latin typeface="Lucida Console" panose="020B0609040504020204" pitchFamily="49" charset="0"/>
+              </a:rPr>
+              <a:t>"</a:t>
+            </a:r>
+            <a:r>
+              <a:rPr lang="nl-BE" sz="1900" dirty="0" err="1">
+                <a:solidFill>
+                  <a:srgbClr val="8B0000"/>
+                </a:solidFill>
+                <a:latin typeface="Lucida Console" panose="020B0609040504020204" pitchFamily="49" charset="0"/>
+              </a:rPr>
+              <a:t>ReadOnly</a:t>
+            </a:r>
+            <a:r>
+              <a:rPr lang="nl-BE" sz="1900" dirty="0">
+                <a:solidFill>
+                  <a:srgbClr val="8B0000"/>
+                </a:solidFill>
+                <a:latin typeface="Lucida Console" panose="020B0609040504020204" pitchFamily="49" charset="0"/>
+              </a:rPr>
+              <a:t>"</a:t>
+            </a:r>
+            <a:endParaRPr lang="nl-BE" sz="1900" dirty="0">
+              <a:solidFill>
+                <a:prstClr val="black"/>
+              </a:solidFill>
+              <a:latin typeface="Lucida Console" panose="020B0609040504020204" pitchFamily="49" charset="0"/>
+            </a:endParaRPr>
+          </a:p>
+          <a:p>
+            <a:pPr marL="0" indent="0">
+              <a:buNone/>
+            </a:pPr>
+            <a:r>
+              <a:rPr lang="en-US" sz="1900" dirty="0">
+                <a:solidFill>
+                  <a:srgbClr val="006400"/>
+                </a:solidFill>
+                <a:latin typeface="Lucida Console" panose="020B0609040504020204" pitchFamily="49" charset="0"/>
+              </a:rPr>
+              <a:t># Add and remove "hidden" to it</a:t>
+            </a:r>
+            <a:endParaRPr lang="en-US" sz="1900" dirty="0">
+              <a:solidFill>
+                <a:prstClr val="black"/>
+              </a:solidFill>
+              <a:latin typeface="Lucida Console" panose="020B0609040504020204" pitchFamily="49" charset="0"/>
+            </a:endParaRPr>
+          </a:p>
+          <a:p>
+            <a:pPr marL="0" indent="0">
+              <a:buNone/>
+            </a:pPr>
+            <a:r>
+              <a:rPr lang="nl-BE" sz="1900" dirty="0">
+                <a:solidFill>
+                  <a:srgbClr val="A82D00"/>
+                </a:solidFill>
+                <a:latin typeface="Lucida Console" panose="020B0609040504020204" pitchFamily="49" charset="0"/>
+              </a:rPr>
+              <a:t>$</a:t>
+            </a:r>
+            <a:r>
+              <a:rPr lang="nl-BE" sz="1900" dirty="0" err="1">
+                <a:solidFill>
+                  <a:srgbClr val="A82D00"/>
+                </a:solidFill>
+                <a:latin typeface="Lucida Console" panose="020B0609040504020204" pitchFamily="49" charset="0"/>
+              </a:rPr>
+              <a:t>a</a:t>
+            </a:r>
+            <a:r>
+              <a:rPr lang="nl-BE" sz="1900" dirty="0" err="1">
+                <a:solidFill>
+                  <a:srgbClr val="696969"/>
+                </a:solidFill>
+                <a:latin typeface="Lucida Console" panose="020B0609040504020204" pitchFamily="49" charset="0"/>
+              </a:rPr>
+              <a:t>.</a:t>
+            </a:r>
+            <a:r>
+              <a:rPr lang="nl-BE" sz="1900" dirty="0" err="1">
+                <a:solidFill>
+                  <a:prstClr val="black"/>
+                </a:solidFill>
+                <a:latin typeface="Lucida Console" panose="020B0609040504020204" pitchFamily="49" charset="0"/>
+              </a:rPr>
+              <a:t>Attributes</a:t>
+            </a:r>
+            <a:r>
+              <a:rPr lang="nl-BE" sz="1900" dirty="0">
+                <a:solidFill>
+                  <a:prstClr val="black"/>
+                </a:solidFill>
+                <a:latin typeface="Lucida Console" panose="020B0609040504020204" pitchFamily="49" charset="0"/>
+              </a:rPr>
+              <a:t> </a:t>
+            </a:r>
+            <a:r>
+              <a:rPr lang="nl-BE" sz="1900" dirty="0">
+                <a:solidFill>
+                  <a:srgbClr val="696969"/>
+                </a:solidFill>
+                <a:latin typeface="Lucida Console" panose="020B0609040504020204" pitchFamily="49" charset="0"/>
+              </a:rPr>
+              <a:t>+= </a:t>
+            </a:r>
+            <a:r>
+              <a:rPr lang="nl-BE" sz="1900" dirty="0">
+                <a:solidFill>
+                  <a:srgbClr val="8B0000"/>
+                </a:solidFill>
+                <a:latin typeface="Lucida Console" panose="020B0609040504020204" pitchFamily="49" charset="0"/>
+              </a:rPr>
+              <a:t>"</a:t>
+            </a:r>
+            <a:r>
+              <a:rPr lang="nl-BE" sz="1900" dirty="0" err="1">
+                <a:solidFill>
+                  <a:srgbClr val="8B0000"/>
+                </a:solidFill>
+                <a:latin typeface="Lucida Console" panose="020B0609040504020204" pitchFamily="49" charset="0"/>
+              </a:rPr>
+              <a:t>Hidden</a:t>
+            </a:r>
+            <a:r>
+              <a:rPr lang="nl-BE" sz="1900" dirty="0">
+                <a:solidFill>
+                  <a:srgbClr val="8B0000"/>
+                </a:solidFill>
+                <a:latin typeface="Lucida Console" panose="020B0609040504020204" pitchFamily="49" charset="0"/>
+              </a:rPr>
+              <a:t>"</a:t>
+            </a:r>
+            <a:endParaRPr lang="nl-BE" sz="1900" dirty="0">
+              <a:solidFill>
+                <a:prstClr val="black"/>
+              </a:solidFill>
+              <a:latin typeface="Lucida Console" panose="020B0609040504020204" pitchFamily="49" charset="0"/>
+            </a:endParaRPr>
+          </a:p>
+          <a:p>
+            <a:pPr marL="0" indent="0">
+              <a:buNone/>
+            </a:pPr>
+            <a:r>
+              <a:rPr lang="nl-BE" sz="1900" dirty="0">
+                <a:solidFill>
+                  <a:srgbClr val="A82D00"/>
+                </a:solidFill>
+                <a:latin typeface="Lucida Console" panose="020B0609040504020204" pitchFamily="49" charset="0"/>
+              </a:rPr>
+              <a:t>$</a:t>
+            </a:r>
+            <a:r>
+              <a:rPr lang="nl-BE" sz="1900" dirty="0" err="1">
+                <a:solidFill>
+                  <a:srgbClr val="A82D00"/>
+                </a:solidFill>
+                <a:latin typeface="Lucida Console" panose="020B0609040504020204" pitchFamily="49" charset="0"/>
+              </a:rPr>
+              <a:t>a</a:t>
+            </a:r>
+            <a:r>
+              <a:rPr lang="nl-BE" sz="1900" dirty="0" err="1">
+                <a:solidFill>
+                  <a:srgbClr val="696969"/>
+                </a:solidFill>
+                <a:latin typeface="Lucida Console" panose="020B0609040504020204" pitchFamily="49" charset="0"/>
+              </a:rPr>
+              <a:t>.</a:t>
+            </a:r>
+            <a:r>
+              <a:rPr lang="nl-BE" sz="1900" dirty="0" err="1">
+                <a:solidFill>
+                  <a:prstClr val="black"/>
+                </a:solidFill>
+                <a:latin typeface="Lucida Console" panose="020B0609040504020204" pitchFamily="49" charset="0"/>
+              </a:rPr>
+              <a:t>Attributes</a:t>
+            </a:r>
+            <a:r>
+              <a:rPr lang="nl-BE" sz="1900" dirty="0">
+                <a:solidFill>
+                  <a:prstClr val="black"/>
+                </a:solidFill>
+                <a:latin typeface="Lucida Console" panose="020B0609040504020204" pitchFamily="49" charset="0"/>
+              </a:rPr>
+              <a:t> </a:t>
+            </a:r>
+            <a:r>
+              <a:rPr lang="nl-BE" sz="1900" dirty="0">
+                <a:solidFill>
+                  <a:srgbClr val="696969"/>
+                </a:solidFill>
+                <a:latin typeface="Lucida Console" panose="020B0609040504020204" pitchFamily="49" charset="0"/>
+              </a:rPr>
+              <a:t>-= </a:t>
+            </a:r>
+            <a:r>
+              <a:rPr lang="nl-BE" sz="1900" dirty="0">
+                <a:solidFill>
+                  <a:srgbClr val="8B0000"/>
+                </a:solidFill>
+                <a:latin typeface="Lucida Console" panose="020B0609040504020204" pitchFamily="49" charset="0"/>
+              </a:rPr>
+              <a:t>"</a:t>
+            </a:r>
+            <a:r>
+              <a:rPr lang="nl-BE" sz="1900" dirty="0" err="1">
+                <a:solidFill>
+                  <a:srgbClr val="8B0000"/>
+                </a:solidFill>
+                <a:latin typeface="Lucida Console" panose="020B0609040504020204" pitchFamily="49" charset="0"/>
+              </a:rPr>
+              <a:t>Hidden</a:t>
+            </a:r>
+            <a:r>
+              <a:rPr lang="nl-BE" sz="1900" dirty="0">
+                <a:solidFill>
+                  <a:srgbClr val="8B0000"/>
+                </a:solidFill>
+                <a:latin typeface="Lucida Console" panose="020B0609040504020204" pitchFamily="49" charset="0"/>
+              </a:rPr>
+              <a:t>"</a:t>
+            </a:r>
+            <a:endParaRPr lang="nl-BE" sz="1900" dirty="0">
+              <a:solidFill>
+                <a:prstClr val="black"/>
+              </a:solidFill>
+              <a:latin typeface="Lucida Console" panose="020B0609040504020204" pitchFamily="49" charset="0"/>
+            </a:endParaRPr>
+          </a:p>
+          <a:p>
+            <a:pPr marL="0" indent="0">
+              <a:buNone/>
+            </a:pPr>
+            <a:r>
+              <a:rPr lang="nl-BE" sz="1900" dirty="0">
+                <a:solidFill>
+                  <a:srgbClr val="006400"/>
+                </a:solidFill>
+                <a:latin typeface="Lucida Console" panose="020B0609040504020204" pitchFamily="49" charset="0"/>
+              </a:rPr>
+              <a:t>#Remove </a:t>
+            </a:r>
+            <a:r>
+              <a:rPr lang="nl-BE" sz="1900" dirty="0" err="1">
+                <a:solidFill>
+                  <a:srgbClr val="006400"/>
+                </a:solidFill>
+                <a:latin typeface="Lucida Console" panose="020B0609040504020204" pitchFamily="49" charset="0"/>
+              </a:rPr>
+              <a:t>all</a:t>
+            </a:r>
+            <a:r>
+              <a:rPr lang="nl-BE" sz="1900" dirty="0">
+                <a:solidFill>
+                  <a:srgbClr val="006400"/>
+                </a:solidFill>
+                <a:latin typeface="Lucida Console" panose="020B0609040504020204" pitchFamily="49" charset="0"/>
+              </a:rPr>
+              <a:t> </a:t>
+            </a:r>
+            <a:r>
+              <a:rPr lang="nl-BE" sz="1900" dirty="0" err="1">
+                <a:solidFill>
+                  <a:srgbClr val="006400"/>
+                </a:solidFill>
+                <a:latin typeface="Lucida Console" panose="020B0609040504020204" pitchFamily="49" charset="0"/>
+              </a:rPr>
+              <a:t>attributes</a:t>
+            </a:r>
+            <a:endParaRPr lang="nl-BE" sz="1900" dirty="0">
+              <a:solidFill>
+                <a:prstClr val="black"/>
+              </a:solidFill>
+              <a:latin typeface="Lucida Console" panose="020B0609040504020204" pitchFamily="49" charset="0"/>
+            </a:endParaRPr>
+          </a:p>
+          <a:p>
+            <a:pPr marL="0" indent="0">
+              <a:buNone/>
+            </a:pPr>
+            <a:r>
+              <a:rPr lang="nl-BE" sz="1900" dirty="0">
+                <a:solidFill>
+                  <a:srgbClr val="A82D00"/>
+                </a:solidFill>
+                <a:latin typeface="Lucida Console" panose="020B0609040504020204" pitchFamily="49" charset="0"/>
+              </a:rPr>
+              <a:t>$</a:t>
+            </a:r>
+            <a:r>
+              <a:rPr lang="nl-BE" sz="1900" dirty="0" err="1">
+                <a:solidFill>
+                  <a:srgbClr val="A82D00"/>
+                </a:solidFill>
+                <a:latin typeface="Lucida Console" panose="020B0609040504020204" pitchFamily="49" charset="0"/>
+              </a:rPr>
+              <a:t>a</a:t>
+            </a:r>
+            <a:r>
+              <a:rPr lang="nl-BE" sz="1900" dirty="0" err="1">
+                <a:solidFill>
+                  <a:srgbClr val="696969"/>
+                </a:solidFill>
+                <a:latin typeface="Lucida Console" panose="020B0609040504020204" pitchFamily="49" charset="0"/>
+              </a:rPr>
+              <a:t>.</a:t>
+            </a:r>
+            <a:r>
+              <a:rPr lang="nl-BE" sz="1900" dirty="0" err="1">
+                <a:solidFill>
+                  <a:prstClr val="black"/>
+                </a:solidFill>
+                <a:latin typeface="Lucida Console" panose="020B0609040504020204" pitchFamily="49" charset="0"/>
+              </a:rPr>
+              <a:t>Attributes</a:t>
+            </a:r>
+            <a:r>
+              <a:rPr lang="nl-BE" sz="1900" dirty="0">
+                <a:solidFill>
+                  <a:prstClr val="black"/>
+                </a:solidFill>
+                <a:latin typeface="Lucida Console" panose="020B0609040504020204" pitchFamily="49" charset="0"/>
+              </a:rPr>
+              <a:t> </a:t>
+            </a:r>
+            <a:r>
+              <a:rPr lang="nl-BE" sz="1900" dirty="0">
+                <a:solidFill>
+                  <a:srgbClr val="696969"/>
+                </a:solidFill>
+                <a:latin typeface="Lucida Console" panose="020B0609040504020204" pitchFamily="49" charset="0"/>
+              </a:rPr>
+              <a:t>= </a:t>
+            </a:r>
+            <a:r>
+              <a:rPr lang="nl-BE" sz="1900" dirty="0">
+                <a:solidFill>
+                  <a:srgbClr val="8B0000"/>
+                </a:solidFill>
+                <a:latin typeface="Lucida Console" panose="020B0609040504020204" pitchFamily="49" charset="0"/>
+              </a:rPr>
+              <a:t>"</a:t>
+            </a:r>
+            <a:r>
+              <a:rPr lang="nl-BE" sz="1900" dirty="0" err="1">
+                <a:solidFill>
+                  <a:srgbClr val="8B0000"/>
+                </a:solidFill>
+                <a:latin typeface="Lucida Console" panose="020B0609040504020204" pitchFamily="49" charset="0"/>
+              </a:rPr>
+              <a:t>Normal</a:t>
+            </a:r>
+            <a:r>
+              <a:rPr lang="nl-BE" sz="1900" dirty="0">
+                <a:solidFill>
+                  <a:srgbClr val="8B0000"/>
+                </a:solidFill>
+                <a:latin typeface="Lucida Console" panose="020B0609040504020204" pitchFamily="49" charset="0"/>
+              </a:rPr>
+              <a:t>" </a:t>
+            </a:r>
+            <a:endParaRPr lang="en-US" sz="1900" dirty="0">
+              <a:solidFill>
+                <a:srgbClr val="8A2BE2"/>
+              </a:solidFill>
+              <a:latin typeface="Lucida Console" panose="020B0609040504020204" pitchFamily="49" charset="0"/>
+            </a:endParaRPr>
+          </a:p>
+        </p:txBody>
+      </p:sp>
+    </p:spTree>
+    <p:extLst>
+      <p:ext uri="{BB962C8B-B14F-4D97-AF65-F5344CB8AC3E}">
+        <p14:creationId xmlns:p14="http://schemas.microsoft.com/office/powerpoint/2010/main" val="3714929838"/>
+      </p:ext>
+    </p:extLst>
+  </p:cSld>
+  <p:clrMapOvr>
+    <a:masterClrMapping/>
+  </p:clrMapOvr>
+</p:sld>
+</file>
+
+<file path=ppt/slides/slide17.xml><?xml version="1.0" encoding="utf-8"?>
 <p:sld xmlns:a="http://schemas.openxmlformats.org/drawingml/2006/main" xmlns:r="http://schemas.openxmlformats.org/officeDocument/2006/relationships" xmlns:p="http://schemas.openxmlformats.org/presentationml/2006/main">
   <p:cSld>
     <p:spTree>
@@ -9750,7 +10841,7 @@
 </p:sld>
 </file>
 
-<file path=ppt/slides/slide17.xml><?xml version="1.0" encoding="utf-8"?>
+<file path=ppt/slides/slide18.xml><?xml version="1.0" encoding="utf-8"?>
 <p:sld xmlns:a="http://schemas.openxmlformats.org/drawingml/2006/main" xmlns:r="http://schemas.openxmlformats.org/officeDocument/2006/relationships" xmlns:p="http://schemas.openxmlformats.org/presentationml/2006/main">
   <p:cSld>
     <p:spTree>
@@ -10422,7 +11513,7 @@
 </p:sld>
 </file>
 
-<file path=ppt/slides/slide18.xml><?xml version="1.0" encoding="utf-8"?>
+<file path=ppt/slides/slide19.xml><?xml version="1.0" encoding="utf-8"?>
 <p:sld xmlns:a="http://schemas.openxmlformats.org/drawingml/2006/main" xmlns:r="http://schemas.openxmlformats.org/officeDocument/2006/relationships" xmlns:p="http://schemas.openxmlformats.org/presentationml/2006/main">
   <p:cSld>
     <p:spTree>
@@ -10642,989 +11733,6 @@
     <p:extLst>
       <p:ext uri="{BB962C8B-B14F-4D97-AF65-F5344CB8AC3E}">
         <p14:creationId xmlns:p14="http://schemas.microsoft.com/office/powerpoint/2010/main" val="725194331"/>
-      </p:ext>
-    </p:extLst>
-  </p:cSld>
-  <p:clrMapOvr>
-    <a:masterClrMapping/>
-  </p:clrMapOvr>
-</p:sld>
-</file>
-
-<file path=ppt/slides/slide19.xml><?xml version="1.0" encoding="utf-8"?>
-<p:sld xmlns:a="http://schemas.openxmlformats.org/drawingml/2006/main" xmlns:r="http://schemas.openxmlformats.org/officeDocument/2006/relationships" xmlns:p="http://schemas.openxmlformats.org/presentationml/2006/main">
-  <p:cSld>
-    <p:spTree>
-      <p:nvGrpSpPr>
-        <p:cNvPr id="1" name=""/>
-        <p:cNvGrpSpPr/>
-        <p:nvPr/>
-      </p:nvGrpSpPr>
-      <p:grpSpPr>
-        <a:xfrm>
-          <a:off x="0" y="0"/>
-          <a:ext cx="0" cy="0"/>
-          <a:chOff x="0" y="0"/>
-          <a:chExt cx="0" cy="0"/>
-        </a:xfrm>
-      </p:grpSpPr>
-      <p:sp>
-        <p:nvSpPr>
-          <p:cNvPr id="2" name="Title 1">
-            <a:extLst>
-              <a:ext uri="{FF2B5EF4-FFF2-40B4-BE49-F238E27FC236}">
-                <a16:creationId xmlns:a16="http://schemas.microsoft.com/office/drawing/2014/main" id="{A5253CE6-DE42-481B-849C-99365BE14493}"/>
-              </a:ext>
-            </a:extLst>
-          </p:cNvPr>
-          <p:cNvSpPr>
-            <a:spLocks noGrp="1"/>
-          </p:cNvSpPr>
-          <p:nvPr>
-            <p:ph type="title"/>
-          </p:nvPr>
-        </p:nvSpPr>
-        <p:spPr/>
-        <p:txBody>
-          <a:bodyPr/>
-          <a:lstStyle/>
-          <a:p>
-            <a:r>
-              <a:rPr lang="en-GB" dirty="0"/>
-              <a:t>Cmdlets that have “Item” in them…</a:t>
-            </a:r>
-          </a:p>
-        </p:txBody>
-      </p:sp>
-      <p:sp>
-        <p:nvSpPr>
-          <p:cNvPr id="3" name="Content Placeholder 2">
-            <a:extLst>
-              <a:ext uri="{FF2B5EF4-FFF2-40B4-BE49-F238E27FC236}">
-                <a16:creationId xmlns:a16="http://schemas.microsoft.com/office/drawing/2014/main" id="{098C4A6B-C164-40AD-B6F0-9438E5CDE0A2}"/>
-              </a:ext>
-            </a:extLst>
-          </p:cNvPr>
-          <p:cNvSpPr>
-            <a:spLocks noGrp="1"/>
-          </p:cNvSpPr>
-          <p:nvPr>
-            <p:ph idx="1"/>
-          </p:nvPr>
-        </p:nvSpPr>
-        <p:spPr>
-          <a:xfrm>
-            <a:off x="838200" y="2017643"/>
-            <a:ext cx="10515600" cy="4159320"/>
-          </a:xfrm>
-        </p:spPr>
-        <p:txBody>
-          <a:bodyPr/>
-          <a:lstStyle/>
-          <a:p>
-            <a:r>
-              <a:rPr lang="en-GB" dirty="0"/>
-              <a:t>Lots of </a:t>
-            </a:r>
-            <a:r>
-              <a:rPr lang="en-GB" dirty="0" err="1"/>
-              <a:t>controlpanel</a:t>
-            </a:r>
-            <a:r>
-              <a:rPr lang="en-GB" dirty="0"/>
-              <a:t>-cmdlets:</a:t>
-            </a:r>
-          </a:p>
-          <a:p>
-            <a:endParaRPr lang="en-GB" dirty="0"/>
-          </a:p>
-          <a:p>
-            <a:endParaRPr lang="en-GB" dirty="0"/>
-          </a:p>
-          <a:p>
-            <a:endParaRPr lang="en-GB" dirty="0"/>
-          </a:p>
-          <a:p>
-            <a:endParaRPr lang="en-GB" dirty="0"/>
-          </a:p>
-          <a:p>
-            <a:endParaRPr lang="en-GB" dirty="0"/>
-          </a:p>
-          <a:p>
-            <a:endParaRPr lang="en-GB" dirty="0"/>
-          </a:p>
-          <a:p>
-            <a:r>
-              <a:rPr lang="en-GB" dirty="0"/>
-              <a:t>For when you want to script using the GUI</a:t>
-            </a:r>
-          </a:p>
-        </p:txBody>
-      </p:sp>
-      <p:sp>
-        <p:nvSpPr>
-          <p:cNvPr id="4" name="Rectangle 3">
-            <a:extLst>
-              <a:ext uri="{FF2B5EF4-FFF2-40B4-BE49-F238E27FC236}">
-                <a16:creationId xmlns:a16="http://schemas.microsoft.com/office/drawing/2014/main" id="{BBC421A2-BCEF-4C1D-94AF-40E2BB04C1AF}"/>
-              </a:ext>
-            </a:extLst>
-          </p:cNvPr>
-          <p:cNvSpPr/>
-          <p:nvPr/>
-        </p:nvSpPr>
-        <p:spPr>
-          <a:xfrm>
-            <a:off x="838199" y="1516871"/>
-            <a:ext cx="10515599" cy="369332"/>
-          </a:xfrm>
-          <a:prstGeom prst="rect">
-            <a:avLst/>
-          </a:prstGeom>
-        </p:spPr>
-        <p:txBody>
-          <a:bodyPr wrap="square">
-            <a:spAutoFit/>
-          </a:bodyPr>
-          <a:lstStyle/>
-          <a:p>
-            <a:r>
-              <a:rPr lang="en-GB" dirty="0">
-                <a:solidFill>
-                  <a:srgbClr val="0000FF"/>
-                </a:solidFill>
-                <a:latin typeface="Lucida Console" panose="020B0609040504020204" pitchFamily="49" charset="0"/>
-              </a:rPr>
-              <a:t>Get-Command</a:t>
-            </a:r>
-            <a:r>
-              <a:rPr lang="en-GB" dirty="0">
-                <a:solidFill>
-                  <a:prstClr val="black"/>
-                </a:solidFill>
-                <a:latin typeface="Lucida Console" panose="020B0609040504020204" pitchFamily="49" charset="0"/>
-              </a:rPr>
-              <a:t> </a:t>
-            </a:r>
-            <a:r>
-              <a:rPr lang="en-GB" dirty="0">
-                <a:solidFill>
-                  <a:srgbClr val="000080"/>
-                </a:solidFill>
-                <a:latin typeface="Lucida Console" panose="020B0609040504020204" pitchFamily="49" charset="0"/>
-              </a:rPr>
-              <a:t>-noun</a:t>
-            </a:r>
-            <a:r>
-              <a:rPr lang="en-GB" dirty="0">
-                <a:solidFill>
-                  <a:prstClr val="black"/>
-                </a:solidFill>
-                <a:latin typeface="Lucida Console" panose="020B0609040504020204" pitchFamily="49" charset="0"/>
-              </a:rPr>
-              <a:t> </a:t>
-            </a:r>
-            <a:r>
-              <a:rPr lang="en-GB" dirty="0">
-                <a:solidFill>
-                  <a:srgbClr val="8A2BE2"/>
-                </a:solidFill>
-                <a:latin typeface="Lucida Console" panose="020B0609040504020204" pitchFamily="49" charset="0"/>
-              </a:rPr>
-              <a:t>*item*</a:t>
-            </a:r>
-            <a:r>
-              <a:rPr lang="en-GB" dirty="0">
-                <a:solidFill>
-                  <a:prstClr val="black"/>
-                </a:solidFill>
-                <a:latin typeface="Lucida Console" panose="020B0609040504020204" pitchFamily="49" charset="0"/>
-              </a:rPr>
-              <a:t> </a:t>
-            </a:r>
-            <a:r>
-              <a:rPr lang="en-GB" dirty="0">
-                <a:solidFill>
-                  <a:srgbClr val="A9A9A9"/>
-                </a:solidFill>
-                <a:latin typeface="Lucida Console" panose="020B0609040504020204" pitchFamily="49" charset="0"/>
-              </a:rPr>
-              <a:t>|</a:t>
-            </a:r>
-            <a:r>
-              <a:rPr lang="en-GB" dirty="0">
-                <a:solidFill>
-                  <a:prstClr val="black"/>
-                </a:solidFill>
-                <a:latin typeface="Lucida Console" panose="020B0609040504020204" pitchFamily="49" charset="0"/>
-              </a:rPr>
-              <a:t> </a:t>
-            </a:r>
-            <a:r>
-              <a:rPr lang="en-GB" dirty="0">
-                <a:solidFill>
-                  <a:srgbClr val="0000FF"/>
-                </a:solidFill>
-                <a:latin typeface="Lucida Console" panose="020B0609040504020204" pitchFamily="49" charset="0"/>
-              </a:rPr>
-              <a:t>where</a:t>
-            </a:r>
-            <a:r>
-              <a:rPr lang="en-GB" dirty="0">
-                <a:solidFill>
-                  <a:prstClr val="black"/>
-                </a:solidFill>
-                <a:latin typeface="Lucida Console" panose="020B0609040504020204" pitchFamily="49" charset="0"/>
-              </a:rPr>
-              <a:t> {</a:t>
-            </a:r>
-            <a:r>
-              <a:rPr lang="en-GB" dirty="0">
-                <a:solidFill>
-                  <a:srgbClr val="FF4500"/>
-                </a:solidFill>
-                <a:latin typeface="Lucida Console" panose="020B0609040504020204" pitchFamily="49" charset="0"/>
-              </a:rPr>
-              <a:t>$_</a:t>
-            </a:r>
-            <a:r>
-              <a:rPr lang="en-GB" dirty="0">
-                <a:solidFill>
-                  <a:srgbClr val="A9A9A9"/>
-                </a:solidFill>
-                <a:latin typeface="Lucida Console" panose="020B0609040504020204" pitchFamily="49" charset="0"/>
-              </a:rPr>
-              <a:t>.</a:t>
-            </a:r>
-            <a:r>
-              <a:rPr lang="en-GB" dirty="0" err="1">
-                <a:solidFill>
-                  <a:prstClr val="black"/>
-                </a:solidFill>
-                <a:latin typeface="Lucida Console" panose="020B0609040504020204" pitchFamily="49" charset="0"/>
-              </a:rPr>
-              <a:t>CommandType</a:t>
-            </a:r>
-            <a:r>
-              <a:rPr lang="en-GB" dirty="0">
-                <a:solidFill>
-                  <a:prstClr val="black"/>
-                </a:solidFill>
-                <a:latin typeface="Lucida Console" panose="020B0609040504020204" pitchFamily="49" charset="0"/>
-              </a:rPr>
-              <a:t> </a:t>
-            </a:r>
-            <a:r>
-              <a:rPr lang="en-GB" dirty="0">
-                <a:solidFill>
-                  <a:srgbClr val="A9A9A9"/>
-                </a:solidFill>
-                <a:latin typeface="Lucida Console" panose="020B0609040504020204" pitchFamily="49" charset="0"/>
-              </a:rPr>
-              <a:t>-</a:t>
-            </a:r>
-            <a:r>
-              <a:rPr lang="en-GB" dirty="0" err="1">
-                <a:solidFill>
-                  <a:srgbClr val="A9A9A9"/>
-                </a:solidFill>
-                <a:latin typeface="Lucida Console" panose="020B0609040504020204" pitchFamily="49" charset="0"/>
-              </a:rPr>
-              <a:t>eq</a:t>
-            </a:r>
-            <a:r>
-              <a:rPr lang="en-GB" dirty="0">
-                <a:solidFill>
-                  <a:prstClr val="black"/>
-                </a:solidFill>
-                <a:latin typeface="Lucida Console" panose="020B0609040504020204" pitchFamily="49" charset="0"/>
-              </a:rPr>
-              <a:t> </a:t>
-            </a:r>
-            <a:r>
-              <a:rPr lang="en-GB" dirty="0">
-                <a:solidFill>
-                  <a:srgbClr val="8B0000"/>
-                </a:solidFill>
-                <a:latin typeface="Lucida Console" panose="020B0609040504020204" pitchFamily="49" charset="0"/>
-              </a:rPr>
-              <a:t>"cmdlet"</a:t>
-            </a:r>
-            <a:r>
-              <a:rPr lang="en-GB" dirty="0">
-                <a:solidFill>
-                  <a:prstClr val="black"/>
-                </a:solidFill>
-                <a:latin typeface="Lucida Console" panose="020B0609040504020204" pitchFamily="49" charset="0"/>
-              </a:rPr>
-              <a:t>} </a:t>
-            </a:r>
-          </a:p>
-        </p:txBody>
-      </p:sp>
-      <p:sp>
-        <p:nvSpPr>
-          <p:cNvPr id="5" name="Rectangle 4">
-            <a:extLst>
-              <a:ext uri="{FF2B5EF4-FFF2-40B4-BE49-F238E27FC236}">
-                <a16:creationId xmlns:a16="http://schemas.microsoft.com/office/drawing/2014/main" id="{C9DF9230-080D-458C-BC4A-12FE3DCCC21A}"/>
-              </a:ext>
-            </a:extLst>
-          </p:cNvPr>
-          <p:cNvSpPr/>
-          <p:nvPr/>
-        </p:nvSpPr>
-        <p:spPr>
-          <a:xfrm>
-            <a:off x="838199" y="2483644"/>
-            <a:ext cx="11197047" cy="3139321"/>
-          </a:xfrm>
-          <a:prstGeom prst="rect">
-            <a:avLst/>
-          </a:prstGeom>
-        </p:spPr>
-        <p:txBody>
-          <a:bodyPr wrap="square">
-            <a:spAutoFit/>
-          </a:bodyPr>
-          <a:lstStyle/>
-          <a:p>
-            <a:r>
-              <a:rPr lang="en-GB" dirty="0">
-                <a:solidFill>
-                  <a:srgbClr val="0000FF"/>
-                </a:solidFill>
-                <a:latin typeface="Lucida Console" panose="020B0609040504020204" pitchFamily="49" charset="0"/>
-              </a:rPr>
-              <a:t>Get-</a:t>
-            </a:r>
-            <a:r>
-              <a:rPr lang="en-GB" dirty="0" err="1">
-                <a:solidFill>
-                  <a:srgbClr val="0000FF"/>
-                </a:solidFill>
-                <a:latin typeface="Lucida Console" panose="020B0609040504020204" pitchFamily="49" charset="0"/>
-              </a:rPr>
-              <a:t>ControlPanelItem</a:t>
-            </a:r>
-            <a:endParaRPr lang="en-GB" dirty="0">
-              <a:solidFill>
-                <a:prstClr val="black"/>
-              </a:solidFill>
-              <a:latin typeface="Lucida Console" panose="020B0609040504020204" pitchFamily="49" charset="0"/>
-            </a:endParaRPr>
-          </a:p>
-          <a:p>
-            <a:r>
-              <a:rPr lang="en-GB" dirty="0">
-                <a:solidFill>
-                  <a:srgbClr val="0000FF"/>
-                </a:solidFill>
-                <a:latin typeface="Lucida Console" panose="020B0609040504020204" pitchFamily="49" charset="0"/>
-              </a:rPr>
-              <a:t>Get-</a:t>
-            </a:r>
-            <a:r>
-              <a:rPr lang="en-GB" dirty="0" err="1">
-                <a:solidFill>
-                  <a:srgbClr val="0000FF"/>
-                </a:solidFill>
-                <a:latin typeface="Lucida Console" panose="020B0609040504020204" pitchFamily="49" charset="0"/>
-              </a:rPr>
-              <a:t>ControlPanelItem</a:t>
-            </a:r>
-            <a:r>
-              <a:rPr lang="en-GB" dirty="0">
-                <a:solidFill>
-                  <a:prstClr val="black"/>
-                </a:solidFill>
-                <a:latin typeface="Lucida Console" panose="020B0609040504020204" pitchFamily="49" charset="0"/>
-              </a:rPr>
-              <a:t> </a:t>
-            </a:r>
-            <a:r>
-              <a:rPr lang="en-GB" dirty="0">
-                <a:solidFill>
-                  <a:srgbClr val="000080"/>
-                </a:solidFill>
-                <a:latin typeface="Lucida Console" panose="020B0609040504020204" pitchFamily="49" charset="0"/>
-              </a:rPr>
-              <a:t>-Name</a:t>
-            </a:r>
-            <a:r>
-              <a:rPr lang="en-GB" dirty="0">
-                <a:solidFill>
-                  <a:prstClr val="black"/>
-                </a:solidFill>
-                <a:latin typeface="Lucida Console" panose="020B0609040504020204" pitchFamily="49" charset="0"/>
-              </a:rPr>
-              <a:t> </a:t>
-            </a:r>
-            <a:r>
-              <a:rPr lang="en-GB" dirty="0">
-                <a:solidFill>
-                  <a:srgbClr val="8B0000"/>
-                </a:solidFill>
-                <a:latin typeface="Lucida Console" panose="020B0609040504020204" pitchFamily="49" charset="0"/>
-              </a:rPr>
-              <a:t>"</a:t>
-            </a:r>
-            <a:r>
-              <a:rPr lang="en-GB" dirty="0" err="1">
-                <a:solidFill>
-                  <a:srgbClr val="8B0000"/>
-                </a:solidFill>
-                <a:latin typeface="Lucida Console" panose="020B0609040504020204" pitchFamily="49" charset="0"/>
-              </a:rPr>
-              <a:t>Autoplay</a:t>
-            </a:r>
-            <a:r>
-              <a:rPr lang="en-GB" dirty="0">
-                <a:solidFill>
-                  <a:srgbClr val="8B0000"/>
-                </a:solidFill>
-                <a:latin typeface="Lucida Console" panose="020B0609040504020204" pitchFamily="49" charset="0"/>
-              </a:rPr>
-              <a:t>"</a:t>
-            </a:r>
-            <a:r>
-              <a:rPr lang="en-GB" dirty="0">
-                <a:solidFill>
-                  <a:prstClr val="black"/>
-                </a:solidFill>
-                <a:latin typeface="Lucida Console" panose="020B0609040504020204" pitchFamily="49" charset="0"/>
-              </a:rPr>
-              <a:t> </a:t>
-            </a:r>
-            <a:r>
-              <a:rPr lang="en-GB" dirty="0">
-                <a:solidFill>
-                  <a:srgbClr val="A9A9A9"/>
-                </a:solidFill>
-                <a:latin typeface="Lucida Console" panose="020B0609040504020204" pitchFamily="49" charset="0"/>
-              </a:rPr>
-              <a:t>|</a:t>
-            </a:r>
-            <a:r>
-              <a:rPr lang="en-GB" dirty="0">
-                <a:solidFill>
-                  <a:prstClr val="black"/>
-                </a:solidFill>
-                <a:latin typeface="Lucida Console" panose="020B0609040504020204" pitchFamily="49" charset="0"/>
-              </a:rPr>
-              <a:t> </a:t>
-            </a:r>
-            <a:r>
-              <a:rPr lang="en-GB" dirty="0">
-                <a:solidFill>
-                  <a:srgbClr val="0000FF"/>
-                </a:solidFill>
-                <a:latin typeface="Lucida Console" panose="020B0609040504020204" pitchFamily="49" charset="0"/>
-              </a:rPr>
-              <a:t>format-list</a:t>
-            </a:r>
-            <a:r>
-              <a:rPr lang="en-GB" dirty="0">
-                <a:solidFill>
-                  <a:prstClr val="black"/>
-                </a:solidFill>
-                <a:latin typeface="Lucida Console" panose="020B0609040504020204" pitchFamily="49" charset="0"/>
-              </a:rPr>
-              <a:t> </a:t>
-            </a:r>
-            <a:r>
-              <a:rPr lang="en-GB" dirty="0">
-                <a:solidFill>
-                  <a:srgbClr val="8A2BE2"/>
-                </a:solidFill>
-                <a:latin typeface="Lucida Console" panose="020B0609040504020204" pitchFamily="49" charset="0"/>
-              </a:rPr>
-              <a:t>*</a:t>
-            </a:r>
-            <a:endParaRPr lang="en-GB" dirty="0">
-              <a:solidFill>
-                <a:prstClr val="black"/>
-              </a:solidFill>
-              <a:latin typeface="Lucida Console" panose="020B0609040504020204" pitchFamily="49" charset="0"/>
-            </a:endParaRPr>
-          </a:p>
-          <a:p>
-            <a:r>
-              <a:rPr lang="en-US" dirty="0">
-                <a:solidFill>
-                  <a:srgbClr val="0000FF"/>
-                </a:solidFill>
-                <a:latin typeface="Lucida Console" panose="020B0609040504020204" pitchFamily="49" charset="0"/>
-              </a:rPr>
-              <a:t>Get-</a:t>
-            </a:r>
-            <a:r>
-              <a:rPr lang="en-US" dirty="0" err="1">
-                <a:solidFill>
-                  <a:srgbClr val="0000FF"/>
-                </a:solidFill>
-                <a:latin typeface="Lucida Console" panose="020B0609040504020204" pitchFamily="49" charset="0"/>
-              </a:rPr>
-              <a:t>ControlPanelItem</a:t>
-            </a:r>
-            <a:r>
-              <a:rPr lang="en-US" dirty="0">
-                <a:solidFill>
-                  <a:prstClr val="black"/>
-                </a:solidFill>
-                <a:latin typeface="Lucida Console" panose="020B0609040504020204" pitchFamily="49" charset="0"/>
-              </a:rPr>
-              <a:t> </a:t>
-            </a:r>
-            <a:r>
-              <a:rPr lang="en-US" dirty="0">
-                <a:solidFill>
-                  <a:srgbClr val="000080"/>
-                </a:solidFill>
-                <a:latin typeface="Lucida Console" panose="020B0609040504020204" pitchFamily="49" charset="0"/>
-              </a:rPr>
-              <a:t>-name</a:t>
-            </a:r>
-            <a:r>
-              <a:rPr lang="en-US" dirty="0">
-                <a:solidFill>
-                  <a:prstClr val="black"/>
-                </a:solidFill>
-                <a:latin typeface="Lucida Console" panose="020B0609040504020204" pitchFamily="49" charset="0"/>
-              </a:rPr>
-              <a:t> </a:t>
-            </a:r>
-            <a:r>
-              <a:rPr lang="en-US" dirty="0">
-                <a:solidFill>
-                  <a:srgbClr val="8B0000"/>
-                </a:solidFill>
-                <a:latin typeface="Lucida Console" panose="020B0609040504020204" pitchFamily="49" charset="0"/>
-              </a:rPr>
-              <a:t>"Windows Defender </a:t>
-            </a:r>
-            <a:r>
-              <a:rPr lang="en-US" dirty="0" err="1">
-                <a:solidFill>
-                  <a:srgbClr val="8B0000"/>
-                </a:solidFill>
-                <a:latin typeface="Lucida Console" panose="020B0609040504020204" pitchFamily="49" charset="0"/>
-              </a:rPr>
-              <a:t>FireWall</a:t>
-            </a:r>
-            <a:r>
-              <a:rPr lang="en-US" dirty="0">
-                <a:solidFill>
-                  <a:srgbClr val="8B0000"/>
-                </a:solidFill>
-                <a:latin typeface="Lucida Console" panose="020B0609040504020204" pitchFamily="49" charset="0"/>
-              </a:rPr>
-              <a:t>"</a:t>
-            </a:r>
-            <a:r>
-              <a:rPr lang="en-US" dirty="0">
-                <a:solidFill>
-                  <a:prstClr val="black"/>
-                </a:solidFill>
-                <a:latin typeface="Lucida Console" panose="020B0609040504020204" pitchFamily="49" charset="0"/>
-              </a:rPr>
-              <a:t> </a:t>
-            </a:r>
-            <a:r>
-              <a:rPr lang="en-US" dirty="0">
-                <a:solidFill>
-                  <a:srgbClr val="A9A9A9"/>
-                </a:solidFill>
-                <a:latin typeface="Lucida Console" panose="020B0609040504020204" pitchFamily="49" charset="0"/>
-              </a:rPr>
-              <a:t>|</a:t>
-            </a:r>
-            <a:r>
-              <a:rPr lang="en-US" dirty="0">
-                <a:solidFill>
-                  <a:prstClr val="black"/>
-                </a:solidFill>
-                <a:latin typeface="Lucida Console" panose="020B0609040504020204" pitchFamily="49" charset="0"/>
-              </a:rPr>
-              <a:t> </a:t>
-            </a:r>
-            <a:r>
-              <a:rPr lang="en-US" dirty="0">
-                <a:solidFill>
-                  <a:srgbClr val="0000FF"/>
-                </a:solidFill>
-                <a:latin typeface="Lucida Console" panose="020B0609040504020204" pitchFamily="49" charset="0"/>
-              </a:rPr>
-              <a:t>Show-</a:t>
-            </a:r>
-            <a:r>
-              <a:rPr lang="en-US" dirty="0" err="1">
-                <a:solidFill>
-                  <a:srgbClr val="0000FF"/>
-                </a:solidFill>
-                <a:latin typeface="Lucida Console" panose="020B0609040504020204" pitchFamily="49" charset="0"/>
-              </a:rPr>
-              <a:t>ControlPanelItem</a:t>
-            </a:r>
-            <a:endParaRPr lang="en-US" dirty="0">
-              <a:solidFill>
-                <a:prstClr val="black"/>
-              </a:solidFill>
-              <a:latin typeface="Lucida Console" panose="020B0609040504020204" pitchFamily="49" charset="0"/>
-            </a:endParaRPr>
-          </a:p>
-          <a:p>
-            <a:r>
-              <a:rPr lang="en-GB" dirty="0">
-                <a:solidFill>
-                  <a:srgbClr val="0000FF"/>
-                </a:solidFill>
-                <a:latin typeface="Lucida Console" panose="020B0609040504020204" pitchFamily="49" charset="0"/>
-              </a:rPr>
-              <a:t>Get-</a:t>
-            </a:r>
-            <a:r>
-              <a:rPr lang="en-GB" dirty="0" err="1">
-                <a:solidFill>
-                  <a:srgbClr val="0000FF"/>
-                </a:solidFill>
-                <a:latin typeface="Lucida Console" panose="020B0609040504020204" pitchFamily="49" charset="0"/>
-              </a:rPr>
-              <a:t>ControlPanelItem</a:t>
-            </a:r>
-            <a:r>
-              <a:rPr lang="en-GB" dirty="0">
-                <a:solidFill>
-                  <a:prstClr val="black"/>
-                </a:solidFill>
-                <a:latin typeface="Lucida Console" panose="020B0609040504020204" pitchFamily="49" charset="0"/>
-              </a:rPr>
-              <a:t> </a:t>
-            </a:r>
-            <a:r>
-              <a:rPr lang="en-GB" dirty="0">
-                <a:solidFill>
-                  <a:srgbClr val="000080"/>
-                </a:solidFill>
-                <a:latin typeface="Lucida Console" panose="020B0609040504020204" pitchFamily="49" charset="0"/>
-              </a:rPr>
-              <a:t>-</a:t>
-            </a:r>
-            <a:r>
-              <a:rPr lang="en-GB" dirty="0" err="1">
-                <a:solidFill>
-                  <a:srgbClr val="000080"/>
-                </a:solidFill>
-                <a:latin typeface="Lucida Console" panose="020B0609040504020204" pitchFamily="49" charset="0"/>
-              </a:rPr>
-              <a:t>CanonicalName</a:t>
-            </a:r>
-            <a:r>
-              <a:rPr lang="en-GB" dirty="0">
-                <a:solidFill>
-                  <a:prstClr val="black"/>
-                </a:solidFill>
-                <a:latin typeface="Lucida Console" panose="020B0609040504020204" pitchFamily="49" charset="0"/>
-              </a:rPr>
-              <a:t> </a:t>
-            </a:r>
-            <a:r>
-              <a:rPr lang="en-GB" dirty="0" err="1">
-                <a:solidFill>
-                  <a:srgbClr val="8A2BE2"/>
-                </a:solidFill>
-                <a:latin typeface="Lucida Console" panose="020B0609040504020204" pitchFamily="49" charset="0"/>
-              </a:rPr>
-              <a:t>Microsoft.Display</a:t>
-            </a:r>
-            <a:r>
-              <a:rPr lang="en-GB" dirty="0">
-                <a:solidFill>
-                  <a:prstClr val="black"/>
-                </a:solidFill>
-                <a:latin typeface="Lucida Console" panose="020B0609040504020204" pitchFamily="49" charset="0"/>
-              </a:rPr>
-              <a:t> </a:t>
-            </a:r>
-            <a:r>
-              <a:rPr lang="en-GB" dirty="0">
-                <a:solidFill>
-                  <a:srgbClr val="A9A9A9"/>
-                </a:solidFill>
-                <a:latin typeface="Lucida Console" panose="020B0609040504020204" pitchFamily="49" charset="0"/>
-              </a:rPr>
-              <a:t>|</a:t>
-            </a:r>
-            <a:endParaRPr lang="en-GB" dirty="0">
-              <a:solidFill>
-                <a:prstClr val="black"/>
-              </a:solidFill>
-              <a:latin typeface="Lucida Console" panose="020B0609040504020204" pitchFamily="49" charset="0"/>
-            </a:endParaRPr>
-          </a:p>
-          <a:p>
-            <a:r>
-              <a:rPr lang="en-GB" dirty="0">
-                <a:solidFill>
-                  <a:prstClr val="black"/>
-                </a:solidFill>
-                <a:latin typeface="Lucida Console" panose="020B0609040504020204" pitchFamily="49" charset="0"/>
-              </a:rPr>
-              <a:t>													</a:t>
-            </a:r>
-            <a:r>
-              <a:rPr lang="en-GB" dirty="0">
-                <a:solidFill>
-                  <a:srgbClr val="0000FF"/>
-                </a:solidFill>
-                <a:latin typeface="Lucida Console" panose="020B0609040504020204" pitchFamily="49" charset="0"/>
-              </a:rPr>
-              <a:t>Show-</a:t>
-            </a:r>
-            <a:r>
-              <a:rPr lang="en-GB" dirty="0" err="1">
-                <a:solidFill>
-                  <a:srgbClr val="0000FF"/>
-                </a:solidFill>
-                <a:latin typeface="Lucida Console" panose="020B0609040504020204" pitchFamily="49" charset="0"/>
-              </a:rPr>
-              <a:t>ControlPanelItem</a:t>
-            </a:r>
-            <a:endParaRPr lang="en-GB" dirty="0">
-              <a:solidFill>
-                <a:prstClr val="black"/>
-              </a:solidFill>
-              <a:latin typeface="Lucida Console" panose="020B0609040504020204" pitchFamily="49" charset="0"/>
-            </a:endParaRPr>
-          </a:p>
-          <a:p>
-            <a:r>
-              <a:rPr lang="en-GB" dirty="0" err="1">
-                <a:solidFill>
-                  <a:srgbClr val="0000FF"/>
-                </a:solidFill>
-                <a:latin typeface="Lucida Console" panose="020B0609040504020204" pitchFamily="49" charset="0"/>
-              </a:rPr>
-              <a:t>appwiz</a:t>
-            </a:r>
-            <a:endParaRPr lang="en-GB" dirty="0">
-              <a:solidFill>
-                <a:prstClr val="black"/>
-              </a:solidFill>
-              <a:latin typeface="Lucida Console" panose="020B0609040504020204" pitchFamily="49" charset="0"/>
-            </a:endParaRPr>
-          </a:p>
-          <a:p>
-            <a:endParaRPr lang="en-GB" dirty="0">
-              <a:solidFill>
-                <a:prstClr val="black"/>
-              </a:solidFill>
-              <a:latin typeface="Lucida Console" panose="020B0609040504020204" pitchFamily="49" charset="0"/>
-            </a:endParaRPr>
-          </a:p>
-          <a:p>
-            <a:r>
-              <a:rPr lang="en-US" dirty="0">
-                <a:solidFill>
-                  <a:srgbClr val="0000FF"/>
-                </a:solidFill>
-                <a:latin typeface="Lucida Console" panose="020B0609040504020204" pitchFamily="49" charset="0"/>
-              </a:rPr>
-              <a:t>Get-</a:t>
-            </a:r>
-            <a:r>
-              <a:rPr lang="en-US" dirty="0" err="1">
-                <a:solidFill>
-                  <a:srgbClr val="0000FF"/>
-                </a:solidFill>
-                <a:latin typeface="Lucida Console" panose="020B0609040504020204" pitchFamily="49" charset="0"/>
-              </a:rPr>
-              <a:t>ChildItem</a:t>
-            </a:r>
-            <a:r>
-              <a:rPr lang="en-US" dirty="0">
-                <a:solidFill>
-                  <a:prstClr val="black"/>
-                </a:solidFill>
-                <a:latin typeface="Lucida Console" panose="020B0609040504020204" pitchFamily="49" charset="0"/>
-              </a:rPr>
-              <a:t> </a:t>
-            </a:r>
-            <a:r>
-              <a:rPr lang="en-US" dirty="0">
-                <a:solidFill>
-                  <a:srgbClr val="8A2BE2"/>
-                </a:solidFill>
-                <a:latin typeface="Lucida Console" panose="020B0609040504020204" pitchFamily="49" charset="0"/>
-              </a:rPr>
-              <a:t>C:\Windows\SysWOW64</a:t>
-            </a:r>
-            <a:r>
-              <a:rPr lang="en-US" dirty="0">
-                <a:solidFill>
-                  <a:prstClr val="black"/>
-                </a:solidFill>
-                <a:latin typeface="Lucida Console" panose="020B0609040504020204" pitchFamily="49" charset="0"/>
-              </a:rPr>
-              <a:t> </a:t>
-            </a:r>
-            <a:r>
-              <a:rPr lang="en-US" dirty="0">
-                <a:solidFill>
-                  <a:srgbClr val="000080"/>
-                </a:solidFill>
-                <a:latin typeface="Lucida Console" panose="020B0609040504020204" pitchFamily="49" charset="0"/>
-              </a:rPr>
-              <a:t>-Recurse</a:t>
-            </a:r>
-            <a:r>
-              <a:rPr lang="en-US" dirty="0">
-                <a:solidFill>
-                  <a:prstClr val="black"/>
-                </a:solidFill>
-                <a:latin typeface="Lucida Console" panose="020B0609040504020204" pitchFamily="49" charset="0"/>
-              </a:rPr>
-              <a:t> </a:t>
-            </a:r>
-            <a:r>
-              <a:rPr lang="en-US" dirty="0">
-                <a:solidFill>
-                  <a:srgbClr val="8A2BE2"/>
-                </a:solidFill>
-                <a:latin typeface="Lucida Console" panose="020B0609040504020204" pitchFamily="49" charset="0"/>
-              </a:rPr>
-              <a:t>*.</a:t>
-            </a:r>
-            <a:r>
-              <a:rPr lang="en-US" dirty="0" err="1">
-                <a:solidFill>
-                  <a:srgbClr val="8A2BE2"/>
-                </a:solidFill>
-                <a:latin typeface="Lucida Console" panose="020B0609040504020204" pitchFamily="49" charset="0"/>
-              </a:rPr>
-              <a:t>cpl</a:t>
-            </a:r>
-            <a:endParaRPr lang="en-US" dirty="0">
-              <a:solidFill>
-                <a:prstClr val="black"/>
-              </a:solidFill>
-              <a:latin typeface="Lucida Console" panose="020B0609040504020204" pitchFamily="49" charset="0"/>
-            </a:endParaRPr>
-          </a:p>
-          <a:p>
-            <a:r>
-              <a:rPr lang="en-US" dirty="0">
-                <a:solidFill>
-                  <a:srgbClr val="0000FF"/>
-                </a:solidFill>
-                <a:latin typeface="Lucida Console" panose="020B0609040504020204" pitchFamily="49" charset="0"/>
-              </a:rPr>
-              <a:t>Get-</a:t>
-            </a:r>
-            <a:r>
-              <a:rPr lang="en-US" dirty="0" err="1">
-                <a:solidFill>
-                  <a:srgbClr val="0000FF"/>
-                </a:solidFill>
-                <a:latin typeface="Lucida Console" panose="020B0609040504020204" pitchFamily="49" charset="0"/>
-              </a:rPr>
-              <a:t>ChildItem</a:t>
-            </a:r>
-            <a:r>
-              <a:rPr lang="en-US" dirty="0">
-                <a:solidFill>
-                  <a:prstClr val="black"/>
-                </a:solidFill>
-                <a:latin typeface="Lucida Console" panose="020B0609040504020204" pitchFamily="49" charset="0"/>
-              </a:rPr>
-              <a:t> </a:t>
-            </a:r>
-            <a:r>
-              <a:rPr lang="en-US" dirty="0">
-                <a:solidFill>
-                  <a:srgbClr val="8A2BE2"/>
-                </a:solidFill>
-                <a:latin typeface="Lucida Console" panose="020B0609040504020204" pitchFamily="49" charset="0"/>
-              </a:rPr>
-              <a:t>C:\Windows</a:t>
-            </a:r>
-            <a:r>
-              <a:rPr lang="en-US" dirty="0">
-                <a:solidFill>
-                  <a:prstClr val="black"/>
-                </a:solidFill>
-                <a:latin typeface="Lucida Console" panose="020B0609040504020204" pitchFamily="49" charset="0"/>
-              </a:rPr>
-              <a:t> </a:t>
-            </a:r>
-            <a:r>
-              <a:rPr lang="en-US" dirty="0">
-                <a:solidFill>
-                  <a:srgbClr val="000080"/>
-                </a:solidFill>
-                <a:latin typeface="Lucida Console" panose="020B0609040504020204" pitchFamily="49" charset="0"/>
-              </a:rPr>
-              <a:t>-Recurse</a:t>
-            </a:r>
-            <a:r>
-              <a:rPr lang="en-US" dirty="0">
-                <a:solidFill>
-                  <a:prstClr val="black"/>
-                </a:solidFill>
-                <a:latin typeface="Lucida Console" panose="020B0609040504020204" pitchFamily="49" charset="0"/>
-              </a:rPr>
-              <a:t> </a:t>
-            </a:r>
-            <a:r>
-              <a:rPr lang="en-US" dirty="0">
-                <a:solidFill>
-                  <a:srgbClr val="8A2BE2"/>
-                </a:solidFill>
-                <a:latin typeface="Lucida Console" panose="020B0609040504020204" pitchFamily="49" charset="0"/>
-              </a:rPr>
-              <a:t>*.</a:t>
-            </a:r>
-            <a:r>
-              <a:rPr lang="en-US" dirty="0" err="1">
-                <a:solidFill>
-                  <a:srgbClr val="8A2BE2"/>
-                </a:solidFill>
-                <a:latin typeface="Lucida Console" panose="020B0609040504020204" pitchFamily="49" charset="0"/>
-              </a:rPr>
-              <a:t>cpl</a:t>
-            </a:r>
-            <a:endParaRPr lang="en-US" dirty="0">
-              <a:solidFill>
-                <a:prstClr val="black"/>
-              </a:solidFill>
-              <a:latin typeface="Lucida Console" panose="020B0609040504020204" pitchFamily="49" charset="0"/>
-            </a:endParaRPr>
-          </a:p>
-          <a:p>
-            <a:endParaRPr lang="en-GB" dirty="0">
-              <a:solidFill>
-                <a:prstClr val="black"/>
-              </a:solidFill>
-              <a:latin typeface="Lucida Console" panose="020B0609040504020204" pitchFamily="49" charset="0"/>
-            </a:endParaRPr>
-          </a:p>
-          <a:p>
-            <a:r>
-              <a:rPr lang="en-GB" dirty="0">
-                <a:solidFill>
-                  <a:srgbClr val="0000FF"/>
-                </a:solidFill>
-                <a:latin typeface="Lucida Console" panose="020B0609040504020204" pitchFamily="49" charset="0"/>
-              </a:rPr>
-              <a:t>desk </a:t>
-            </a:r>
-          </a:p>
-        </p:txBody>
-      </p:sp>
-    </p:spTree>
-    <p:extLst>
-      <p:ext uri="{BB962C8B-B14F-4D97-AF65-F5344CB8AC3E}">
-        <p14:creationId xmlns:p14="http://schemas.microsoft.com/office/powerpoint/2010/main" val="1281675175"/>
       </p:ext>
     </p:extLst>
   </p:cSld>
@@ -11881,6 +11989,989 @@
 </file>
 
 <file path=ppt/slides/slide20.xml><?xml version="1.0" encoding="utf-8"?>
+<p:sld xmlns:a="http://schemas.openxmlformats.org/drawingml/2006/main" xmlns:r="http://schemas.openxmlformats.org/officeDocument/2006/relationships" xmlns:p="http://schemas.openxmlformats.org/presentationml/2006/main">
+  <p:cSld>
+    <p:spTree>
+      <p:nvGrpSpPr>
+        <p:cNvPr id="1" name=""/>
+        <p:cNvGrpSpPr/>
+        <p:nvPr/>
+      </p:nvGrpSpPr>
+      <p:grpSpPr>
+        <a:xfrm>
+          <a:off x="0" y="0"/>
+          <a:ext cx="0" cy="0"/>
+          <a:chOff x="0" y="0"/>
+          <a:chExt cx="0" cy="0"/>
+        </a:xfrm>
+      </p:grpSpPr>
+      <p:sp>
+        <p:nvSpPr>
+          <p:cNvPr id="2" name="Title 1">
+            <a:extLst>
+              <a:ext uri="{FF2B5EF4-FFF2-40B4-BE49-F238E27FC236}">
+                <a16:creationId xmlns:a16="http://schemas.microsoft.com/office/drawing/2014/main" id="{A5253CE6-DE42-481B-849C-99365BE14493}"/>
+              </a:ext>
+            </a:extLst>
+          </p:cNvPr>
+          <p:cNvSpPr>
+            <a:spLocks noGrp="1"/>
+          </p:cNvSpPr>
+          <p:nvPr>
+            <p:ph type="title"/>
+          </p:nvPr>
+        </p:nvSpPr>
+        <p:spPr/>
+        <p:txBody>
+          <a:bodyPr/>
+          <a:lstStyle/>
+          <a:p>
+            <a:r>
+              <a:rPr lang="en-GB" dirty="0"/>
+              <a:t>Cmdlets that have “Item” in them…</a:t>
+            </a:r>
+          </a:p>
+        </p:txBody>
+      </p:sp>
+      <p:sp>
+        <p:nvSpPr>
+          <p:cNvPr id="3" name="Content Placeholder 2">
+            <a:extLst>
+              <a:ext uri="{FF2B5EF4-FFF2-40B4-BE49-F238E27FC236}">
+                <a16:creationId xmlns:a16="http://schemas.microsoft.com/office/drawing/2014/main" id="{098C4A6B-C164-40AD-B6F0-9438E5CDE0A2}"/>
+              </a:ext>
+            </a:extLst>
+          </p:cNvPr>
+          <p:cNvSpPr>
+            <a:spLocks noGrp="1"/>
+          </p:cNvSpPr>
+          <p:nvPr>
+            <p:ph idx="1"/>
+          </p:nvPr>
+        </p:nvSpPr>
+        <p:spPr>
+          <a:xfrm>
+            <a:off x="838200" y="2017643"/>
+            <a:ext cx="10515600" cy="4159320"/>
+          </a:xfrm>
+        </p:spPr>
+        <p:txBody>
+          <a:bodyPr/>
+          <a:lstStyle/>
+          <a:p>
+            <a:r>
+              <a:rPr lang="en-GB" dirty="0"/>
+              <a:t>Lots of </a:t>
+            </a:r>
+            <a:r>
+              <a:rPr lang="en-GB" dirty="0" err="1"/>
+              <a:t>controlpanel</a:t>
+            </a:r>
+            <a:r>
+              <a:rPr lang="en-GB" dirty="0"/>
+              <a:t>-cmdlets:</a:t>
+            </a:r>
+          </a:p>
+          <a:p>
+            <a:endParaRPr lang="en-GB" dirty="0"/>
+          </a:p>
+          <a:p>
+            <a:endParaRPr lang="en-GB" dirty="0"/>
+          </a:p>
+          <a:p>
+            <a:endParaRPr lang="en-GB" dirty="0"/>
+          </a:p>
+          <a:p>
+            <a:endParaRPr lang="en-GB" dirty="0"/>
+          </a:p>
+          <a:p>
+            <a:endParaRPr lang="en-GB" dirty="0"/>
+          </a:p>
+          <a:p>
+            <a:endParaRPr lang="en-GB" dirty="0"/>
+          </a:p>
+          <a:p>
+            <a:r>
+              <a:rPr lang="en-GB" dirty="0"/>
+              <a:t>For when you want to script using the GUI</a:t>
+            </a:r>
+          </a:p>
+        </p:txBody>
+      </p:sp>
+      <p:sp>
+        <p:nvSpPr>
+          <p:cNvPr id="4" name="Rectangle 3">
+            <a:extLst>
+              <a:ext uri="{FF2B5EF4-FFF2-40B4-BE49-F238E27FC236}">
+                <a16:creationId xmlns:a16="http://schemas.microsoft.com/office/drawing/2014/main" id="{BBC421A2-BCEF-4C1D-94AF-40E2BB04C1AF}"/>
+              </a:ext>
+            </a:extLst>
+          </p:cNvPr>
+          <p:cNvSpPr/>
+          <p:nvPr/>
+        </p:nvSpPr>
+        <p:spPr>
+          <a:xfrm>
+            <a:off x="838199" y="1516871"/>
+            <a:ext cx="10515599" cy="369332"/>
+          </a:xfrm>
+          <a:prstGeom prst="rect">
+            <a:avLst/>
+          </a:prstGeom>
+        </p:spPr>
+        <p:txBody>
+          <a:bodyPr wrap="square">
+            <a:spAutoFit/>
+          </a:bodyPr>
+          <a:lstStyle/>
+          <a:p>
+            <a:r>
+              <a:rPr lang="en-GB" dirty="0">
+                <a:solidFill>
+                  <a:srgbClr val="0000FF"/>
+                </a:solidFill>
+                <a:latin typeface="Lucida Console" panose="020B0609040504020204" pitchFamily="49" charset="0"/>
+              </a:rPr>
+              <a:t>Get-Command</a:t>
+            </a:r>
+            <a:r>
+              <a:rPr lang="en-GB" dirty="0">
+                <a:solidFill>
+                  <a:prstClr val="black"/>
+                </a:solidFill>
+                <a:latin typeface="Lucida Console" panose="020B0609040504020204" pitchFamily="49" charset="0"/>
+              </a:rPr>
+              <a:t> </a:t>
+            </a:r>
+            <a:r>
+              <a:rPr lang="en-GB" dirty="0">
+                <a:solidFill>
+                  <a:srgbClr val="000080"/>
+                </a:solidFill>
+                <a:latin typeface="Lucida Console" panose="020B0609040504020204" pitchFamily="49" charset="0"/>
+              </a:rPr>
+              <a:t>-noun</a:t>
+            </a:r>
+            <a:r>
+              <a:rPr lang="en-GB" dirty="0">
+                <a:solidFill>
+                  <a:prstClr val="black"/>
+                </a:solidFill>
+                <a:latin typeface="Lucida Console" panose="020B0609040504020204" pitchFamily="49" charset="0"/>
+              </a:rPr>
+              <a:t> </a:t>
+            </a:r>
+            <a:r>
+              <a:rPr lang="en-GB" dirty="0">
+                <a:solidFill>
+                  <a:srgbClr val="8A2BE2"/>
+                </a:solidFill>
+                <a:latin typeface="Lucida Console" panose="020B0609040504020204" pitchFamily="49" charset="0"/>
+              </a:rPr>
+              <a:t>*item*</a:t>
+            </a:r>
+            <a:r>
+              <a:rPr lang="en-GB" dirty="0">
+                <a:solidFill>
+                  <a:prstClr val="black"/>
+                </a:solidFill>
+                <a:latin typeface="Lucida Console" panose="020B0609040504020204" pitchFamily="49" charset="0"/>
+              </a:rPr>
+              <a:t> </a:t>
+            </a:r>
+            <a:r>
+              <a:rPr lang="en-GB" dirty="0">
+                <a:solidFill>
+                  <a:srgbClr val="A9A9A9"/>
+                </a:solidFill>
+                <a:latin typeface="Lucida Console" panose="020B0609040504020204" pitchFamily="49" charset="0"/>
+              </a:rPr>
+              <a:t>|</a:t>
+            </a:r>
+            <a:r>
+              <a:rPr lang="en-GB" dirty="0">
+                <a:solidFill>
+                  <a:prstClr val="black"/>
+                </a:solidFill>
+                <a:latin typeface="Lucida Console" panose="020B0609040504020204" pitchFamily="49" charset="0"/>
+              </a:rPr>
+              <a:t> </a:t>
+            </a:r>
+            <a:r>
+              <a:rPr lang="en-GB" dirty="0">
+                <a:solidFill>
+                  <a:srgbClr val="0000FF"/>
+                </a:solidFill>
+                <a:latin typeface="Lucida Console" panose="020B0609040504020204" pitchFamily="49" charset="0"/>
+              </a:rPr>
+              <a:t>where</a:t>
+            </a:r>
+            <a:r>
+              <a:rPr lang="en-GB" dirty="0">
+                <a:solidFill>
+                  <a:prstClr val="black"/>
+                </a:solidFill>
+                <a:latin typeface="Lucida Console" panose="020B0609040504020204" pitchFamily="49" charset="0"/>
+              </a:rPr>
+              <a:t> {</a:t>
+            </a:r>
+            <a:r>
+              <a:rPr lang="en-GB" dirty="0">
+                <a:solidFill>
+                  <a:srgbClr val="FF4500"/>
+                </a:solidFill>
+                <a:latin typeface="Lucida Console" panose="020B0609040504020204" pitchFamily="49" charset="0"/>
+              </a:rPr>
+              <a:t>$_</a:t>
+            </a:r>
+            <a:r>
+              <a:rPr lang="en-GB" dirty="0">
+                <a:solidFill>
+                  <a:srgbClr val="A9A9A9"/>
+                </a:solidFill>
+                <a:latin typeface="Lucida Console" panose="020B0609040504020204" pitchFamily="49" charset="0"/>
+              </a:rPr>
+              <a:t>.</a:t>
+            </a:r>
+            <a:r>
+              <a:rPr lang="en-GB" dirty="0" err="1">
+                <a:solidFill>
+                  <a:prstClr val="black"/>
+                </a:solidFill>
+                <a:latin typeface="Lucida Console" panose="020B0609040504020204" pitchFamily="49" charset="0"/>
+              </a:rPr>
+              <a:t>CommandType</a:t>
+            </a:r>
+            <a:r>
+              <a:rPr lang="en-GB" dirty="0">
+                <a:solidFill>
+                  <a:prstClr val="black"/>
+                </a:solidFill>
+                <a:latin typeface="Lucida Console" panose="020B0609040504020204" pitchFamily="49" charset="0"/>
+              </a:rPr>
+              <a:t> </a:t>
+            </a:r>
+            <a:r>
+              <a:rPr lang="en-GB" dirty="0">
+                <a:solidFill>
+                  <a:srgbClr val="A9A9A9"/>
+                </a:solidFill>
+                <a:latin typeface="Lucida Console" panose="020B0609040504020204" pitchFamily="49" charset="0"/>
+              </a:rPr>
+              <a:t>-</a:t>
+            </a:r>
+            <a:r>
+              <a:rPr lang="en-GB" dirty="0" err="1">
+                <a:solidFill>
+                  <a:srgbClr val="A9A9A9"/>
+                </a:solidFill>
+                <a:latin typeface="Lucida Console" panose="020B0609040504020204" pitchFamily="49" charset="0"/>
+              </a:rPr>
+              <a:t>eq</a:t>
+            </a:r>
+            <a:r>
+              <a:rPr lang="en-GB" dirty="0">
+                <a:solidFill>
+                  <a:prstClr val="black"/>
+                </a:solidFill>
+                <a:latin typeface="Lucida Console" panose="020B0609040504020204" pitchFamily="49" charset="0"/>
+              </a:rPr>
+              <a:t> </a:t>
+            </a:r>
+            <a:r>
+              <a:rPr lang="en-GB" dirty="0">
+                <a:solidFill>
+                  <a:srgbClr val="8B0000"/>
+                </a:solidFill>
+                <a:latin typeface="Lucida Console" panose="020B0609040504020204" pitchFamily="49" charset="0"/>
+              </a:rPr>
+              <a:t>"cmdlet"</a:t>
+            </a:r>
+            <a:r>
+              <a:rPr lang="en-GB" dirty="0">
+                <a:solidFill>
+                  <a:prstClr val="black"/>
+                </a:solidFill>
+                <a:latin typeface="Lucida Console" panose="020B0609040504020204" pitchFamily="49" charset="0"/>
+              </a:rPr>
+              <a:t>} </a:t>
+            </a:r>
+          </a:p>
+        </p:txBody>
+      </p:sp>
+      <p:sp>
+        <p:nvSpPr>
+          <p:cNvPr id="5" name="Rectangle 4">
+            <a:extLst>
+              <a:ext uri="{FF2B5EF4-FFF2-40B4-BE49-F238E27FC236}">
+                <a16:creationId xmlns:a16="http://schemas.microsoft.com/office/drawing/2014/main" id="{C9DF9230-080D-458C-BC4A-12FE3DCCC21A}"/>
+              </a:ext>
+            </a:extLst>
+          </p:cNvPr>
+          <p:cNvSpPr/>
+          <p:nvPr/>
+        </p:nvSpPr>
+        <p:spPr>
+          <a:xfrm>
+            <a:off x="838199" y="2483644"/>
+            <a:ext cx="11197047" cy="3139321"/>
+          </a:xfrm>
+          <a:prstGeom prst="rect">
+            <a:avLst/>
+          </a:prstGeom>
+        </p:spPr>
+        <p:txBody>
+          <a:bodyPr wrap="square">
+            <a:spAutoFit/>
+          </a:bodyPr>
+          <a:lstStyle/>
+          <a:p>
+            <a:r>
+              <a:rPr lang="en-GB" dirty="0">
+                <a:solidFill>
+                  <a:srgbClr val="0000FF"/>
+                </a:solidFill>
+                <a:latin typeface="Lucida Console" panose="020B0609040504020204" pitchFamily="49" charset="0"/>
+              </a:rPr>
+              <a:t>Get-</a:t>
+            </a:r>
+            <a:r>
+              <a:rPr lang="en-GB" dirty="0" err="1">
+                <a:solidFill>
+                  <a:srgbClr val="0000FF"/>
+                </a:solidFill>
+                <a:latin typeface="Lucida Console" panose="020B0609040504020204" pitchFamily="49" charset="0"/>
+              </a:rPr>
+              <a:t>ControlPanelItem</a:t>
+            </a:r>
+            <a:endParaRPr lang="en-GB" dirty="0">
+              <a:solidFill>
+                <a:prstClr val="black"/>
+              </a:solidFill>
+              <a:latin typeface="Lucida Console" panose="020B0609040504020204" pitchFamily="49" charset="0"/>
+            </a:endParaRPr>
+          </a:p>
+          <a:p>
+            <a:r>
+              <a:rPr lang="en-GB" dirty="0">
+                <a:solidFill>
+                  <a:srgbClr val="0000FF"/>
+                </a:solidFill>
+                <a:latin typeface="Lucida Console" panose="020B0609040504020204" pitchFamily="49" charset="0"/>
+              </a:rPr>
+              <a:t>Get-</a:t>
+            </a:r>
+            <a:r>
+              <a:rPr lang="en-GB" dirty="0" err="1">
+                <a:solidFill>
+                  <a:srgbClr val="0000FF"/>
+                </a:solidFill>
+                <a:latin typeface="Lucida Console" panose="020B0609040504020204" pitchFamily="49" charset="0"/>
+              </a:rPr>
+              <a:t>ControlPanelItem</a:t>
+            </a:r>
+            <a:r>
+              <a:rPr lang="en-GB" dirty="0">
+                <a:solidFill>
+                  <a:prstClr val="black"/>
+                </a:solidFill>
+                <a:latin typeface="Lucida Console" panose="020B0609040504020204" pitchFamily="49" charset="0"/>
+              </a:rPr>
+              <a:t> </a:t>
+            </a:r>
+            <a:r>
+              <a:rPr lang="en-GB" dirty="0">
+                <a:solidFill>
+                  <a:srgbClr val="000080"/>
+                </a:solidFill>
+                <a:latin typeface="Lucida Console" panose="020B0609040504020204" pitchFamily="49" charset="0"/>
+              </a:rPr>
+              <a:t>-Name</a:t>
+            </a:r>
+            <a:r>
+              <a:rPr lang="en-GB" dirty="0">
+                <a:solidFill>
+                  <a:prstClr val="black"/>
+                </a:solidFill>
+                <a:latin typeface="Lucida Console" panose="020B0609040504020204" pitchFamily="49" charset="0"/>
+              </a:rPr>
+              <a:t> </a:t>
+            </a:r>
+            <a:r>
+              <a:rPr lang="en-GB" dirty="0">
+                <a:solidFill>
+                  <a:srgbClr val="8B0000"/>
+                </a:solidFill>
+                <a:latin typeface="Lucida Console" panose="020B0609040504020204" pitchFamily="49" charset="0"/>
+              </a:rPr>
+              <a:t>"</a:t>
+            </a:r>
+            <a:r>
+              <a:rPr lang="en-GB" dirty="0" err="1">
+                <a:solidFill>
+                  <a:srgbClr val="8B0000"/>
+                </a:solidFill>
+                <a:latin typeface="Lucida Console" panose="020B0609040504020204" pitchFamily="49" charset="0"/>
+              </a:rPr>
+              <a:t>Autoplay</a:t>
+            </a:r>
+            <a:r>
+              <a:rPr lang="en-GB" dirty="0">
+                <a:solidFill>
+                  <a:srgbClr val="8B0000"/>
+                </a:solidFill>
+                <a:latin typeface="Lucida Console" panose="020B0609040504020204" pitchFamily="49" charset="0"/>
+              </a:rPr>
+              <a:t>"</a:t>
+            </a:r>
+            <a:r>
+              <a:rPr lang="en-GB" dirty="0">
+                <a:solidFill>
+                  <a:prstClr val="black"/>
+                </a:solidFill>
+                <a:latin typeface="Lucida Console" panose="020B0609040504020204" pitchFamily="49" charset="0"/>
+              </a:rPr>
+              <a:t> </a:t>
+            </a:r>
+            <a:r>
+              <a:rPr lang="en-GB" dirty="0">
+                <a:solidFill>
+                  <a:srgbClr val="A9A9A9"/>
+                </a:solidFill>
+                <a:latin typeface="Lucida Console" panose="020B0609040504020204" pitchFamily="49" charset="0"/>
+              </a:rPr>
+              <a:t>|</a:t>
+            </a:r>
+            <a:r>
+              <a:rPr lang="en-GB" dirty="0">
+                <a:solidFill>
+                  <a:prstClr val="black"/>
+                </a:solidFill>
+                <a:latin typeface="Lucida Console" panose="020B0609040504020204" pitchFamily="49" charset="0"/>
+              </a:rPr>
+              <a:t> </a:t>
+            </a:r>
+            <a:r>
+              <a:rPr lang="en-GB" dirty="0">
+                <a:solidFill>
+                  <a:srgbClr val="0000FF"/>
+                </a:solidFill>
+                <a:latin typeface="Lucida Console" panose="020B0609040504020204" pitchFamily="49" charset="0"/>
+              </a:rPr>
+              <a:t>format-list</a:t>
+            </a:r>
+            <a:r>
+              <a:rPr lang="en-GB" dirty="0">
+                <a:solidFill>
+                  <a:prstClr val="black"/>
+                </a:solidFill>
+                <a:latin typeface="Lucida Console" panose="020B0609040504020204" pitchFamily="49" charset="0"/>
+              </a:rPr>
+              <a:t> </a:t>
+            </a:r>
+            <a:r>
+              <a:rPr lang="en-GB" dirty="0">
+                <a:solidFill>
+                  <a:srgbClr val="8A2BE2"/>
+                </a:solidFill>
+                <a:latin typeface="Lucida Console" panose="020B0609040504020204" pitchFamily="49" charset="0"/>
+              </a:rPr>
+              <a:t>*</a:t>
+            </a:r>
+            <a:endParaRPr lang="en-GB" dirty="0">
+              <a:solidFill>
+                <a:prstClr val="black"/>
+              </a:solidFill>
+              <a:latin typeface="Lucida Console" panose="020B0609040504020204" pitchFamily="49" charset="0"/>
+            </a:endParaRPr>
+          </a:p>
+          <a:p>
+            <a:r>
+              <a:rPr lang="en-US" dirty="0">
+                <a:solidFill>
+                  <a:srgbClr val="0000FF"/>
+                </a:solidFill>
+                <a:latin typeface="Lucida Console" panose="020B0609040504020204" pitchFamily="49" charset="0"/>
+              </a:rPr>
+              <a:t>Get-</a:t>
+            </a:r>
+            <a:r>
+              <a:rPr lang="en-US" dirty="0" err="1">
+                <a:solidFill>
+                  <a:srgbClr val="0000FF"/>
+                </a:solidFill>
+                <a:latin typeface="Lucida Console" panose="020B0609040504020204" pitchFamily="49" charset="0"/>
+              </a:rPr>
+              <a:t>ControlPanelItem</a:t>
+            </a:r>
+            <a:r>
+              <a:rPr lang="en-US" dirty="0">
+                <a:solidFill>
+                  <a:prstClr val="black"/>
+                </a:solidFill>
+                <a:latin typeface="Lucida Console" panose="020B0609040504020204" pitchFamily="49" charset="0"/>
+              </a:rPr>
+              <a:t> </a:t>
+            </a:r>
+            <a:r>
+              <a:rPr lang="en-US" dirty="0">
+                <a:solidFill>
+                  <a:srgbClr val="000080"/>
+                </a:solidFill>
+                <a:latin typeface="Lucida Console" panose="020B0609040504020204" pitchFamily="49" charset="0"/>
+              </a:rPr>
+              <a:t>-name</a:t>
+            </a:r>
+            <a:r>
+              <a:rPr lang="en-US" dirty="0">
+                <a:solidFill>
+                  <a:prstClr val="black"/>
+                </a:solidFill>
+                <a:latin typeface="Lucida Console" panose="020B0609040504020204" pitchFamily="49" charset="0"/>
+              </a:rPr>
+              <a:t> </a:t>
+            </a:r>
+            <a:r>
+              <a:rPr lang="en-US" dirty="0">
+                <a:solidFill>
+                  <a:srgbClr val="8B0000"/>
+                </a:solidFill>
+                <a:latin typeface="Lucida Console" panose="020B0609040504020204" pitchFamily="49" charset="0"/>
+              </a:rPr>
+              <a:t>"Windows Defender </a:t>
+            </a:r>
+            <a:r>
+              <a:rPr lang="en-US" dirty="0" err="1">
+                <a:solidFill>
+                  <a:srgbClr val="8B0000"/>
+                </a:solidFill>
+                <a:latin typeface="Lucida Console" panose="020B0609040504020204" pitchFamily="49" charset="0"/>
+              </a:rPr>
+              <a:t>FireWall</a:t>
+            </a:r>
+            <a:r>
+              <a:rPr lang="en-US" dirty="0">
+                <a:solidFill>
+                  <a:srgbClr val="8B0000"/>
+                </a:solidFill>
+                <a:latin typeface="Lucida Console" panose="020B0609040504020204" pitchFamily="49" charset="0"/>
+              </a:rPr>
+              <a:t>"</a:t>
+            </a:r>
+            <a:r>
+              <a:rPr lang="en-US" dirty="0">
+                <a:solidFill>
+                  <a:prstClr val="black"/>
+                </a:solidFill>
+                <a:latin typeface="Lucida Console" panose="020B0609040504020204" pitchFamily="49" charset="0"/>
+              </a:rPr>
+              <a:t> </a:t>
+            </a:r>
+            <a:r>
+              <a:rPr lang="en-US" dirty="0">
+                <a:solidFill>
+                  <a:srgbClr val="A9A9A9"/>
+                </a:solidFill>
+                <a:latin typeface="Lucida Console" panose="020B0609040504020204" pitchFamily="49" charset="0"/>
+              </a:rPr>
+              <a:t>|</a:t>
+            </a:r>
+            <a:r>
+              <a:rPr lang="en-US" dirty="0">
+                <a:solidFill>
+                  <a:prstClr val="black"/>
+                </a:solidFill>
+                <a:latin typeface="Lucida Console" panose="020B0609040504020204" pitchFamily="49" charset="0"/>
+              </a:rPr>
+              <a:t> </a:t>
+            </a:r>
+            <a:r>
+              <a:rPr lang="en-US" dirty="0">
+                <a:solidFill>
+                  <a:srgbClr val="0000FF"/>
+                </a:solidFill>
+                <a:latin typeface="Lucida Console" panose="020B0609040504020204" pitchFamily="49" charset="0"/>
+              </a:rPr>
+              <a:t>Show-</a:t>
+            </a:r>
+            <a:r>
+              <a:rPr lang="en-US" dirty="0" err="1">
+                <a:solidFill>
+                  <a:srgbClr val="0000FF"/>
+                </a:solidFill>
+                <a:latin typeface="Lucida Console" panose="020B0609040504020204" pitchFamily="49" charset="0"/>
+              </a:rPr>
+              <a:t>ControlPanelItem</a:t>
+            </a:r>
+            <a:endParaRPr lang="en-US" dirty="0">
+              <a:solidFill>
+                <a:prstClr val="black"/>
+              </a:solidFill>
+              <a:latin typeface="Lucida Console" panose="020B0609040504020204" pitchFamily="49" charset="0"/>
+            </a:endParaRPr>
+          </a:p>
+          <a:p>
+            <a:r>
+              <a:rPr lang="en-GB" dirty="0">
+                <a:solidFill>
+                  <a:srgbClr val="0000FF"/>
+                </a:solidFill>
+                <a:latin typeface="Lucida Console" panose="020B0609040504020204" pitchFamily="49" charset="0"/>
+              </a:rPr>
+              <a:t>Get-</a:t>
+            </a:r>
+            <a:r>
+              <a:rPr lang="en-GB" dirty="0" err="1">
+                <a:solidFill>
+                  <a:srgbClr val="0000FF"/>
+                </a:solidFill>
+                <a:latin typeface="Lucida Console" panose="020B0609040504020204" pitchFamily="49" charset="0"/>
+              </a:rPr>
+              <a:t>ControlPanelItem</a:t>
+            </a:r>
+            <a:r>
+              <a:rPr lang="en-GB" dirty="0">
+                <a:solidFill>
+                  <a:prstClr val="black"/>
+                </a:solidFill>
+                <a:latin typeface="Lucida Console" panose="020B0609040504020204" pitchFamily="49" charset="0"/>
+              </a:rPr>
+              <a:t> </a:t>
+            </a:r>
+            <a:r>
+              <a:rPr lang="en-GB" dirty="0">
+                <a:solidFill>
+                  <a:srgbClr val="000080"/>
+                </a:solidFill>
+                <a:latin typeface="Lucida Console" panose="020B0609040504020204" pitchFamily="49" charset="0"/>
+              </a:rPr>
+              <a:t>-</a:t>
+            </a:r>
+            <a:r>
+              <a:rPr lang="en-GB" dirty="0" err="1">
+                <a:solidFill>
+                  <a:srgbClr val="000080"/>
+                </a:solidFill>
+                <a:latin typeface="Lucida Console" panose="020B0609040504020204" pitchFamily="49" charset="0"/>
+              </a:rPr>
+              <a:t>CanonicalName</a:t>
+            </a:r>
+            <a:r>
+              <a:rPr lang="en-GB" dirty="0">
+                <a:solidFill>
+                  <a:prstClr val="black"/>
+                </a:solidFill>
+                <a:latin typeface="Lucida Console" panose="020B0609040504020204" pitchFamily="49" charset="0"/>
+              </a:rPr>
+              <a:t> </a:t>
+            </a:r>
+            <a:r>
+              <a:rPr lang="en-GB" dirty="0" err="1">
+                <a:solidFill>
+                  <a:srgbClr val="8A2BE2"/>
+                </a:solidFill>
+                <a:latin typeface="Lucida Console" panose="020B0609040504020204" pitchFamily="49" charset="0"/>
+              </a:rPr>
+              <a:t>Microsoft.Display</a:t>
+            </a:r>
+            <a:r>
+              <a:rPr lang="en-GB" dirty="0">
+                <a:solidFill>
+                  <a:prstClr val="black"/>
+                </a:solidFill>
+                <a:latin typeface="Lucida Console" panose="020B0609040504020204" pitchFamily="49" charset="0"/>
+              </a:rPr>
+              <a:t> </a:t>
+            </a:r>
+            <a:r>
+              <a:rPr lang="en-GB" dirty="0">
+                <a:solidFill>
+                  <a:srgbClr val="A9A9A9"/>
+                </a:solidFill>
+                <a:latin typeface="Lucida Console" panose="020B0609040504020204" pitchFamily="49" charset="0"/>
+              </a:rPr>
+              <a:t>|</a:t>
+            </a:r>
+            <a:endParaRPr lang="en-GB" dirty="0">
+              <a:solidFill>
+                <a:prstClr val="black"/>
+              </a:solidFill>
+              <a:latin typeface="Lucida Console" panose="020B0609040504020204" pitchFamily="49" charset="0"/>
+            </a:endParaRPr>
+          </a:p>
+          <a:p>
+            <a:r>
+              <a:rPr lang="en-GB" dirty="0">
+                <a:solidFill>
+                  <a:prstClr val="black"/>
+                </a:solidFill>
+                <a:latin typeface="Lucida Console" panose="020B0609040504020204" pitchFamily="49" charset="0"/>
+              </a:rPr>
+              <a:t>													</a:t>
+            </a:r>
+            <a:r>
+              <a:rPr lang="en-GB" dirty="0">
+                <a:solidFill>
+                  <a:srgbClr val="0000FF"/>
+                </a:solidFill>
+                <a:latin typeface="Lucida Console" panose="020B0609040504020204" pitchFamily="49" charset="0"/>
+              </a:rPr>
+              <a:t>Show-</a:t>
+            </a:r>
+            <a:r>
+              <a:rPr lang="en-GB" dirty="0" err="1">
+                <a:solidFill>
+                  <a:srgbClr val="0000FF"/>
+                </a:solidFill>
+                <a:latin typeface="Lucida Console" panose="020B0609040504020204" pitchFamily="49" charset="0"/>
+              </a:rPr>
+              <a:t>ControlPanelItem</a:t>
+            </a:r>
+            <a:endParaRPr lang="en-GB" dirty="0">
+              <a:solidFill>
+                <a:prstClr val="black"/>
+              </a:solidFill>
+              <a:latin typeface="Lucida Console" panose="020B0609040504020204" pitchFamily="49" charset="0"/>
+            </a:endParaRPr>
+          </a:p>
+          <a:p>
+            <a:r>
+              <a:rPr lang="en-GB" dirty="0" err="1">
+                <a:solidFill>
+                  <a:srgbClr val="0000FF"/>
+                </a:solidFill>
+                <a:latin typeface="Lucida Console" panose="020B0609040504020204" pitchFamily="49" charset="0"/>
+              </a:rPr>
+              <a:t>appwiz</a:t>
+            </a:r>
+            <a:endParaRPr lang="en-GB" dirty="0">
+              <a:solidFill>
+                <a:prstClr val="black"/>
+              </a:solidFill>
+              <a:latin typeface="Lucida Console" panose="020B0609040504020204" pitchFamily="49" charset="0"/>
+            </a:endParaRPr>
+          </a:p>
+          <a:p>
+            <a:endParaRPr lang="en-GB" dirty="0">
+              <a:solidFill>
+                <a:prstClr val="black"/>
+              </a:solidFill>
+              <a:latin typeface="Lucida Console" panose="020B0609040504020204" pitchFamily="49" charset="0"/>
+            </a:endParaRPr>
+          </a:p>
+          <a:p>
+            <a:r>
+              <a:rPr lang="en-US" dirty="0">
+                <a:solidFill>
+                  <a:srgbClr val="0000FF"/>
+                </a:solidFill>
+                <a:latin typeface="Lucida Console" panose="020B0609040504020204" pitchFamily="49" charset="0"/>
+              </a:rPr>
+              <a:t>Get-</a:t>
+            </a:r>
+            <a:r>
+              <a:rPr lang="en-US" dirty="0" err="1">
+                <a:solidFill>
+                  <a:srgbClr val="0000FF"/>
+                </a:solidFill>
+                <a:latin typeface="Lucida Console" panose="020B0609040504020204" pitchFamily="49" charset="0"/>
+              </a:rPr>
+              <a:t>ChildItem</a:t>
+            </a:r>
+            <a:r>
+              <a:rPr lang="en-US" dirty="0">
+                <a:solidFill>
+                  <a:prstClr val="black"/>
+                </a:solidFill>
+                <a:latin typeface="Lucida Console" panose="020B0609040504020204" pitchFamily="49" charset="0"/>
+              </a:rPr>
+              <a:t> </a:t>
+            </a:r>
+            <a:r>
+              <a:rPr lang="en-US" dirty="0">
+                <a:solidFill>
+                  <a:srgbClr val="8A2BE2"/>
+                </a:solidFill>
+                <a:latin typeface="Lucida Console" panose="020B0609040504020204" pitchFamily="49" charset="0"/>
+              </a:rPr>
+              <a:t>C:\Windows\SysWOW64</a:t>
+            </a:r>
+            <a:r>
+              <a:rPr lang="en-US" dirty="0">
+                <a:solidFill>
+                  <a:prstClr val="black"/>
+                </a:solidFill>
+                <a:latin typeface="Lucida Console" panose="020B0609040504020204" pitchFamily="49" charset="0"/>
+              </a:rPr>
+              <a:t> </a:t>
+            </a:r>
+            <a:r>
+              <a:rPr lang="en-US" dirty="0">
+                <a:solidFill>
+                  <a:srgbClr val="000080"/>
+                </a:solidFill>
+                <a:latin typeface="Lucida Console" panose="020B0609040504020204" pitchFamily="49" charset="0"/>
+              </a:rPr>
+              <a:t>-Recurse</a:t>
+            </a:r>
+            <a:r>
+              <a:rPr lang="en-US" dirty="0">
+                <a:solidFill>
+                  <a:prstClr val="black"/>
+                </a:solidFill>
+                <a:latin typeface="Lucida Console" panose="020B0609040504020204" pitchFamily="49" charset="0"/>
+              </a:rPr>
+              <a:t> </a:t>
+            </a:r>
+            <a:r>
+              <a:rPr lang="en-US" dirty="0">
+                <a:solidFill>
+                  <a:srgbClr val="8A2BE2"/>
+                </a:solidFill>
+                <a:latin typeface="Lucida Console" panose="020B0609040504020204" pitchFamily="49" charset="0"/>
+              </a:rPr>
+              <a:t>*.</a:t>
+            </a:r>
+            <a:r>
+              <a:rPr lang="en-US" dirty="0" err="1">
+                <a:solidFill>
+                  <a:srgbClr val="8A2BE2"/>
+                </a:solidFill>
+                <a:latin typeface="Lucida Console" panose="020B0609040504020204" pitchFamily="49" charset="0"/>
+              </a:rPr>
+              <a:t>cpl</a:t>
+            </a:r>
+            <a:endParaRPr lang="en-US" dirty="0">
+              <a:solidFill>
+                <a:prstClr val="black"/>
+              </a:solidFill>
+              <a:latin typeface="Lucida Console" panose="020B0609040504020204" pitchFamily="49" charset="0"/>
+            </a:endParaRPr>
+          </a:p>
+          <a:p>
+            <a:r>
+              <a:rPr lang="en-US" dirty="0">
+                <a:solidFill>
+                  <a:srgbClr val="0000FF"/>
+                </a:solidFill>
+                <a:latin typeface="Lucida Console" panose="020B0609040504020204" pitchFamily="49" charset="0"/>
+              </a:rPr>
+              <a:t>Get-</a:t>
+            </a:r>
+            <a:r>
+              <a:rPr lang="en-US" dirty="0" err="1">
+                <a:solidFill>
+                  <a:srgbClr val="0000FF"/>
+                </a:solidFill>
+                <a:latin typeface="Lucida Console" panose="020B0609040504020204" pitchFamily="49" charset="0"/>
+              </a:rPr>
+              <a:t>ChildItem</a:t>
+            </a:r>
+            <a:r>
+              <a:rPr lang="en-US" dirty="0">
+                <a:solidFill>
+                  <a:prstClr val="black"/>
+                </a:solidFill>
+                <a:latin typeface="Lucida Console" panose="020B0609040504020204" pitchFamily="49" charset="0"/>
+              </a:rPr>
+              <a:t> </a:t>
+            </a:r>
+            <a:r>
+              <a:rPr lang="en-US" dirty="0">
+                <a:solidFill>
+                  <a:srgbClr val="8A2BE2"/>
+                </a:solidFill>
+                <a:latin typeface="Lucida Console" panose="020B0609040504020204" pitchFamily="49" charset="0"/>
+              </a:rPr>
+              <a:t>C:\Windows</a:t>
+            </a:r>
+            <a:r>
+              <a:rPr lang="en-US" dirty="0">
+                <a:solidFill>
+                  <a:prstClr val="black"/>
+                </a:solidFill>
+                <a:latin typeface="Lucida Console" panose="020B0609040504020204" pitchFamily="49" charset="0"/>
+              </a:rPr>
+              <a:t> </a:t>
+            </a:r>
+            <a:r>
+              <a:rPr lang="en-US" dirty="0">
+                <a:solidFill>
+                  <a:srgbClr val="000080"/>
+                </a:solidFill>
+                <a:latin typeface="Lucida Console" panose="020B0609040504020204" pitchFamily="49" charset="0"/>
+              </a:rPr>
+              <a:t>-Recurse</a:t>
+            </a:r>
+            <a:r>
+              <a:rPr lang="en-US" dirty="0">
+                <a:solidFill>
+                  <a:prstClr val="black"/>
+                </a:solidFill>
+                <a:latin typeface="Lucida Console" panose="020B0609040504020204" pitchFamily="49" charset="0"/>
+              </a:rPr>
+              <a:t> </a:t>
+            </a:r>
+            <a:r>
+              <a:rPr lang="en-US" dirty="0">
+                <a:solidFill>
+                  <a:srgbClr val="8A2BE2"/>
+                </a:solidFill>
+                <a:latin typeface="Lucida Console" panose="020B0609040504020204" pitchFamily="49" charset="0"/>
+              </a:rPr>
+              <a:t>*.</a:t>
+            </a:r>
+            <a:r>
+              <a:rPr lang="en-US" dirty="0" err="1">
+                <a:solidFill>
+                  <a:srgbClr val="8A2BE2"/>
+                </a:solidFill>
+                <a:latin typeface="Lucida Console" panose="020B0609040504020204" pitchFamily="49" charset="0"/>
+              </a:rPr>
+              <a:t>cpl</a:t>
+            </a:r>
+            <a:endParaRPr lang="en-US" dirty="0">
+              <a:solidFill>
+                <a:prstClr val="black"/>
+              </a:solidFill>
+              <a:latin typeface="Lucida Console" panose="020B0609040504020204" pitchFamily="49" charset="0"/>
+            </a:endParaRPr>
+          </a:p>
+          <a:p>
+            <a:endParaRPr lang="en-GB" dirty="0">
+              <a:solidFill>
+                <a:prstClr val="black"/>
+              </a:solidFill>
+              <a:latin typeface="Lucida Console" panose="020B0609040504020204" pitchFamily="49" charset="0"/>
+            </a:endParaRPr>
+          </a:p>
+          <a:p>
+            <a:r>
+              <a:rPr lang="en-GB" dirty="0">
+                <a:solidFill>
+                  <a:srgbClr val="0000FF"/>
+                </a:solidFill>
+                <a:latin typeface="Lucida Console" panose="020B0609040504020204" pitchFamily="49" charset="0"/>
+              </a:rPr>
+              <a:t>desk </a:t>
+            </a:r>
+          </a:p>
+        </p:txBody>
+      </p:sp>
+    </p:spTree>
+    <p:extLst>
+      <p:ext uri="{BB962C8B-B14F-4D97-AF65-F5344CB8AC3E}">
+        <p14:creationId xmlns:p14="http://schemas.microsoft.com/office/powerpoint/2010/main" val="1281675175"/>
+      </p:ext>
+    </p:extLst>
+  </p:cSld>
+  <p:clrMapOvr>
+    <a:masterClrMapping/>
+  </p:clrMapOvr>
+</p:sld>
+</file>
+
+<file path=ppt/slides/slide21.xml><?xml version="1.0" encoding="utf-8"?>
 <p:sld xmlns:a="http://schemas.openxmlformats.org/drawingml/2006/main" xmlns:r="http://schemas.openxmlformats.org/officeDocument/2006/relationships" xmlns:p="http://schemas.openxmlformats.org/presentationml/2006/main">
   <p:cSld>
     <p:spTree>
